--- a/02 - Transformación Datos/Analítica de datos - Sesion 04.pptx
+++ b/02 - Transformación Datos/Analítica de datos - Sesion 04.pptx
@@ -5,7 +5,7 @@
     <p:sldMasterId id="2147483673" r:id="rId1"/>
   </p:sldMasterIdLst>
   <p:notesMasterIdLst>
-    <p:notesMasterId r:id="rId39"/>
+    <p:notesMasterId r:id="rId43"/>
   </p:notesMasterIdLst>
   <p:sldIdLst>
     <p:sldId id="256" r:id="rId2"/>
@@ -33,18 +33,22 @@
     <p:sldId id="446" r:id="rId24"/>
     <p:sldId id="447" r:id="rId25"/>
     <p:sldId id="432" r:id="rId26"/>
-    <p:sldId id="434" r:id="rId27"/>
-    <p:sldId id="436" r:id="rId28"/>
-    <p:sldId id="437" r:id="rId29"/>
-    <p:sldId id="438" r:id="rId30"/>
-    <p:sldId id="441" r:id="rId31"/>
-    <p:sldId id="442" r:id="rId32"/>
-    <p:sldId id="445" r:id="rId33"/>
-    <p:sldId id="448" r:id="rId34"/>
-    <p:sldId id="449" r:id="rId35"/>
-    <p:sldId id="450" r:id="rId36"/>
-    <p:sldId id="451" r:id="rId37"/>
-    <p:sldId id="349" r:id="rId38"/>
+    <p:sldId id="452" r:id="rId27"/>
+    <p:sldId id="453" r:id="rId28"/>
+    <p:sldId id="454" r:id="rId29"/>
+    <p:sldId id="455" r:id="rId30"/>
+    <p:sldId id="434" r:id="rId31"/>
+    <p:sldId id="436" r:id="rId32"/>
+    <p:sldId id="437" r:id="rId33"/>
+    <p:sldId id="438" r:id="rId34"/>
+    <p:sldId id="441" r:id="rId35"/>
+    <p:sldId id="442" r:id="rId36"/>
+    <p:sldId id="445" r:id="rId37"/>
+    <p:sldId id="448" r:id="rId38"/>
+    <p:sldId id="449" r:id="rId39"/>
+    <p:sldId id="450" r:id="rId40"/>
+    <p:sldId id="451" r:id="rId41"/>
+    <p:sldId id="349" r:id="rId42"/>
   </p:sldIdLst>
   <p:sldSz cx="12192000" cy="6858000"/>
   <p:notesSz cx="6858000" cy="9144000"/>
@@ -155,7 +159,7 @@
 <p1510:revInfo xmlns:a="http://schemas.openxmlformats.org/drawingml/2006/main" xmlns:r="http://schemas.openxmlformats.org/officeDocument/2006/relationships" xmlns:p1510="http://schemas.microsoft.com/office/powerpoint/2015/10/main">
   <p1510:revLst>
     <p1510:client id="{23FEF0F2-AB23-103D-E566-BFF91B3F6670}" v="229" dt="2025-05-25T19:40:41.358"/>
-    <p1510:client id="{BAA84EB4-D270-A6CA-8892-B260E73C4B04}" v="9221" dt="2025-05-27T01:52:46.155"/>
+    <p1510:client id="{BAA84EB4-D270-A6CA-8892-B260E73C4B04}" v="10048" dt="2025-05-27T02:33:25.440"/>
   </p1510:revLst>
 </p1510:revInfo>
 </file>
@@ -2867,6 +2871,938 @@
         <p:cNvPr id="1" name="">
           <a:extLst>
             <a:ext uri="{FF2B5EF4-FFF2-40B4-BE49-F238E27FC236}">
+              <a16:creationId xmlns:a16="http://schemas.microsoft.com/office/drawing/2014/main" id="{06D54DCC-F87B-0984-83B7-B74984244919}"/>
+            </a:ext>
+          </a:extLst>
+        </p:cNvPr>
+        <p:cNvGrpSpPr/>
+        <p:nvPr/>
+      </p:nvGrpSpPr>
+      <p:grpSpPr>
+        <a:xfrm>
+          <a:off x="0" y="0"/>
+          <a:ext cx="0" cy="0"/>
+          <a:chOff x="0" y="0"/>
+          <a:chExt cx="0" cy="0"/>
+        </a:xfrm>
+      </p:grpSpPr>
+      <p:sp>
+        <p:nvSpPr>
+          <p:cNvPr id="2" name="Slide Image Placeholder 1">
+            <a:extLst>
+              <a:ext uri="{FF2B5EF4-FFF2-40B4-BE49-F238E27FC236}">
+                <a16:creationId xmlns:a16="http://schemas.microsoft.com/office/drawing/2014/main" id="{CB5E1E5A-6668-39F2-2DC3-B9E0DE4E90F8}"/>
+              </a:ext>
+            </a:extLst>
+          </p:cNvPr>
+          <p:cNvSpPr>
+            <a:spLocks noGrp="1" noRot="1" noChangeAspect="1"/>
+          </p:cNvSpPr>
+          <p:nvPr>
+            <p:ph type="sldImg"/>
+          </p:nvPr>
+        </p:nvSpPr>
+        <p:spPr/>
+      </p:sp>
+      <p:sp>
+        <p:nvSpPr>
+          <p:cNvPr id="3" name="Notes Placeholder 2">
+            <a:extLst>
+              <a:ext uri="{FF2B5EF4-FFF2-40B4-BE49-F238E27FC236}">
+                <a16:creationId xmlns:a16="http://schemas.microsoft.com/office/drawing/2014/main" id="{6D45AD40-DD0C-D5F7-5B58-6313E65CFCB0}"/>
+              </a:ext>
+            </a:extLst>
+          </p:cNvPr>
+          <p:cNvSpPr>
+            <a:spLocks noGrp="1"/>
+          </p:cNvSpPr>
+          <p:nvPr>
+            <p:ph type="body" idx="1"/>
+          </p:nvPr>
+        </p:nvSpPr>
+        <p:spPr/>
+        <p:txBody>
+          <a:bodyPr/>
+          <a:lstStyle/>
+          <a:p>
+            <a:br>
+              <a:rPr lang="en-US" dirty="0">
+                <a:cs typeface="+mn-lt"/>
+              </a:rPr>
+            </a:br>
+            <a:r>
+              <a:rPr lang="en-US" dirty="0"/>
+              <a:t>“Las </a:t>
+            </a:r>
+            <a:r>
+              <a:rPr lang="en-US" dirty="0" err="1"/>
+              <a:t>columnas</a:t>
+            </a:r>
+            <a:r>
+              <a:rPr lang="en-US" dirty="0"/>
+              <a:t> </a:t>
+            </a:r>
+            <a:r>
+              <a:rPr lang="en-US" dirty="0" err="1"/>
+              <a:t>personalizadas</a:t>
+            </a:r>
+            <a:r>
+              <a:rPr lang="en-US" dirty="0"/>
+              <a:t> </a:t>
+            </a:r>
+            <a:r>
+              <a:rPr lang="en-US" dirty="0" err="1"/>
+              <a:t>te</a:t>
+            </a:r>
+            <a:r>
+              <a:rPr lang="en-US" dirty="0"/>
+              <a:t> </a:t>
+            </a:r>
+            <a:r>
+              <a:rPr lang="en-US" dirty="0" err="1"/>
+              <a:t>permiten</a:t>
+            </a:r>
+            <a:r>
+              <a:rPr lang="en-US" dirty="0"/>
+              <a:t> </a:t>
+            </a:r>
+            <a:r>
+              <a:rPr lang="en-US" dirty="0" err="1"/>
+              <a:t>aplicar</a:t>
+            </a:r>
+            <a:r>
+              <a:rPr lang="en-US" dirty="0"/>
+              <a:t> </a:t>
+            </a:r>
+            <a:r>
+              <a:rPr lang="en-US" dirty="0" err="1"/>
+              <a:t>tu</a:t>
+            </a:r>
+            <a:r>
+              <a:rPr lang="en-US" dirty="0"/>
+              <a:t> </a:t>
+            </a:r>
+            <a:r>
+              <a:rPr lang="en-US" dirty="0" err="1"/>
+              <a:t>lógica</a:t>
+            </a:r>
+            <a:r>
+              <a:rPr lang="en-US" dirty="0"/>
+              <a:t> de </a:t>
+            </a:r>
+            <a:r>
+              <a:rPr lang="en-US" dirty="0" err="1"/>
+              <a:t>negocio</a:t>
+            </a:r>
+            <a:r>
+              <a:rPr lang="en-US" dirty="0"/>
+              <a:t> </a:t>
+            </a:r>
+            <a:r>
+              <a:rPr lang="en-US" dirty="0" err="1"/>
+              <a:t>directamente</a:t>
+            </a:r>
+            <a:r>
+              <a:rPr lang="en-US" dirty="0"/>
+              <a:t> </a:t>
+            </a:r>
+            <a:r>
+              <a:rPr lang="en-US" dirty="0" err="1"/>
+              <a:t>sobre</a:t>
+            </a:r>
+            <a:r>
+              <a:rPr lang="en-US" dirty="0"/>
+              <a:t> </a:t>
+            </a:r>
+            <a:r>
+              <a:rPr lang="en-US" dirty="0" err="1"/>
+              <a:t>los</a:t>
+            </a:r>
+            <a:r>
+              <a:rPr lang="en-US" dirty="0"/>
+              <a:t> </a:t>
+            </a:r>
+            <a:r>
+              <a:rPr lang="en-US" dirty="0" err="1"/>
+              <a:t>datos</a:t>
+            </a:r>
+            <a:r>
+              <a:rPr lang="en-US" dirty="0"/>
+              <a:t>.”</a:t>
+            </a:r>
+            <a:endParaRPr lang="en-US" dirty="0">
+              <a:ea typeface="Calibri" panose="020F0502020204030204"/>
+              <a:cs typeface="Calibri" panose="020F0502020204030204"/>
+            </a:endParaRPr>
+          </a:p>
+          <a:p>
+            <a:endParaRPr lang="en-US" dirty="0">
+              <a:cs typeface="+mn-lt"/>
+            </a:endParaRPr>
+          </a:p>
+          <a:p>
+            <a:br>
+              <a:rPr lang="en-US" dirty="0"/>
+            </a:br>
+            <a:endParaRPr lang="en-US" dirty="0"/>
+          </a:p>
+          <a:p>
+            <a:br>
+              <a:rPr lang="en-US" dirty="0"/>
+            </a:br>
+            <a:endParaRPr lang="en-US" dirty="0"/>
+          </a:p>
+        </p:txBody>
+      </p:sp>
+      <p:sp>
+        <p:nvSpPr>
+          <p:cNvPr id="4" name="Slide Number Placeholder 3">
+            <a:extLst>
+              <a:ext uri="{FF2B5EF4-FFF2-40B4-BE49-F238E27FC236}">
+                <a16:creationId xmlns:a16="http://schemas.microsoft.com/office/drawing/2014/main" id="{0CBCB0C9-8BAA-B7E0-26F5-2BC28F6DC606}"/>
+              </a:ext>
+            </a:extLst>
+          </p:cNvPr>
+          <p:cNvSpPr>
+            <a:spLocks noGrp="1"/>
+          </p:cNvSpPr>
+          <p:nvPr>
+            <p:ph type="sldNum" sz="quarter" idx="5"/>
+          </p:nvPr>
+        </p:nvSpPr>
+        <p:spPr/>
+        <p:txBody>
+          <a:bodyPr/>
+          <a:lstStyle/>
+          <a:p>
+            <a:fld id="{C04714E0-E1B7-414D-B561-17C6C526FC74}" type="slidenum">
+              <a:rPr lang="en-US"/>
+              <a:t>26</a:t>
+            </a:fld>
+            <a:endParaRPr lang="en-US"/>
+          </a:p>
+        </p:txBody>
+      </p:sp>
+    </p:spTree>
+    <p:extLst>
+      <p:ext uri="{BB962C8B-B14F-4D97-AF65-F5344CB8AC3E}">
+        <p14:creationId xmlns:p14="http://schemas.microsoft.com/office/powerpoint/2010/main" val="1369741483"/>
+      </p:ext>
+    </p:extLst>
+  </p:cSld>
+  <p:clrMapOvr>
+    <a:masterClrMapping/>
+  </p:clrMapOvr>
+</p:notes>
+</file>
+
+<file path=ppt/notesSlides/notesSlide22.xml><?xml version="1.0" encoding="utf-8"?>
+<p:notes xmlns:a="http://schemas.openxmlformats.org/drawingml/2006/main" xmlns:r="http://schemas.openxmlformats.org/officeDocument/2006/relationships" xmlns:p="http://schemas.openxmlformats.org/presentationml/2006/main">
+  <p:cSld>
+    <p:spTree>
+      <p:nvGrpSpPr>
+        <p:cNvPr id="1" name="">
+          <a:extLst>
+            <a:ext uri="{FF2B5EF4-FFF2-40B4-BE49-F238E27FC236}">
+              <a16:creationId xmlns:a16="http://schemas.microsoft.com/office/drawing/2014/main" id="{7A6321EB-23CC-FE5F-8E28-A2F8E21F342D}"/>
+            </a:ext>
+          </a:extLst>
+        </p:cNvPr>
+        <p:cNvGrpSpPr/>
+        <p:nvPr/>
+      </p:nvGrpSpPr>
+      <p:grpSpPr>
+        <a:xfrm>
+          <a:off x="0" y="0"/>
+          <a:ext cx="0" cy="0"/>
+          <a:chOff x="0" y="0"/>
+          <a:chExt cx="0" cy="0"/>
+        </a:xfrm>
+      </p:grpSpPr>
+      <p:sp>
+        <p:nvSpPr>
+          <p:cNvPr id="2" name="Slide Image Placeholder 1">
+            <a:extLst>
+              <a:ext uri="{FF2B5EF4-FFF2-40B4-BE49-F238E27FC236}">
+                <a16:creationId xmlns:a16="http://schemas.microsoft.com/office/drawing/2014/main" id="{3387C148-0C60-642F-F4D6-605D42B9532E}"/>
+              </a:ext>
+            </a:extLst>
+          </p:cNvPr>
+          <p:cNvSpPr>
+            <a:spLocks noGrp="1" noRot="1" noChangeAspect="1"/>
+          </p:cNvSpPr>
+          <p:nvPr>
+            <p:ph type="sldImg"/>
+          </p:nvPr>
+        </p:nvSpPr>
+        <p:spPr/>
+      </p:sp>
+      <p:sp>
+        <p:nvSpPr>
+          <p:cNvPr id="3" name="Notes Placeholder 2">
+            <a:extLst>
+              <a:ext uri="{FF2B5EF4-FFF2-40B4-BE49-F238E27FC236}">
+                <a16:creationId xmlns:a16="http://schemas.microsoft.com/office/drawing/2014/main" id="{0CBE900B-658A-0B25-5DC4-AF36A95D455A}"/>
+              </a:ext>
+            </a:extLst>
+          </p:cNvPr>
+          <p:cNvSpPr>
+            <a:spLocks noGrp="1"/>
+          </p:cNvSpPr>
+          <p:nvPr>
+            <p:ph type="body" idx="1"/>
+          </p:nvPr>
+        </p:nvSpPr>
+        <p:spPr/>
+        <p:txBody>
+          <a:bodyPr/>
+          <a:lstStyle/>
+          <a:p>
+            <a:br>
+              <a:rPr lang="en-US" dirty="0">
+                <a:cs typeface="+mn-lt"/>
+              </a:rPr>
+            </a:br>
+            <a:r>
+              <a:rPr lang="en-US" dirty="0"/>
+              <a:t>“Las </a:t>
+            </a:r>
+            <a:r>
+              <a:rPr lang="en-US" dirty="0" err="1"/>
+              <a:t>columnas</a:t>
+            </a:r>
+            <a:r>
+              <a:rPr lang="en-US" dirty="0"/>
+              <a:t> </a:t>
+            </a:r>
+            <a:r>
+              <a:rPr lang="en-US" dirty="0" err="1"/>
+              <a:t>personalizadas</a:t>
+            </a:r>
+            <a:r>
+              <a:rPr lang="en-US" dirty="0"/>
+              <a:t> </a:t>
+            </a:r>
+            <a:r>
+              <a:rPr lang="en-US" dirty="0" err="1"/>
+              <a:t>te</a:t>
+            </a:r>
+            <a:r>
+              <a:rPr lang="en-US" dirty="0"/>
+              <a:t> </a:t>
+            </a:r>
+            <a:r>
+              <a:rPr lang="en-US" dirty="0" err="1"/>
+              <a:t>permiten</a:t>
+            </a:r>
+            <a:r>
+              <a:rPr lang="en-US" dirty="0"/>
+              <a:t> </a:t>
+            </a:r>
+            <a:r>
+              <a:rPr lang="en-US" dirty="0" err="1"/>
+              <a:t>aplicar</a:t>
+            </a:r>
+            <a:r>
+              <a:rPr lang="en-US" dirty="0"/>
+              <a:t> </a:t>
+            </a:r>
+            <a:r>
+              <a:rPr lang="en-US" dirty="0" err="1"/>
+              <a:t>tu</a:t>
+            </a:r>
+            <a:r>
+              <a:rPr lang="en-US" dirty="0"/>
+              <a:t> </a:t>
+            </a:r>
+            <a:r>
+              <a:rPr lang="en-US" dirty="0" err="1"/>
+              <a:t>lógica</a:t>
+            </a:r>
+            <a:r>
+              <a:rPr lang="en-US" dirty="0"/>
+              <a:t> de </a:t>
+            </a:r>
+            <a:r>
+              <a:rPr lang="en-US" dirty="0" err="1"/>
+              <a:t>negocio</a:t>
+            </a:r>
+            <a:r>
+              <a:rPr lang="en-US" dirty="0"/>
+              <a:t> </a:t>
+            </a:r>
+            <a:r>
+              <a:rPr lang="en-US" dirty="0" err="1"/>
+              <a:t>directamente</a:t>
+            </a:r>
+            <a:r>
+              <a:rPr lang="en-US" dirty="0"/>
+              <a:t> </a:t>
+            </a:r>
+            <a:r>
+              <a:rPr lang="en-US" dirty="0" err="1"/>
+              <a:t>sobre</a:t>
+            </a:r>
+            <a:r>
+              <a:rPr lang="en-US" dirty="0"/>
+              <a:t> </a:t>
+            </a:r>
+            <a:r>
+              <a:rPr lang="en-US" dirty="0" err="1"/>
+              <a:t>los</a:t>
+            </a:r>
+            <a:r>
+              <a:rPr lang="en-US" dirty="0"/>
+              <a:t> </a:t>
+            </a:r>
+            <a:r>
+              <a:rPr lang="en-US" dirty="0" err="1"/>
+              <a:t>datos</a:t>
+            </a:r>
+            <a:r>
+              <a:rPr lang="en-US" dirty="0"/>
+              <a:t>.”</a:t>
+            </a:r>
+            <a:endParaRPr lang="en-US" dirty="0">
+              <a:ea typeface="Calibri" panose="020F0502020204030204"/>
+              <a:cs typeface="Calibri" panose="020F0502020204030204"/>
+            </a:endParaRPr>
+          </a:p>
+          <a:p>
+            <a:endParaRPr lang="en-US" dirty="0">
+              <a:cs typeface="+mn-lt"/>
+            </a:endParaRPr>
+          </a:p>
+          <a:p>
+            <a:br>
+              <a:rPr lang="en-US" dirty="0"/>
+            </a:br>
+            <a:endParaRPr lang="en-US" dirty="0"/>
+          </a:p>
+          <a:p>
+            <a:br>
+              <a:rPr lang="en-US" dirty="0"/>
+            </a:br>
+            <a:endParaRPr lang="en-US" dirty="0"/>
+          </a:p>
+        </p:txBody>
+      </p:sp>
+      <p:sp>
+        <p:nvSpPr>
+          <p:cNvPr id="4" name="Slide Number Placeholder 3">
+            <a:extLst>
+              <a:ext uri="{FF2B5EF4-FFF2-40B4-BE49-F238E27FC236}">
+                <a16:creationId xmlns:a16="http://schemas.microsoft.com/office/drawing/2014/main" id="{064E62C3-72BF-85D2-EBB0-2FD7A32F4F27}"/>
+              </a:ext>
+            </a:extLst>
+          </p:cNvPr>
+          <p:cNvSpPr>
+            <a:spLocks noGrp="1"/>
+          </p:cNvSpPr>
+          <p:nvPr>
+            <p:ph type="sldNum" sz="quarter" idx="5"/>
+          </p:nvPr>
+        </p:nvSpPr>
+        <p:spPr/>
+        <p:txBody>
+          <a:bodyPr/>
+          <a:lstStyle/>
+          <a:p>
+            <a:fld id="{C04714E0-E1B7-414D-B561-17C6C526FC74}" type="slidenum">
+              <a:rPr lang="en-US"/>
+              <a:t>27</a:t>
+            </a:fld>
+            <a:endParaRPr lang="en-US"/>
+          </a:p>
+        </p:txBody>
+      </p:sp>
+    </p:spTree>
+    <p:extLst>
+      <p:ext uri="{BB962C8B-B14F-4D97-AF65-F5344CB8AC3E}">
+        <p14:creationId xmlns:p14="http://schemas.microsoft.com/office/powerpoint/2010/main" val="358608320"/>
+      </p:ext>
+    </p:extLst>
+  </p:cSld>
+  <p:clrMapOvr>
+    <a:masterClrMapping/>
+  </p:clrMapOvr>
+</p:notes>
+</file>
+
+<file path=ppt/notesSlides/notesSlide23.xml><?xml version="1.0" encoding="utf-8"?>
+<p:notes xmlns:a="http://schemas.openxmlformats.org/drawingml/2006/main" xmlns:r="http://schemas.openxmlformats.org/officeDocument/2006/relationships" xmlns:p="http://schemas.openxmlformats.org/presentationml/2006/main">
+  <p:cSld>
+    <p:spTree>
+      <p:nvGrpSpPr>
+        <p:cNvPr id="1" name="">
+          <a:extLst>
+            <a:ext uri="{FF2B5EF4-FFF2-40B4-BE49-F238E27FC236}">
+              <a16:creationId xmlns:a16="http://schemas.microsoft.com/office/drawing/2014/main" id="{A5B58455-1376-9AF6-EE72-287E43B10098}"/>
+            </a:ext>
+          </a:extLst>
+        </p:cNvPr>
+        <p:cNvGrpSpPr/>
+        <p:nvPr/>
+      </p:nvGrpSpPr>
+      <p:grpSpPr>
+        <a:xfrm>
+          <a:off x="0" y="0"/>
+          <a:ext cx="0" cy="0"/>
+          <a:chOff x="0" y="0"/>
+          <a:chExt cx="0" cy="0"/>
+        </a:xfrm>
+      </p:grpSpPr>
+      <p:sp>
+        <p:nvSpPr>
+          <p:cNvPr id="2" name="Slide Image Placeholder 1">
+            <a:extLst>
+              <a:ext uri="{FF2B5EF4-FFF2-40B4-BE49-F238E27FC236}">
+                <a16:creationId xmlns:a16="http://schemas.microsoft.com/office/drawing/2014/main" id="{69E3DD47-7253-045A-6947-70E3B2A79A4F}"/>
+              </a:ext>
+            </a:extLst>
+          </p:cNvPr>
+          <p:cNvSpPr>
+            <a:spLocks noGrp="1" noRot="1" noChangeAspect="1"/>
+          </p:cNvSpPr>
+          <p:nvPr>
+            <p:ph type="sldImg"/>
+          </p:nvPr>
+        </p:nvSpPr>
+        <p:spPr/>
+      </p:sp>
+      <p:sp>
+        <p:nvSpPr>
+          <p:cNvPr id="3" name="Notes Placeholder 2">
+            <a:extLst>
+              <a:ext uri="{FF2B5EF4-FFF2-40B4-BE49-F238E27FC236}">
+                <a16:creationId xmlns:a16="http://schemas.microsoft.com/office/drawing/2014/main" id="{12E8C221-2363-F841-7360-DB3320BB6E1E}"/>
+              </a:ext>
+            </a:extLst>
+          </p:cNvPr>
+          <p:cNvSpPr>
+            <a:spLocks noGrp="1"/>
+          </p:cNvSpPr>
+          <p:nvPr>
+            <p:ph type="body" idx="1"/>
+          </p:nvPr>
+        </p:nvSpPr>
+        <p:spPr/>
+        <p:txBody>
+          <a:bodyPr/>
+          <a:lstStyle/>
+          <a:p>
+            <a:br>
+              <a:rPr lang="en-US" dirty="0">
+                <a:cs typeface="+mn-lt"/>
+              </a:rPr>
+            </a:br>
+            <a:r>
+              <a:rPr lang="en-US" dirty="0"/>
+              <a:t>“Las </a:t>
+            </a:r>
+            <a:r>
+              <a:rPr lang="en-US" dirty="0" err="1"/>
+              <a:t>columnas</a:t>
+            </a:r>
+            <a:r>
+              <a:rPr lang="en-US" dirty="0"/>
+              <a:t> </a:t>
+            </a:r>
+            <a:r>
+              <a:rPr lang="en-US" dirty="0" err="1"/>
+              <a:t>personalizadas</a:t>
+            </a:r>
+            <a:r>
+              <a:rPr lang="en-US" dirty="0"/>
+              <a:t> </a:t>
+            </a:r>
+            <a:r>
+              <a:rPr lang="en-US" dirty="0" err="1"/>
+              <a:t>te</a:t>
+            </a:r>
+            <a:r>
+              <a:rPr lang="en-US" dirty="0"/>
+              <a:t> </a:t>
+            </a:r>
+            <a:r>
+              <a:rPr lang="en-US" dirty="0" err="1"/>
+              <a:t>permiten</a:t>
+            </a:r>
+            <a:r>
+              <a:rPr lang="en-US" dirty="0"/>
+              <a:t> </a:t>
+            </a:r>
+            <a:r>
+              <a:rPr lang="en-US" dirty="0" err="1"/>
+              <a:t>aplicar</a:t>
+            </a:r>
+            <a:r>
+              <a:rPr lang="en-US" dirty="0"/>
+              <a:t> </a:t>
+            </a:r>
+            <a:r>
+              <a:rPr lang="en-US" dirty="0" err="1"/>
+              <a:t>tu</a:t>
+            </a:r>
+            <a:r>
+              <a:rPr lang="en-US" dirty="0"/>
+              <a:t> </a:t>
+            </a:r>
+            <a:r>
+              <a:rPr lang="en-US" dirty="0" err="1"/>
+              <a:t>lógica</a:t>
+            </a:r>
+            <a:r>
+              <a:rPr lang="en-US" dirty="0"/>
+              <a:t> de </a:t>
+            </a:r>
+            <a:r>
+              <a:rPr lang="en-US" dirty="0" err="1"/>
+              <a:t>negocio</a:t>
+            </a:r>
+            <a:r>
+              <a:rPr lang="en-US" dirty="0"/>
+              <a:t> </a:t>
+            </a:r>
+            <a:r>
+              <a:rPr lang="en-US" dirty="0" err="1"/>
+              <a:t>directamente</a:t>
+            </a:r>
+            <a:r>
+              <a:rPr lang="en-US" dirty="0"/>
+              <a:t> </a:t>
+            </a:r>
+            <a:r>
+              <a:rPr lang="en-US" dirty="0" err="1"/>
+              <a:t>sobre</a:t>
+            </a:r>
+            <a:r>
+              <a:rPr lang="en-US" dirty="0"/>
+              <a:t> </a:t>
+            </a:r>
+            <a:r>
+              <a:rPr lang="en-US" dirty="0" err="1"/>
+              <a:t>los</a:t>
+            </a:r>
+            <a:r>
+              <a:rPr lang="en-US" dirty="0"/>
+              <a:t> </a:t>
+            </a:r>
+            <a:r>
+              <a:rPr lang="en-US" dirty="0" err="1"/>
+              <a:t>datos</a:t>
+            </a:r>
+            <a:r>
+              <a:rPr lang="en-US" dirty="0"/>
+              <a:t>.”</a:t>
+            </a:r>
+            <a:endParaRPr lang="en-US" dirty="0">
+              <a:ea typeface="Calibri" panose="020F0502020204030204"/>
+              <a:cs typeface="Calibri" panose="020F0502020204030204"/>
+            </a:endParaRPr>
+          </a:p>
+          <a:p>
+            <a:endParaRPr lang="en-US" dirty="0">
+              <a:cs typeface="+mn-lt"/>
+            </a:endParaRPr>
+          </a:p>
+          <a:p>
+            <a:br>
+              <a:rPr lang="en-US" dirty="0"/>
+            </a:br>
+            <a:endParaRPr lang="en-US" dirty="0"/>
+          </a:p>
+          <a:p>
+            <a:br>
+              <a:rPr lang="en-US" dirty="0"/>
+            </a:br>
+            <a:endParaRPr lang="en-US" dirty="0"/>
+          </a:p>
+        </p:txBody>
+      </p:sp>
+      <p:sp>
+        <p:nvSpPr>
+          <p:cNvPr id="4" name="Slide Number Placeholder 3">
+            <a:extLst>
+              <a:ext uri="{FF2B5EF4-FFF2-40B4-BE49-F238E27FC236}">
+                <a16:creationId xmlns:a16="http://schemas.microsoft.com/office/drawing/2014/main" id="{64ABAA67-E247-8775-86A2-0843C173AAC9}"/>
+              </a:ext>
+            </a:extLst>
+          </p:cNvPr>
+          <p:cNvSpPr>
+            <a:spLocks noGrp="1"/>
+          </p:cNvSpPr>
+          <p:nvPr>
+            <p:ph type="sldNum" sz="quarter" idx="5"/>
+          </p:nvPr>
+        </p:nvSpPr>
+        <p:spPr/>
+        <p:txBody>
+          <a:bodyPr/>
+          <a:lstStyle/>
+          <a:p>
+            <a:fld id="{C04714E0-E1B7-414D-B561-17C6C526FC74}" type="slidenum">
+              <a:rPr lang="en-US"/>
+              <a:t>28</a:t>
+            </a:fld>
+            <a:endParaRPr lang="en-US"/>
+          </a:p>
+        </p:txBody>
+      </p:sp>
+    </p:spTree>
+    <p:extLst>
+      <p:ext uri="{BB962C8B-B14F-4D97-AF65-F5344CB8AC3E}">
+        <p14:creationId xmlns:p14="http://schemas.microsoft.com/office/powerpoint/2010/main" val="3868200519"/>
+      </p:ext>
+    </p:extLst>
+  </p:cSld>
+  <p:clrMapOvr>
+    <a:masterClrMapping/>
+  </p:clrMapOvr>
+</p:notes>
+</file>
+
+<file path=ppt/notesSlides/notesSlide24.xml><?xml version="1.0" encoding="utf-8"?>
+<p:notes xmlns:a="http://schemas.openxmlformats.org/drawingml/2006/main" xmlns:r="http://schemas.openxmlformats.org/officeDocument/2006/relationships" xmlns:p="http://schemas.openxmlformats.org/presentationml/2006/main">
+  <p:cSld>
+    <p:spTree>
+      <p:nvGrpSpPr>
+        <p:cNvPr id="1" name="">
+          <a:extLst>
+            <a:ext uri="{FF2B5EF4-FFF2-40B4-BE49-F238E27FC236}">
+              <a16:creationId xmlns:a16="http://schemas.microsoft.com/office/drawing/2014/main" id="{5EC29C95-9775-677D-4C56-2A84A25EADEB}"/>
+            </a:ext>
+          </a:extLst>
+        </p:cNvPr>
+        <p:cNvGrpSpPr/>
+        <p:nvPr/>
+      </p:nvGrpSpPr>
+      <p:grpSpPr>
+        <a:xfrm>
+          <a:off x="0" y="0"/>
+          <a:ext cx="0" cy="0"/>
+          <a:chOff x="0" y="0"/>
+          <a:chExt cx="0" cy="0"/>
+        </a:xfrm>
+      </p:grpSpPr>
+      <p:sp>
+        <p:nvSpPr>
+          <p:cNvPr id="2" name="Slide Image Placeholder 1">
+            <a:extLst>
+              <a:ext uri="{FF2B5EF4-FFF2-40B4-BE49-F238E27FC236}">
+                <a16:creationId xmlns:a16="http://schemas.microsoft.com/office/drawing/2014/main" id="{F4235857-7A15-743F-A993-5B79652865D7}"/>
+              </a:ext>
+            </a:extLst>
+          </p:cNvPr>
+          <p:cNvSpPr>
+            <a:spLocks noGrp="1" noRot="1" noChangeAspect="1"/>
+          </p:cNvSpPr>
+          <p:nvPr>
+            <p:ph type="sldImg"/>
+          </p:nvPr>
+        </p:nvSpPr>
+        <p:spPr/>
+      </p:sp>
+      <p:sp>
+        <p:nvSpPr>
+          <p:cNvPr id="3" name="Notes Placeholder 2">
+            <a:extLst>
+              <a:ext uri="{FF2B5EF4-FFF2-40B4-BE49-F238E27FC236}">
+                <a16:creationId xmlns:a16="http://schemas.microsoft.com/office/drawing/2014/main" id="{502E3793-B08B-3841-4099-137E47048B65}"/>
+              </a:ext>
+            </a:extLst>
+          </p:cNvPr>
+          <p:cNvSpPr>
+            <a:spLocks noGrp="1"/>
+          </p:cNvSpPr>
+          <p:nvPr>
+            <p:ph type="body" idx="1"/>
+          </p:nvPr>
+        </p:nvSpPr>
+        <p:spPr/>
+        <p:txBody>
+          <a:bodyPr/>
+          <a:lstStyle/>
+          <a:p>
+            <a:br>
+              <a:rPr lang="en-US" dirty="0">
+                <a:cs typeface="+mn-lt"/>
+              </a:rPr>
+            </a:br>
+            <a:r>
+              <a:rPr lang="en-US" dirty="0"/>
+              <a:t>“Las </a:t>
+            </a:r>
+            <a:r>
+              <a:rPr lang="en-US" dirty="0" err="1"/>
+              <a:t>columnas</a:t>
+            </a:r>
+            <a:r>
+              <a:rPr lang="en-US" dirty="0"/>
+              <a:t> </a:t>
+            </a:r>
+            <a:r>
+              <a:rPr lang="en-US" dirty="0" err="1"/>
+              <a:t>personalizadas</a:t>
+            </a:r>
+            <a:r>
+              <a:rPr lang="en-US" dirty="0"/>
+              <a:t> </a:t>
+            </a:r>
+            <a:r>
+              <a:rPr lang="en-US" dirty="0" err="1"/>
+              <a:t>te</a:t>
+            </a:r>
+            <a:r>
+              <a:rPr lang="en-US" dirty="0"/>
+              <a:t> </a:t>
+            </a:r>
+            <a:r>
+              <a:rPr lang="en-US" dirty="0" err="1"/>
+              <a:t>permiten</a:t>
+            </a:r>
+            <a:r>
+              <a:rPr lang="en-US" dirty="0"/>
+              <a:t> </a:t>
+            </a:r>
+            <a:r>
+              <a:rPr lang="en-US" dirty="0" err="1"/>
+              <a:t>aplicar</a:t>
+            </a:r>
+            <a:r>
+              <a:rPr lang="en-US" dirty="0"/>
+              <a:t> </a:t>
+            </a:r>
+            <a:r>
+              <a:rPr lang="en-US" dirty="0" err="1"/>
+              <a:t>tu</a:t>
+            </a:r>
+            <a:r>
+              <a:rPr lang="en-US" dirty="0"/>
+              <a:t> </a:t>
+            </a:r>
+            <a:r>
+              <a:rPr lang="en-US" dirty="0" err="1"/>
+              <a:t>lógica</a:t>
+            </a:r>
+            <a:r>
+              <a:rPr lang="en-US" dirty="0"/>
+              <a:t> de </a:t>
+            </a:r>
+            <a:r>
+              <a:rPr lang="en-US" dirty="0" err="1"/>
+              <a:t>negocio</a:t>
+            </a:r>
+            <a:r>
+              <a:rPr lang="en-US" dirty="0"/>
+              <a:t> </a:t>
+            </a:r>
+            <a:r>
+              <a:rPr lang="en-US" dirty="0" err="1"/>
+              <a:t>directamente</a:t>
+            </a:r>
+            <a:r>
+              <a:rPr lang="en-US" dirty="0"/>
+              <a:t> </a:t>
+            </a:r>
+            <a:r>
+              <a:rPr lang="en-US" dirty="0" err="1"/>
+              <a:t>sobre</a:t>
+            </a:r>
+            <a:r>
+              <a:rPr lang="en-US" dirty="0"/>
+              <a:t> </a:t>
+            </a:r>
+            <a:r>
+              <a:rPr lang="en-US" dirty="0" err="1"/>
+              <a:t>los</a:t>
+            </a:r>
+            <a:r>
+              <a:rPr lang="en-US" dirty="0"/>
+              <a:t> </a:t>
+            </a:r>
+            <a:r>
+              <a:rPr lang="en-US" dirty="0" err="1"/>
+              <a:t>datos</a:t>
+            </a:r>
+            <a:r>
+              <a:rPr lang="en-US" dirty="0"/>
+              <a:t>.”</a:t>
+            </a:r>
+            <a:endParaRPr lang="en-US" dirty="0">
+              <a:ea typeface="Calibri" panose="020F0502020204030204"/>
+              <a:cs typeface="Calibri" panose="020F0502020204030204"/>
+            </a:endParaRPr>
+          </a:p>
+          <a:p>
+            <a:endParaRPr lang="en-US" dirty="0">
+              <a:cs typeface="+mn-lt"/>
+            </a:endParaRPr>
+          </a:p>
+          <a:p>
+            <a:br>
+              <a:rPr lang="en-US" dirty="0"/>
+            </a:br>
+            <a:endParaRPr lang="en-US" dirty="0"/>
+          </a:p>
+          <a:p>
+            <a:br>
+              <a:rPr lang="en-US" dirty="0"/>
+            </a:br>
+            <a:endParaRPr lang="en-US" dirty="0"/>
+          </a:p>
+        </p:txBody>
+      </p:sp>
+      <p:sp>
+        <p:nvSpPr>
+          <p:cNvPr id="4" name="Slide Number Placeholder 3">
+            <a:extLst>
+              <a:ext uri="{FF2B5EF4-FFF2-40B4-BE49-F238E27FC236}">
+                <a16:creationId xmlns:a16="http://schemas.microsoft.com/office/drawing/2014/main" id="{C0F56FCC-527F-9FEC-82AB-2DEBBCB90418}"/>
+              </a:ext>
+            </a:extLst>
+          </p:cNvPr>
+          <p:cNvSpPr>
+            <a:spLocks noGrp="1"/>
+          </p:cNvSpPr>
+          <p:nvPr>
+            <p:ph type="sldNum" sz="quarter" idx="5"/>
+          </p:nvPr>
+        </p:nvSpPr>
+        <p:spPr/>
+        <p:txBody>
+          <a:bodyPr/>
+          <a:lstStyle/>
+          <a:p>
+            <a:fld id="{C04714E0-E1B7-414D-B561-17C6C526FC74}" type="slidenum">
+              <a:rPr lang="en-US"/>
+              <a:t>29</a:t>
+            </a:fld>
+            <a:endParaRPr lang="en-US"/>
+          </a:p>
+        </p:txBody>
+      </p:sp>
+    </p:spTree>
+    <p:extLst>
+      <p:ext uri="{BB962C8B-B14F-4D97-AF65-F5344CB8AC3E}">
+        <p14:creationId xmlns:p14="http://schemas.microsoft.com/office/powerpoint/2010/main" val="1316675712"/>
+      </p:ext>
+    </p:extLst>
+  </p:cSld>
+  <p:clrMapOvr>
+    <a:masterClrMapping/>
+  </p:clrMapOvr>
+</p:notes>
+</file>
+
+<file path=ppt/notesSlides/notesSlide25.xml><?xml version="1.0" encoding="utf-8"?>
+<p:notes xmlns:a="http://schemas.openxmlformats.org/drawingml/2006/main" xmlns:r="http://schemas.openxmlformats.org/officeDocument/2006/relationships" xmlns:p="http://schemas.openxmlformats.org/presentationml/2006/main">
+  <p:cSld>
+    <p:spTree>
+      <p:nvGrpSpPr>
+        <p:cNvPr id="1" name="">
+          <a:extLst>
+            <a:ext uri="{FF2B5EF4-FFF2-40B4-BE49-F238E27FC236}">
               <a16:creationId xmlns:a16="http://schemas.microsoft.com/office/drawing/2014/main" id="{46FEF0AA-E715-2077-9F1E-A18165A62D41}"/>
             </a:ext>
           </a:extLst>
@@ -2976,7 +3912,7 @@
 </p:notes>
 </file>
 
-<file path=ppt/notesSlides/notesSlide22.xml><?xml version="1.0" encoding="utf-8"?>
+<file path=ppt/notesSlides/notesSlide26.xml><?xml version="1.0" encoding="utf-8"?>
 <p:notes xmlns:a="http://schemas.openxmlformats.org/drawingml/2006/main" xmlns:r="http://schemas.openxmlformats.org/officeDocument/2006/relationships" xmlns:p="http://schemas.openxmlformats.org/presentationml/2006/main">
   <p:cSld>
     <p:spTree>
@@ -3093,7 +4029,7 @@
 </p:notes>
 </file>
 
-<file path=ppt/notesSlides/notesSlide23.xml><?xml version="1.0" encoding="utf-8"?>
+<file path=ppt/notesSlides/notesSlide27.xml><?xml version="1.0" encoding="utf-8"?>
 <p:notes xmlns:a="http://schemas.openxmlformats.org/drawingml/2006/main" xmlns:r="http://schemas.openxmlformats.org/officeDocument/2006/relationships" xmlns:p="http://schemas.openxmlformats.org/presentationml/2006/main">
   <p:cSld>
     <p:spTree>
@@ -3326,7 +4262,7 @@
 </p:notes>
 </file>
 
-<file path=ppt/notesSlides/notesSlide24.xml><?xml version="1.0" encoding="utf-8"?>
+<file path=ppt/notesSlides/notesSlide28.xml><?xml version="1.0" encoding="utf-8"?>
 <p:notes xmlns:a="http://schemas.openxmlformats.org/drawingml/2006/main" xmlns:r="http://schemas.openxmlformats.org/officeDocument/2006/relationships" xmlns:p="http://schemas.openxmlformats.org/presentationml/2006/main">
   <p:cSld>
     <p:spTree>
@@ -3559,7 +4495,7 @@
 </p:notes>
 </file>
 
-<file path=ppt/notesSlides/notesSlide25.xml><?xml version="1.0" encoding="utf-8"?>
+<file path=ppt/notesSlides/notesSlide29.xml><?xml version="1.0" encoding="utf-8"?>
 <p:notes xmlns:a="http://schemas.openxmlformats.org/drawingml/2006/main" xmlns:r="http://schemas.openxmlformats.org/officeDocument/2006/relationships" xmlns:p="http://schemas.openxmlformats.org/presentationml/2006/main">
   <p:cSld>
     <p:spTree>
@@ -3783,569 +4719,6 @@
     <p:extLst>
       <p:ext uri="{BB962C8B-B14F-4D97-AF65-F5344CB8AC3E}">
         <p14:creationId xmlns:p14="http://schemas.microsoft.com/office/powerpoint/2010/main" val="80932483"/>
-      </p:ext>
-    </p:extLst>
-  </p:cSld>
-  <p:clrMapOvr>
-    <a:masterClrMapping/>
-  </p:clrMapOvr>
-</p:notes>
-</file>
-
-<file path=ppt/notesSlides/notesSlide26.xml><?xml version="1.0" encoding="utf-8"?>
-<p:notes xmlns:a="http://schemas.openxmlformats.org/drawingml/2006/main" xmlns:r="http://schemas.openxmlformats.org/officeDocument/2006/relationships" xmlns:p="http://schemas.openxmlformats.org/presentationml/2006/main">
-  <p:cSld>
-    <p:spTree>
-      <p:nvGrpSpPr>
-        <p:cNvPr id="1" name="">
-          <a:extLst>
-            <a:ext uri="{FF2B5EF4-FFF2-40B4-BE49-F238E27FC236}">
-              <a16:creationId xmlns:a16="http://schemas.microsoft.com/office/drawing/2014/main" id="{BAB4479C-5B9A-721A-479F-671975FEB266}"/>
-            </a:ext>
-          </a:extLst>
-        </p:cNvPr>
-        <p:cNvGrpSpPr/>
-        <p:nvPr/>
-      </p:nvGrpSpPr>
-      <p:grpSpPr>
-        <a:xfrm>
-          <a:off x="0" y="0"/>
-          <a:ext cx="0" cy="0"/>
-          <a:chOff x="0" y="0"/>
-          <a:chExt cx="0" cy="0"/>
-        </a:xfrm>
-      </p:grpSpPr>
-      <p:sp>
-        <p:nvSpPr>
-          <p:cNvPr id="2" name="Slide Image Placeholder 1">
-            <a:extLst>
-              <a:ext uri="{FF2B5EF4-FFF2-40B4-BE49-F238E27FC236}">
-                <a16:creationId xmlns:a16="http://schemas.microsoft.com/office/drawing/2014/main" id="{91EBE0BD-D6CA-2098-7C83-7261719AEC66}"/>
-              </a:ext>
-            </a:extLst>
-          </p:cNvPr>
-          <p:cNvSpPr>
-            <a:spLocks noGrp="1" noRot="1" noChangeAspect="1"/>
-          </p:cNvSpPr>
-          <p:nvPr>
-            <p:ph type="sldImg"/>
-          </p:nvPr>
-        </p:nvSpPr>
-        <p:spPr/>
-      </p:sp>
-      <p:sp>
-        <p:nvSpPr>
-          <p:cNvPr id="3" name="Notes Placeholder 2">
-            <a:extLst>
-              <a:ext uri="{FF2B5EF4-FFF2-40B4-BE49-F238E27FC236}">
-                <a16:creationId xmlns:a16="http://schemas.microsoft.com/office/drawing/2014/main" id="{00FF2147-EC55-4193-7908-BB60CFB36AF0}"/>
-              </a:ext>
-            </a:extLst>
-          </p:cNvPr>
-          <p:cNvSpPr>
-            <a:spLocks noGrp="1"/>
-          </p:cNvSpPr>
-          <p:nvPr>
-            <p:ph type="body" idx="1"/>
-          </p:nvPr>
-        </p:nvSpPr>
-        <p:spPr/>
-        <p:txBody>
-          <a:bodyPr/>
-          <a:lstStyle/>
-          <a:p>
-            <a:br>
-              <a:rPr lang="en-US" dirty="0">
-                <a:cs typeface="+mn-lt"/>
-              </a:rPr>
-            </a:br>
-            <a:r>
-              <a:rPr lang="en-US" dirty="0"/>
-              <a:t>“Las </a:t>
-            </a:r>
-            <a:r>
-              <a:rPr lang="en-US" dirty="0" err="1"/>
-              <a:t>columnas</a:t>
-            </a:r>
-            <a:r>
-              <a:rPr lang="en-US" dirty="0"/>
-              <a:t> </a:t>
-            </a:r>
-            <a:r>
-              <a:rPr lang="en-US" dirty="0" err="1"/>
-              <a:t>personalizadas</a:t>
-            </a:r>
-            <a:r>
-              <a:rPr lang="en-US" dirty="0"/>
-              <a:t> </a:t>
-            </a:r>
-            <a:r>
-              <a:rPr lang="en-US" dirty="0" err="1"/>
-              <a:t>te</a:t>
-            </a:r>
-            <a:r>
-              <a:rPr lang="en-US" dirty="0"/>
-              <a:t> </a:t>
-            </a:r>
-            <a:r>
-              <a:rPr lang="en-US" dirty="0" err="1"/>
-              <a:t>permiten</a:t>
-            </a:r>
-            <a:r>
-              <a:rPr lang="en-US" dirty="0"/>
-              <a:t> </a:t>
-            </a:r>
-            <a:r>
-              <a:rPr lang="en-US" dirty="0" err="1"/>
-              <a:t>aplicar</a:t>
-            </a:r>
-            <a:r>
-              <a:rPr lang="en-US" dirty="0"/>
-              <a:t> </a:t>
-            </a:r>
-            <a:r>
-              <a:rPr lang="en-US" dirty="0" err="1"/>
-              <a:t>tu</a:t>
-            </a:r>
-            <a:r>
-              <a:rPr lang="en-US" dirty="0"/>
-              <a:t> </a:t>
-            </a:r>
-            <a:r>
-              <a:rPr lang="en-US" dirty="0" err="1"/>
-              <a:t>lógica</a:t>
-            </a:r>
-            <a:r>
-              <a:rPr lang="en-US" dirty="0"/>
-              <a:t> de </a:t>
-            </a:r>
-            <a:r>
-              <a:rPr lang="en-US" dirty="0" err="1"/>
-              <a:t>negocio</a:t>
-            </a:r>
-            <a:r>
-              <a:rPr lang="en-US" dirty="0"/>
-              <a:t> </a:t>
-            </a:r>
-            <a:r>
-              <a:rPr lang="en-US" dirty="0" err="1"/>
-              <a:t>directamente</a:t>
-            </a:r>
-            <a:r>
-              <a:rPr lang="en-US" dirty="0"/>
-              <a:t> </a:t>
-            </a:r>
-            <a:r>
-              <a:rPr lang="en-US" dirty="0" err="1"/>
-              <a:t>sobre</a:t>
-            </a:r>
-            <a:r>
-              <a:rPr lang="en-US" dirty="0"/>
-              <a:t> </a:t>
-            </a:r>
-            <a:r>
-              <a:rPr lang="en-US" dirty="0" err="1"/>
-              <a:t>los</a:t>
-            </a:r>
-            <a:r>
-              <a:rPr lang="en-US" dirty="0"/>
-              <a:t> </a:t>
-            </a:r>
-            <a:r>
-              <a:rPr lang="en-US" dirty="0" err="1"/>
-              <a:t>datos</a:t>
-            </a:r>
-            <a:r>
-              <a:rPr lang="en-US" dirty="0"/>
-              <a:t>.”</a:t>
-            </a:r>
-            <a:endParaRPr lang="en-US" dirty="0">
-              <a:ea typeface="Calibri" panose="020F0502020204030204"/>
-              <a:cs typeface="Calibri" panose="020F0502020204030204"/>
-            </a:endParaRPr>
-          </a:p>
-          <a:p>
-            <a:endParaRPr lang="en-US" dirty="0">
-              <a:cs typeface="+mn-lt"/>
-            </a:endParaRPr>
-          </a:p>
-          <a:p>
-            <a:br>
-              <a:rPr lang="en-US" dirty="0"/>
-            </a:br>
-            <a:endParaRPr lang="en-US" dirty="0"/>
-          </a:p>
-          <a:p>
-            <a:br>
-              <a:rPr lang="en-US" dirty="0"/>
-            </a:br>
-            <a:endParaRPr lang="en-US" dirty="0"/>
-          </a:p>
-        </p:txBody>
-      </p:sp>
-      <p:sp>
-        <p:nvSpPr>
-          <p:cNvPr id="4" name="Slide Number Placeholder 3">
-            <a:extLst>
-              <a:ext uri="{FF2B5EF4-FFF2-40B4-BE49-F238E27FC236}">
-                <a16:creationId xmlns:a16="http://schemas.microsoft.com/office/drawing/2014/main" id="{8F944F52-F6C1-A0E9-8060-DFDABB53879B}"/>
-              </a:ext>
-            </a:extLst>
-          </p:cNvPr>
-          <p:cNvSpPr>
-            <a:spLocks noGrp="1"/>
-          </p:cNvSpPr>
-          <p:nvPr>
-            <p:ph type="sldNum" sz="quarter" idx="5"/>
-          </p:nvPr>
-        </p:nvSpPr>
-        <p:spPr/>
-        <p:txBody>
-          <a:bodyPr/>
-          <a:lstStyle/>
-          <a:p>
-            <a:fld id="{C04714E0-E1B7-414D-B561-17C6C526FC74}" type="slidenum">
-              <a:rPr lang="en-US"/>
-              <a:t>32</a:t>
-            </a:fld>
-            <a:endParaRPr lang="en-US"/>
-          </a:p>
-        </p:txBody>
-      </p:sp>
-    </p:spTree>
-    <p:extLst>
-      <p:ext uri="{BB962C8B-B14F-4D97-AF65-F5344CB8AC3E}">
-        <p14:creationId xmlns:p14="http://schemas.microsoft.com/office/powerpoint/2010/main" val="3801217305"/>
-      </p:ext>
-    </p:extLst>
-  </p:cSld>
-  <p:clrMapOvr>
-    <a:masterClrMapping/>
-  </p:clrMapOvr>
-</p:notes>
-</file>
-
-<file path=ppt/notesSlides/notesSlide27.xml><?xml version="1.0" encoding="utf-8"?>
-<p:notes xmlns:a="http://schemas.openxmlformats.org/drawingml/2006/main" xmlns:r="http://schemas.openxmlformats.org/officeDocument/2006/relationships" xmlns:p="http://schemas.openxmlformats.org/presentationml/2006/main">
-  <p:cSld>
-    <p:spTree>
-      <p:nvGrpSpPr>
-        <p:cNvPr id="1" name="">
-          <a:extLst>
-            <a:ext uri="{FF2B5EF4-FFF2-40B4-BE49-F238E27FC236}">
-              <a16:creationId xmlns:a16="http://schemas.microsoft.com/office/drawing/2014/main" id="{C157AB1E-8F77-0954-BB41-60AEFFCF9591}"/>
-            </a:ext>
-          </a:extLst>
-        </p:cNvPr>
-        <p:cNvGrpSpPr/>
-        <p:nvPr/>
-      </p:nvGrpSpPr>
-      <p:grpSpPr>
-        <a:xfrm>
-          <a:off x="0" y="0"/>
-          <a:ext cx="0" cy="0"/>
-          <a:chOff x="0" y="0"/>
-          <a:chExt cx="0" cy="0"/>
-        </a:xfrm>
-      </p:grpSpPr>
-      <p:sp>
-        <p:nvSpPr>
-          <p:cNvPr id="2" name="Slide Image Placeholder 1">
-            <a:extLst>
-              <a:ext uri="{FF2B5EF4-FFF2-40B4-BE49-F238E27FC236}">
-                <a16:creationId xmlns:a16="http://schemas.microsoft.com/office/drawing/2014/main" id="{2EDC27D6-A28D-BF8E-CB1B-8600A4D4236B}"/>
-              </a:ext>
-            </a:extLst>
-          </p:cNvPr>
-          <p:cNvSpPr>
-            <a:spLocks noGrp="1" noRot="1" noChangeAspect="1"/>
-          </p:cNvSpPr>
-          <p:nvPr>
-            <p:ph type="sldImg"/>
-          </p:nvPr>
-        </p:nvSpPr>
-        <p:spPr/>
-      </p:sp>
-      <p:sp>
-        <p:nvSpPr>
-          <p:cNvPr id="3" name="Notes Placeholder 2">
-            <a:extLst>
-              <a:ext uri="{FF2B5EF4-FFF2-40B4-BE49-F238E27FC236}">
-                <a16:creationId xmlns:a16="http://schemas.microsoft.com/office/drawing/2014/main" id="{56A0CADD-E6ED-F433-8F5D-66DB919FFCE6}"/>
-              </a:ext>
-            </a:extLst>
-          </p:cNvPr>
-          <p:cNvSpPr>
-            <a:spLocks noGrp="1"/>
-          </p:cNvSpPr>
-          <p:nvPr>
-            <p:ph type="body" idx="1"/>
-          </p:nvPr>
-        </p:nvSpPr>
-        <p:spPr/>
-        <p:txBody>
-          <a:bodyPr/>
-          <a:lstStyle/>
-          <a:p>
-            <a:endParaRPr lang="en-US" dirty="0">
-              <a:cs typeface="+mn-lt"/>
-            </a:endParaRPr>
-          </a:p>
-        </p:txBody>
-      </p:sp>
-      <p:sp>
-        <p:nvSpPr>
-          <p:cNvPr id="4" name="Slide Number Placeholder 3">
-            <a:extLst>
-              <a:ext uri="{FF2B5EF4-FFF2-40B4-BE49-F238E27FC236}">
-                <a16:creationId xmlns:a16="http://schemas.microsoft.com/office/drawing/2014/main" id="{A8CFD1C5-BEAA-4D16-820E-FD325D04FC58}"/>
-              </a:ext>
-            </a:extLst>
-          </p:cNvPr>
-          <p:cNvSpPr>
-            <a:spLocks noGrp="1"/>
-          </p:cNvSpPr>
-          <p:nvPr>
-            <p:ph type="sldNum" sz="quarter" idx="5"/>
-          </p:nvPr>
-        </p:nvSpPr>
-        <p:spPr/>
-        <p:txBody>
-          <a:bodyPr/>
-          <a:lstStyle/>
-          <a:p>
-            <a:fld id="{C04714E0-E1B7-414D-B561-17C6C526FC74}" type="slidenum">
-              <a:rPr lang="en-US"/>
-              <a:t>21</a:t>
-            </a:fld>
-            <a:endParaRPr lang="en-US"/>
-          </a:p>
-        </p:txBody>
-      </p:sp>
-    </p:spTree>
-    <p:extLst>
-      <p:ext uri="{BB962C8B-B14F-4D97-AF65-F5344CB8AC3E}">
-        <p14:creationId xmlns:p14="http://schemas.microsoft.com/office/powerpoint/2010/main" val="651623160"/>
-      </p:ext>
-    </p:extLst>
-  </p:cSld>
-  <p:clrMapOvr>
-    <a:masterClrMapping/>
-  </p:clrMapOvr>
-</p:notes>
-</file>
-
-<file path=ppt/notesSlides/notesSlide28.xml><?xml version="1.0" encoding="utf-8"?>
-<p:notes xmlns:a="http://schemas.openxmlformats.org/drawingml/2006/main" xmlns:r="http://schemas.openxmlformats.org/officeDocument/2006/relationships" xmlns:p="http://schemas.openxmlformats.org/presentationml/2006/main">
-  <p:cSld>
-    <p:spTree>
-      <p:nvGrpSpPr>
-        <p:cNvPr id="1" name="">
-          <a:extLst>
-            <a:ext uri="{FF2B5EF4-FFF2-40B4-BE49-F238E27FC236}">
-              <a16:creationId xmlns:a16="http://schemas.microsoft.com/office/drawing/2014/main" id="{9B3953F4-9DF9-91BD-E7BB-9EF33BC74298}"/>
-            </a:ext>
-          </a:extLst>
-        </p:cNvPr>
-        <p:cNvGrpSpPr/>
-        <p:nvPr/>
-      </p:nvGrpSpPr>
-      <p:grpSpPr>
-        <a:xfrm>
-          <a:off x="0" y="0"/>
-          <a:ext cx="0" cy="0"/>
-          <a:chOff x="0" y="0"/>
-          <a:chExt cx="0" cy="0"/>
-        </a:xfrm>
-      </p:grpSpPr>
-      <p:sp>
-        <p:nvSpPr>
-          <p:cNvPr id="2" name="Slide Image Placeholder 1">
-            <a:extLst>
-              <a:ext uri="{FF2B5EF4-FFF2-40B4-BE49-F238E27FC236}">
-                <a16:creationId xmlns:a16="http://schemas.microsoft.com/office/drawing/2014/main" id="{C02EA2CA-4747-6841-AA2C-0085A7CF81C5}"/>
-              </a:ext>
-            </a:extLst>
-          </p:cNvPr>
-          <p:cNvSpPr>
-            <a:spLocks noGrp="1" noRot="1" noChangeAspect="1"/>
-          </p:cNvSpPr>
-          <p:nvPr>
-            <p:ph type="sldImg"/>
-          </p:nvPr>
-        </p:nvSpPr>
-        <p:spPr/>
-      </p:sp>
-      <p:sp>
-        <p:nvSpPr>
-          <p:cNvPr id="3" name="Notes Placeholder 2">
-            <a:extLst>
-              <a:ext uri="{FF2B5EF4-FFF2-40B4-BE49-F238E27FC236}">
-                <a16:creationId xmlns:a16="http://schemas.microsoft.com/office/drawing/2014/main" id="{6BAA0AA6-F8C0-CE7F-607F-EF33BC188DD9}"/>
-              </a:ext>
-            </a:extLst>
-          </p:cNvPr>
-          <p:cNvSpPr>
-            <a:spLocks noGrp="1"/>
-          </p:cNvSpPr>
-          <p:nvPr>
-            <p:ph type="body" idx="1"/>
-          </p:nvPr>
-        </p:nvSpPr>
-        <p:spPr/>
-        <p:txBody>
-          <a:bodyPr/>
-          <a:lstStyle/>
-          <a:p>
-            <a:endParaRPr lang="en-US" dirty="0">
-              <a:cs typeface="+mn-lt"/>
-            </a:endParaRPr>
-          </a:p>
-        </p:txBody>
-      </p:sp>
-      <p:sp>
-        <p:nvSpPr>
-          <p:cNvPr id="4" name="Slide Number Placeholder 3">
-            <a:extLst>
-              <a:ext uri="{FF2B5EF4-FFF2-40B4-BE49-F238E27FC236}">
-                <a16:creationId xmlns:a16="http://schemas.microsoft.com/office/drawing/2014/main" id="{653990BA-2C74-CB6E-0361-9292824CAA6A}"/>
-              </a:ext>
-            </a:extLst>
-          </p:cNvPr>
-          <p:cNvSpPr>
-            <a:spLocks noGrp="1"/>
-          </p:cNvSpPr>
-          <p:nvPr>
-            <p:ph type="sldNum" sz="quarter" idx="5"/>
-          </p:nvPr>
-        </p:nvSpPr>
-        <p:spPr/>
-        <p:txBody>
-          <a:bodyPr/>
-          <a:lstStyle/>
-          <a:p>
-            <a:fld id="{C04714E0-E1B7-414D-B561-17C6C526FC74}" type="slidenum">
-              <a:rPr lang="en-US"/>
-              <a:t>33</a:t>
-            </a:fld>
-            <a:endParaRPr lang="en-US"/>
-          </a:p>
-        </p:txBody>
-      </p:sp>
-    </p:spTree>
-    <p:extLst>
-      <p:ext uri="{BB962C8B-B14F-4D97-AF65-F5344CB8AC3E}">
-        <p14:creationId xmlns:p14="http://schemas.microsoft.com/office/powerpoint/2010/main" val="1926496417"/>
-      </p:ext>
-    </p:extLst>
-  </p:cSld>
-  <p:clrMapOvr>
-    <a:masterClrMapping/>
-  </p:clrMapOvr>
-</p:notes>
-</file>
-
-<file path=ppt/notesSlides/notesSlide29.xml><?xml version="1.0" encoding="utf-8"?>
-<p:notes xmlns:a="http://schemas.openxmlformats.org/drawingml/2006/main" xmlns:r="http://schemas.openxmlformats.org/officeDocument/2006/relationships" xmlns:p="http://schemas.openxmlformats.org/presentationml/2006/main">
-  <p:cSld>
-    <p:spTree>
-      <p:nvGrpSpPr>
-        <p:cNvPr id="1" name="">
-          <a:extLst>
-            <a:ext uri="{FF2B5EF4-FFF2-40B4-BE49-F238E27FC236}">
-              <a16:creationId xmlns:a16="http://schemas.microsoft.com/office/drawing/2014/main" id="{23337472-5CC3-9BB6-0BF7-4E1FCCBEE8A2}"/>
-            </a:ext>
-          </a:extLst>
-        </p:cNvPr>
-        <p:cNvGrpSpPr/>
-        <p:nvPr/>
-      </p:nvGrpSpPr>
-      <p:grpSpPr>
-        <a:xfrm>
-          <a:off x="0" y="0"/>
-          <a:ext cx="0" cy="0"/>
-          <a:chOff x="0" y="0"/>
-          <a:chExt cx="0" cy="0"/>
-        </a:xfrm>
-      </p:grpSpPr>
-      <p:sp>
-        <p:nvSpPr>
-          <p:cNvPr id="2" name="Slide Image Placeholder 1">
-            <a:extLst>
-              <a:ext uri="{FF2B5EF4-FFF2-40B4-BE49-F238E27FC236}">
-                <a16:creationId xmlns:a16="http://schemas.microsoft.com/office/drawing/2014/main" id="{A0785B1B-A9FC-A874-0B3D-EE7A520ABA9D}"/>
-              </a:ext>
-            </a:extLst>
-          </p:cNvPr>
-          <p:cNvSpPr>
-            <a:spLocks noGrp="1" noRot="1" noChangeAspect="1"/>
-          </p:cNvSpPr>
-          <p:nvPr>
-            <p:ph type="sldImg"/>
-          </p:nvPr>
-        </p:nvSpPr>
-        <p:spPr/>
-      </p:sp>
-      <p:sp>
-        <p:nvSpPr>
-          <p:cNvPr id="3" name="Notes Placeholder 2">
-            <a:extLst>
-              <a:ext uri="{FF2B5EF4-FFF2-40B4-BE49-F238E27FC236}">
-                <a16:creationId xmlns:a16="http://schemas.microsoft.com/office/drawing/2014/main" id="{C3F8AA55-1F61-939C-7978-0679DF88E0F0}"/>
-              </a:ext>
-            </a:extLst>
-          </p:cNvPr>
-          <p:cNvSpPr>
-            <a:spLocks noGrp="1"/>
-          </p:cNvSpPr>
-          <p:nvPr>
-            <p:ph type="body" idx="1"/>
-          </p:nvPr>
-        </p:nvSpPr>
-        <p:spPr/>
-        <p:txBody>
-          <a:bodyPr/>
-          <a:lstStyle/>
-          <a:p>
-            <a:endParaRPr lang="en-US" dirty="0">
-              <a:cs typeface="+mn-lt"/>
-            </a:endParaRPr>
-          </a:p>
-        </p:txBody>
-      </p:sp>
-      <p:sp>
-        <p:nvSpPr>
-          <p:cNvPr id="4" name="Slide Number Placeholder 3">
-            <a:extLst>
-              <a:ext uri="{FF2B5EF4-FFF2-40B4-BE49-F238E27FC236}">
-                <a16:creationId xmlns:a16="http://schemas.microsoft.com/office/drawing/2014/main" id="{8492EE23-FE86-664D-827B-5B9EBB328B69}"/>
-              </a:ext>
-            </a:extLst>
-          </p:cNvPr>
-          <p:cNvSpPr>
-            <a:spLocks noGrp="1"/>
-          </p:cNvSpPr>
-          <p:nvPr>
-            <p:ph type="sldNum" sz="quarter" idx="5"/>
-          </p:nvPr>
-        </p:nvSpPr>
-        <p:spPr/>
-        <p:txBody>
-          <a:bodyPr/>
-          <a:lstStyle/>
-          <a:p>
-            <a:fld id="{C04714E0-E1B7-414D-B561-17C6C526FC74}" type="slidenum">
-              <a:rPr lang="en-US"/>
-              <a:t>34</a:t>
-            </a:fld>
-            <a:endParaRPr lang="en-US"/>
-          </a:p>
-        </p:txBody>
-      </p:sp>
-    </p:spTree>
-    <p:extLst>
-      <p:ext uri="{BB962C8B-B14F-4D97-AF65-F5344CB8AC3E}">
-        <p14:creationId xmlns:p14="http://schemas.microsoft.com/office/powerpoint/2010/main" val="4105957437"/>
       </p:ext>
     </p:extLst>
   </p:cSld>
@@ -4480,6 +4853,569 @@
         <p:cNvPr id="1" name="">
           <a:extLst>
             <a:ext uri="{FF2B5EF4-FFF2-40B4-BE49-F238E27FC236}">
+              <a16:creationId xmlns:a16="http://schemas.microsoft.com/office/drawing/2014/main" id="{BAB4479C-5B9A-721A-479F-671975FEB266}"/>
+            </a:ext>
+          </a:extLst>
+        </p:cNvPr>
+        <p:cNvGrpSpPr/>
+        <p:nvPr/>
+      </p:nvGrpSpPr>
+      <p:grpSpPr>
+        <a:xfrm>
+          <a:off x="0" y="0"/>
+          <a:ext cx="0" cy="0"/>
+          <a:chOff x="0" y="0"/>
+          <a:chExt cx="0" cy="0"/>
+        </a:xfrm>
+      </p:grpSpPr>
+      <p:sp>
+        <p:nvSpPr>
+          <p:cNvPr id="2" name="Slide Image Placeholder 1">
+            <a:extLst>
+              <a:ext uri="{FF2B5EF4-FFF2-40B4-BE49-F238E27FC236}">
+                <a16:creationId xmlns:a16="http://schemas.microsoft.com/office/drawing/2014/main" id="{91EBE0BD-D6CA-2098-7C83-7261719AEC66}"/>
+              </a:ext>
+            </a:extLst>
+          </p:cNvPr>
+          <p:cNvSpPr>
+            <a:spLocks noGrp="1" noRot="1" noChangeAspect="1"/>
+          </p:cNvSpPr>
+          <p:nvPr>
+            <p:ph type="sldImg"/>
+          </p:nvPr>
+        </p:nvSpPr>
+        <p:spPr/>
+      </p:sp>
+      <p:sp>
+        <p:nvSpPr>
+          <p:cNvPr id="3" name="Notes Placeholder 2">
+            <a:extLst>
+              <a:ext uri="{FF2B5EF4-FFF2-40B4-BE49-F238E27FC236}">
+                <a16:creationId xmlns:a16="http://schemas.microsoft.com/office/drawing/2014/main" id="{00FF2147-EC55-4193-7908-BB60CFB36AF0}"/>
+              </a:ext>
+            </a:extLst>
+          </p:cNvPr>
+          <p:cNvSpPr>
+            <a:spLocks noGrp="1"/>
+          </p:cNvSpPr>
+          <p:nvPr>
+            <p:ph type="body" idx="1"/>
+          </p:nvPr>
+        </p:nvSpPr>
+        <p:spPr/>
+        <p:txBody>
+          <a:bodyPr/>
+          <a:lstStyle/>
+          <a:p>
+            <a:br>
+              <a:rPr lang="en-US" dirty="0">
+                <a:cs typeface="+mn-lt"/>
+              </a:rPr>
+            </a:br>
+            <a:r>
+              <a:rPr lang="en-US" dirty="0"/>
+              <a:t>“Las </a:t>
+            </a:r>
+            <a:r>
+              <a:rPr lang="en-US" dirty="0" err="1"/>
+              <a:t>columnas</a:t>
+            </a:r>
+            <a:r>
+              <a:rPr lang="en-US" dirty="0"/>
+              <a:t> </a:t>
+            </a:r>
+            <a:r>
+              <a:rPr lang="en-US" dirty="0" err="1"/>
+              <a:t>personalizadas</a:t>
+            </a:r>
+            <a:r>
+              <a:rPr lang="en-US" dirty="0"/>
+              <a:t> </a:t>
+            </a:r>
+            <a:r>
+              <a:rPr lang="en-US" dirty="0" err="1"/>
+              <a:t>te</a:t>
+            </a:r>
+            <a:r>
+              <a:rPr lang="en-US" dirty="0"/>
+              <a:t> </a:t>
+            </a:r>
+            <a:r>
+              <a:rPr lang="en-US" dirty="0" err="1"/>
+              <a:t>permiten</a:t>
+            </a:r>
+            <a:r>
+              <a:rPr lang="en-US" dirty="0"/>
+              <a:t> </a:t>
+            </a:r>
+            <a:r>
+              <a:rPr lang="en-US" dirty="0" err="1"/>
+              <a:t>aplicar</a:t>
+            </a:r>
+            <a:r>
+              <a:rPr lang="en-US" dirty="0"/>
+              <a:t> </a:t>
+            </a:r>
+            <a:r>
+              <a:rPr lang="en-US" dirty="0" err="1"/>
+              <a:t>tu</a:t>
+            </a:r>
+            <a:r>
+              <a:rPr lang="en-US" dirty="0"/>
+              <a:t> </a:t>
+            </a:r>
+            <a:r>
+              <a:rPr lang="en-US" dirty="0" err="1"/>
+              <a:t>lógica</a:t>
+            </a:r>
+            <a:r>
+              <a:rPr lang="en-US" dirty="0"/>
+              <a:t> de </a:t>
+            </a:r>
+            <a:r>
+              <a:rPr lang="en-US" dirty="0" err="1"/>
+              <a:t>negocio</a:t>
+            </a:r>
+            <a:r>
+              <a:rPr lang="en-US" dirty="0"/>
+              <a:t> </a:t>
+            </a:r>
+            <a:r>
+              <a:rPr lang="en-US" dirty="0" err="1"/>
+              <a:t>directamente</a:t>
+            </a:r>
+            <a:r>
+              <a:rPr lang="en-US" dirty="0"/>
+              <a:t> </a:t>
+            </a:r>
+            <a:r>
+              <a:rPr lang="en-US" dirty="0" err="1"/>
+              <a:t>sobre</a:t>
+            </a:r>
+            <a:r>
+              <a:rPr lang="en-US" dirty="0"/>
+              <a:t> </a:t>
+            </a:r>
+            <a:r>
+              <a:rPr lang="en-US" dirty="0" err="1"/>
+              <a:t>los</a:t>
+            </a:r>
+            <a:r>
+              <a:rPr lang="en-US" dirty="0"/>
+              <a:t> </a:t>
+            </a:r>
+            <a:r>
+              <a:rPr lang="en-US" dirty="0" err="1"/>
+              <a:t>datos</a:t>
+            </a:r>
+            <a:r>
+              <a:rPr lang="en-US" dirty="0"/>
+              <a:t>.”</a:t>
+            </a:r>
+            <a:endParaRPr lang="en-US" dirty="0">
+              <a:ea typeface="Calibri" panose="020F0502020204030204"/>
+              <a:cs typeface="Calibri" panose="020F0502020204030204"/>
+            </a:endParaRPr>
+          </a:p>
+          <a:p>
+            <a:endParaRPr lang="en-US" dirty="0">
+              <a:cs typeface="+mn-lt"/>
+            </a:endParaRPr>
+          </a:p>
+          <a:p>
+            <a:br>
+              <a:rPr lang="en-US" dirty="0"/>
+            </a:br>
+            <a:endParaRPr lang="en-US" dirty="0"/>
+          </a:p>
+          <a:p>
+            <a:br>
+              <a:rPr lang="en-US" dirty="0"/>
+            </a:br>
+            <a:endParaRPr lang="en-US" dirty="0"/>
+          </a:p>
+        </p:txBody>
+      </p:sp>
+      <p:sp>
+        <p:nvSpPr>
+          <p:cNvPr id="4" name="Slide Number Placeholder 3">
+            <a:extLst>
+              <a:ext uri="{FF2B5EF4-FFF2-40B4-BE49-F238E27FC236}">
+                <a16:creationId xmlns:a16="http://schemas.microsoft.com/office/drawing/2014/main" id="{8F944F52-F6C1-A0E9-8060-DFDABB53879B}"/>
+              </a:ext>
+            </a:extLst>
+          </p:cNvPr>
+          <p:cNvSpPr>
+            <a:spLocks noGrp="1"/>
+          </p:cNvSpPr>
+          <p:nvPr>
+            <p:ph type="sldNum" sz="quarter" idx="5"/>
+          </p:nvPr>
+        </p:nvSpPr>
+        <p:spPr/>
+        <p:txBody>
+          <a:bodyPr/>
+          <a:lstStyle/>
+          <a:p>
+            <a:fld id="{C04714E0-E1B7-414D-B561-17C6C526FC74}" type="slidenum">
+              <a:rPr lang="en-US"/>
+              <a:t>32</a:t>
+            </a:fld>
+            <a:endParaRPr lang="en-US"/>
+          </a:p>
+        </p:txBody>
+      </p:sp>
+    </p:spTree>
+    <p:extLst>
+      <p:ext uri="{BB962C8B-B14F-4D97-AF65-F5344CB8AC3E}">
+        <p14:creationId xmlns:p14="http://schemas.microsoft.com/office/powerpoint/2010/main" val="3801217305"/>
+      </p:ext>
+    </p:extLst>
+  </p:cSld>
+  <p:clrMapOvr>
+    <a:masterClrMapping/>
+  </p:clrMapOvr>
+</p:notes>
+</file>
+
+<file path=ppt/notesSlides/notesSlide31.xml><?xml version="1.0" encoding="utf-8"?>
+<p:notes xmlns:a="http://schemas.openxmlformats.org/drawingml/2006/main" xmlns:r="http://schemas.openxmlformats.org/officeDocument/2006/relationships" xmlns:p="http://schemas.openxmlformats.org/presentationml/2006/main">
+  <p:cSld>
+    <p:spTree>
+      <p:nvGrpSpPr>
+        <p:cNvPr id="1" name="">
+          <a:extLst>
+            <a:ext uri="{FF2B5EF4-FFF2-40B4-BE49-F238E27FC236}">
+              <a16:creationId xmlns:a16="http://schemas.microsoft.com/office/drawing/2014/main" id="{C157AB1E-8F77-0954-BB41-60AEFFCF9591}"/>
+            </a:ext>
+          </a:extLst>
+        </p:cNvPr>
+        <p:cNvGrpSpPr/>
+        <p:nvPr/>
+      </p:nvGrpSpPr>
+      <p:grpSpPr>
+        <a:xfrm>
+          <a:off x="0" y="0"/>
+          <a:ext cx="0" cy="0"/>
+          <a:chOff x="0" y="0"/>
+          <a:chExt cx="0" cy="0"/>
+        </a:xfrm>
+      </p:grpSpPr>
+      <p:sp>
+        <p:nvSpPr>
+          <p:cNvPr id="2" name="Slide Image Placeholder 1">
+            <a:extLst>
+              <a:ext uri="{FF2B5EF4-FFF2-40B4-BE49-F238E27FC236}">
+                <a16:creationId xmlns:a16="http://schemas.microsoft.com/office/drawing/2014/main" id="{2EDC27D6-A28D-BF8E-CB1B-8600A4D4236B}"/>
+              </a:ext>
+            </a:extLst>
+          </p:cNvPr>
+          <p:cNvSpPr>
+            <a:spLocks noGrp="1" noRot="1" noChangeAspect="1"/>
+          </p:cNvSpPr>
+          <p:nvPr>
+            <p:ph type="sldImg"/>
+          </p:nvPr>
+        </p:nvSpPr>
+        <p:spPr/>
+      </p:sp>
+      <p:sp>
+        <p:nvSpPr>
+          <p:cNvPr id="3" name="Notes Placeholder 2">
+            <a:extLst>
+              <a:ext uri="{FF2B5EF4-FFF2-40B4-BE49-F238E27FC236}">
+                <a16:creationId xmlns:a16="http://schemas.microsoft.com/office/drawing/2014/main" id="{56A0CADD-E6ED-F433-8F5D-66DB919FFCE6}"/>
+              </a:ext>
+            </a:extLst>
+          </p:cNvPr>
+          <p:cNvSpPr>
+            <a:spLocks noGrp="1"/>
+          </p:cNvSpPr>
+          <p:nvPr>
+            <p:ph type="body" idx="1"/>
+          </p:nvPr>
+        </p:nvSpPr>
+        <p:spPr/>
+        <p:txBody>
+          <a:bodyPr/>
+          <a:lstStyle/>
+          <a:p>
+            <a:endParaRPr lang="en-US" dirty="0">
+              <a:cs typeface="+mn-lt"/>
+            </a:endParaRPr>
+          </a:p>
+        </p:txBody>
+      </p:sp>
+      <p:sp>
+        <p:nvSpPr>
+          <p:cNvPr id="4" name="Slide Number Placeholder 3">
+            <a:extLst>
+              <a:ext uri="{FF2B5EF4-FFF2-40B4-BE49-F238E27FC236}">
+                <a16:creationId xmlns:a16="http://schemas.microsoft.com/office/drawing/2014/main" id="{A8CFD1C5-BEAA-4D16-820E-FD325D04FC58}"/>
+              </a:ext>
+            </a:extLst>
+          </p:cNvPr>
+          <p:cNvSpPr>
+            <a:spLocks noGrp="1"/>
+          </p:cNvSpPr>
+          <p:nvPr>
+            <p:ph type="sldNum" sz="quarter" idx="5"/>
+          </p:nvPr>
+        </p:nvSpPr>
+        <p:spPr/>
+        <p:txBody>
+          <a:bodyPr/>
+          <a:lstStyle/>
+          <a:p>
+            <a:fld id="{C04714E0-E1B7-414D-B561-17C6C526FC74}" type="slidenum">
+              <a:rPr lang="en-US"/>
+              <a:t>21</a:t>
+            </a:fld>
+            <a:endParaRPr lang="en-US"/>
+          </a:p>
+        </p:txBody>
+      </p:sp>
+    </p:spTree>
+    <p:extLst>
+      <p:ext uri="{BB962C8B-B14F-4D97-AF65-F5344CB8AC3E}">
+        <p14:creationId xmlns:p14="http://schemas.microsoft.com/office/powerpoint/2010/main" val="651623160"/>
+      </p:ext>
+    </p:extLst>
+  </p:cSld>
+  <p:clrMapOvr>
+    <a:masterClrMapping/>
+  </p:clrMapOvr>
+</p:notes>
+</file>
+
+<file path=ppt/notesSlides/notesSlide32.xml><?xml version="1.0" encoding="utf-8"?>
+<p:notes xmlns:a="http://schemas.openxmlformats.org/drawingml/2006/main" xmlns:r="http://schemas.openxmlformats.org/officeDocument/2006/relationships" xmlns:p="http://schemas.openxmlformats.org/presentationml/2006/main">
+  <p:cSld>
+    <p:spTree>
+      <p:nvGrpSpPr>
+        <p:cNvPr id="1" name="">
+          <a:extLst>
+            <a:ext uri="{FF2B5EF4-FFF2-40B4-BE49-F238E27FC236}">
+              <a16:creationId xmlns:a16="http://schemas.microsoft.com/office/drawing/2014/main" id="{9B3953F4-9DF9-91BD-E7BB-9EF33BC74298}"/>
+            </a:ext>
+          </a:extLst>
+        </p:cNvPr>
+        <p:cNvGrpSpPr/>
+        <p:nvPr/>
+      </p:nvGrpSpPr>
+      <p:grpSpPr>
+        <a:xfrm>
+          <a:off x="0" y="0"/>
+          <a:ext cx="0" cy="0"/>
+          <a:chOff x="0" y="0"/>
+          <a:chExt cx="0" cy="0"/>
+        </a:xfrm>
+      </p:grpSpPr>
+      <p:sp>
+        <p:nvSpPr>
+          <p:cNvPr id="2" name="Slide Image Placeholder 1">
+            <a:extLst>
+              <a:ext uri="{FF2B5EF4-FFF2-40B4-BE49-F238E27FC236}">
+                <a16:creationId xmlns:a16="http://schemas.microsoft.com/office/drawing/2014/main" id="{C02EA2CA-4747-6841-AA2C-0085A7CF81C5}"/>
+              </a:ext>
+            </a:extLst>
+          </p:cNvPr>
+          <p:cNvSpPr>
+            <a:spLocks noGrp="1" noRot="1" noChangeAspect="1"/>
+          </p:cNvSpPr>
+          <p:nvPr>
+            <p:ph type="sldImg"/>
+          </p:nvPr>
+        </p:nvSpPr>
+        <p:spPr/>
+      </p:sp>
+      <p:sp>
+        <p:nvSpPr>
+          <p:cNvPr id="3" name="Notes Placeholder 2">
+            <a:extLst>
+              <a:ext uri="{FF2B5EF4-FFF2-40B4-BE49-F238E27FC236}">
+                <a16:creationId xmlns:a16="http://schemas.microsoft.com/office/drawing/2014/main" id="{6BAA0AA6-F8C0-CE7F-607F-EF33BC188DD9}"/>
+              </a:ext>
+            </a:extLst>
+          </p:cNvPr>
+          <p:cNvSpPr>
+            <a:spLocks noGrp="1"/>
+          </p:cNvSpPr>
+          <p:nvPr>
+            <p:ph type="body" idx="1"/>
+          </p:nvPr>
+        </p:nvSpPr>
+        <p:spPr/>
+        <p:txBody>
+          <a:bodyPr/>
+          <a:lstStyle/>
+          <a:p>
+            <a:endParaRPr lang="en-US" dirty="0">
+              <a:cs typeface="+mn-lt"/>
+            </a:endParaRPr>
+          </a:p>
+        </p:txBody>
+      </p:sp>
+      <p:sp>
+        <p:nvSpPr>
+          <p:cNvPr id="4" name="Slide Number Placeholder 3">
+            <a:extLst>
+              <a:ext uri="{FF2B5EF4-FFF2-40B4-BE49-F238E27FC236}">
+                <a16:creationId xmlns:a16="http://schemas.microsoft.com/office/drawing/2014/main" id="{653990BA-2C74-CB6E-0361-9292824CAA6A}"/>
+              </a:ext>
+            </a:extLst>
+          </p:cNvPr>
+          <p:cNvSpPr>
+            <a:spLocks noGrp="1"/>
+          </p:cNvSpPr>
+          <p:nvPr>
+            <p:ph type="sldNum" sz="quarter" idx="5"/>
+          </p:nvPr>
+        </p:nvSpPr>
+        <p:spPr/>
+        <p:txBody>
+          <a:bodyPr/>
+          <a:lstStyle/>
+          <a:p>
+            <a:fld id="{C04714E0-E1B7-414D-B561-17C6C526FC74}" type="slidenum">
+              <a:rPr lang="en-US"/>
+              <a:t>33</a:t>
+            </a:fld>
+            <a:endParaRPr lang="en-US"/>
+          </a:p>
+        </p:txBody>
+      </p:sp>
+    </p:spTree>
+    <p:extLst>
+      <p:ext uri="{BB962C8B-B14F-4D97-AF65-F5344CB8AC3E}">
+        <p14:creationId xmlns:p14="http://schemas.microsoft.com/office/powerpoint/2010/main" val="1926496417"/>
+      </p:ext>
+    </p:extLst>
+  </p:cSld>
+  <p:clrMapOvr>
+    <a:masterClrMapping/>
+  </p:clrMapOvr>
+</p:notes>
+</file>
+
+<file path=ppt/notesSlides/notesSlide33.xml><?xml version="1.0" encoding="utf-8"?>
+<p:notes xmlns:a="http://schemas.openxmlformats.org/drawingml/2006/main" xmlns:r="http://schemas.openxmlformats.org/officeDocument/2006/relationships" xmlns:p="http://schemas.openxmlformats.org/presentationml/2006/main">
+  <p:cSld>
+    <p:spTree>
+      <p:nvGrpSpPr>
+        <p:cNvPr id="1" name="">
+          <a:extLst>
+            <a:ext uri="{FF2B5EF4-FFF2-40B4-BE49-F238E27FC236}">
+              <a16:creationId xmlns:a16="http://schemas.microsoft.com/office/drawing/2014/main" id="{23337472-5CC3-9BB6-0BF7-4E1FCCBEE8A2}"/>
+            </a:ext>
+          </a:extLst>
+        </p:cNvPr>
+        <p:cNvGrpSpPr/>
+        <p:nvPr/>
+      </p:nvGrpSpPr>
+      <p:grpSpPr>
+        <a:xfrm>
+          <a:off x="0" y="0"/>
+          <a:ext cx="0" cy="0"/>
+          <a:chOff x="0" y="0"/>
+          <a:chExt cx="0" cy="0"/>
+        </a:xfrm>
+      </p:grpSpPr>
+      <p:sp>
+        <p:nvSpPr>
+          <p:cNvPr id="2" name="Slide Image Placeholder 1">
+            <a:extLst>
+              <a:ext uri="{FF2B5EF4-FFF2-40B4-BE49-F238E27FC236}">
+                <a16:creationId xmlns:a16="http://schemas.microsoft.com/office/drawing/2014/main" id="{A0785B1B-A9FC-A874-0B3D-EE7A520ABA9D}"/>
+              </a:ext>
+            </a:extLst>
+          </p:cNvPr>
+          <p:cNvSpPr>
+            <a:spLocks noGrp="1" noRot="1" noChangeAspect="1"/>
+          </p:cNvSpPr>
+          <p:nvPr>
+            <p:ph type="sldImg"/>
+          </p:nvPr>
+        </p:nvSpPr>
+        <p:spPr/>
+      </p:sp>
+      <p:sp>
+        <p:nvSpPr>
+          <p:cNvPr id="3" name="Notes Placeholder 2">
+            <a:extLst>
+              <a:ext uri="{FF2B5EF4-FFF2-40B4-BE49-F238E27FC236}">
+                <a16:creationId xmlns:a16="http://schemas.microsoft.com/office/drawing/2014/main" id="{C3F8AA55-1F61-939C-7978-0679DF88E0F0}"/>
+              </a:ext>
+            </a:extLst>
+          </p:cNvPr>
+          <p:cNvSpPr>
+            <a:spLocks noGrp="1"/>
+          </p:cNvSpPr>
+          <p:nvPr>
+            <p:ph type="body" idx="1"/>
+          </p:nvPr>
+        </p:nvSpPr>
+        <p:spPr/>
+        <p:txBody>
+          <a:bodyPr/>
+          <a:lstStyle/>
+          <a:p>
+            <a:endParaRPr lang="en-US" dirty="0">
+              <a:cs typeface="+mn-lt"/>
+            </a:endParaRPr>
+          </a:p>
+        </p:txBody>
+      </p:sp>
+      <p:sp>
+        <p:nvSpPr>
+          <p:cNvPr id="4" name="Slide Number Placeholder 3">
+            <a:extLst>
+              <a:ext uri="{FF2B5EF4-FFF2-40B4-BE49-F238E27FC236}">
+                <a16:creationId xmlns:a16="http://schemas.microsoft.com/office/drawing/2014/main" id="{8492EE23-FE86-664D-827B-5B9EBB328B69}"/>
+              </a:ext>
+            </a:extLst>
+          </p:cNvPr>
+          <p:cNvSpPr>
+            <a:spLocks noGrp="1"/>
+          </p:cNvSpPr>
+          <p:nvPr>
+            <p:ph type="sldNum" sz="quarter" idx="5"/>
+          </p:nvPr>
+        </p:nvSpPr>
+        <p:spPr/>
+        <p:txBody>
+          <a:bodyPr/>
+          <a:lstStyle/>
+          <a:p>
+            <a:fld id="{C04714E0-E1B7-414D-B561-17C6C526FC74}" type="slidenum">
+              <a:rPr lang="en-US"/>
+              <a:t>34</a:t>
+            </a:fld>
+            <a:endParaRPr lang="en-US"/>
+          </a:p>
+        </p:txBody>
+      </p:sp>
+    </p:spTree>
+    <p:extLst>
+      <p:ext uri="{BB962C8B-B14F-4D97-AF65-F5344CB8AC3E}">
+        <p14:creationId xmlns:p14="http://schemas.microsoft.com/office/powerpoint/2010/main" val="4105957437"/>
+      </p:ext>
+    </p:extLst>
+  </p:cSld>
+  <p:clrMapOvr>
+    <a:masterClrMapping/>
+  </p:clrMapOvr>
+</p:notes>
+</file>
+
+<file path=ppt/notesSlides/notesSlide34.xml><?xml version="1.0" encoding="utf-8"?>
+<p:notes xmlns:a="http://schemas.openxmlformats.org/drawingml/2006/main" xmlns:r="http://schemas.openxmlformats.org/officeDocument/2006/relationships" xmlns:p="http://schemas.openxmlformats.org/presentationml/2006/main">
+  <p:cSld>
+    <p:spTree>
+      <p:nvGrpSpPr>
+        <p:cNvPr id="1" name="">
+          <a:extLst>
+            <a:ext uri="{FF2B5EF4-FFF2-40B4-BE49-F238E27FC236}">
               <a16:creationId xmlns:a16="http://schemas.microsoft.com/office/drawing/2014/main" id="{4C13EB0F-90C2-F416-726B-82E5A848D0D5}"/>
             </a:ext>
           </a:extLst>
@@ -4589,7 +5525,7 @@
 </p:notes>
 </file>
 
-<file path=ppt/notesSlides/notesSlide31.xml><?xml version="1.0" encoding="utf-8"?>
+<file path=ppt/notesSlides/notesSlide35.xml><?xml version="1.0" encoding="utf-8"?>
 <p:notes xmlns:a="http://schemas.openxmlformats.org/drawingml/2006/main" xmlns:r="http://schemas.openxmlformats.org/officeDocument/2006/relationships" xmlns:p="http://schemas.openxmlformats.org/presentationml/2006/main">
   <p:cSld>
     <p:spTree>
@@ -22109,6 +23045,3921 @@
         <p:cNvPr id="1" name="">
           <a:extLst>
             <a:ext uri="{FF2B5EF4-FFF2-40B4-BE49-F238E27FC236}">
+              <a16:creationId xmlns:a16="http://schemas.microsoft.com/office/drawing/2014/main" id="{4AC6CA5B-7B93-AAB8-DD33-53C38D734F54}"/>
+            </a:ext>
+          </a:extLst>
+        </p:cNvPr>
+        <p:cNvGrpSpPr/>
+        <p:nvPr/>
+      </p:nvGrpSpPr>
+      <p:grpSpPr>
+        <a:xfrm>
+          <a:off x="0" y="0"/>
+          <a:ext cx="0" cy="0"/>
+          <a:chOff x="0" y="0"/>
+          <a:chExt cx="0" cy="0"/>
+        </a:xfrm>
+      </p:grpSpPr>
+      <p:sp>
+        <p:nvSpPr>
+          <p:cNvPr id="2" name="Title 1">
+            <a:extLst>
+              <a:ext uri="{FF2B5EF4-FFF2-40B4-BE49-F238E27FC236}">
+                <a16:creationId xmlns:a16="http://schemas.microsoft.com/office/drawing/2014/main" id="{093CFDDF-E83A-AA43-80C8-B2519DFDD0C9}"/>
+              </a:ext>
+            </a:extLst>
+          </p:cNvPr>
+          <p:cNvSpPr>
+            <a:spLocks noGrp="1"/>
+          </p:cNvSpPr>
+          <p:nvPr>
+            <p:ph type="title"/>
+          </p:nvPr>
+        </p:nvSpPr>
+        <p:spPr>
+          <a:xfrm>
+            <a:off x="521208" y="978408"/>
+            <a:ext cx="11155680" cy="746533"/>
+          </a:xfrm>
+        </p:spPr>
+        <p:txBody>
+          <a:bodyPr>
+            <a:noAutofit/>
+          </a:bodyPr>
+          <a:lstStyle/>
+          <a:p>
+            <a:r>
+              <a:rPr lang="en-US" sz="4900" dirty="0"/>
+              <a:t>TRANSFORMACIONES INTERMEDIAS</a:t>
+            </a:r>
+          </a:p>
+        </p:txBody>
+      </p:sp>
+      <p:sp>
+        <p:nvSpPr>
+          <p:cNvPr id="4" name="Title 1">
+            <a:extLst>
+              <a:ext uri="{FF2B5EF4-FFF2-40B4-BE49-F238E27FC236}">
+                <a16:creationId xmlns:a16="http://schemas.microsoft.com/office/drawing/2014/main" id="{11DCAF85-C74F-6036-19FD-52B50D5FAF7E}"/>
+              </a:ext>
+            </a:extLst>
+          </p:cNvPr>
+          <p:cNvSpPr txBox="1">
+            <a:spLocks/>
+          </p:cNvSpPr>
+          <p:nvPr/>
+        </p:nvSpPr>
+        <p:spPr>
+          <a:xfrm>
+            <a:off x="517869" y="1720517"/>
+            <a:ext cx="11157866" cy="4264056"/>
+          </a:xfrm>
+          <a:prstGeom prst="rect">
+            <a:avLst/>
+          </a:prstGeom>
+        </p:spPr>
+        <p:txBody>
+          <a:bodyPr vert="horz" lIns="91440" tIns="45720" rIns="91440" bIns="45720" rtlCol="0" anchor="t">
+            <a:normAutofit fontScale="97500"/>
+          </a:bodyPr>
+          <a:lstStyle>
+            <a:lvl1pPr algn="l" defTabSz="914400" rtl="0" eaLnBrk="1" latinLnBrk="0" hangingPunct="1">
+              <a:lnSpc>
+                <a:spcPct val="100000"/>
+              </a:lnSpc>
+              <a:spcBef>
+                <a:spcPct val="0"/>
+              </a:spcBef>
+              <a:buNone/>
+              <a:defRPr sz="4400" b="1" kern="1200">
+                <a:solidFill>
+                  <a:schemeClr val="tx1"/>
+                </a:solidFill>
+                <a:latin typeface="+mj-lt"/>
+                <a:ea typeface="+mj-ea"/>
+                <a:cs typeface="+mj-cs"/>
+              </a:defRPr>
+            </a:lvl1pPr>
+          </a:lstStyle>
+          <a:p>
+            <a:pPr>
+              <a:lnSpc>
+                <a:spcPct val="90000"/>
+              </a:lnSpc>
+            </a:pPr>
+            <a:endParaRPr lang="en-US" sz="3600" u="sng" dirty="0"/>
+          </a:p>
+          <a:p>
+            <a:pPr>
+              <a:lnSpc>
+                <a:spcPct val="90000"/>
+              </a:lnSpc>
+            </a:pPr>
+            <a:br>
+              <a:rPr lang="en-US" sz="2900" b="0" dirty="0"/>
+            </a:br>
+            <a:endParaRPr lang="en-US" sz="3300" b="0"/>
+          </a:p>
+        </p:txBody>
+      </p:sp>
+      <p:sp>
+        <p:nvSpPr>
+          <p:cNvPr id="5" name="TextBox 4">
+            <a:extLst>
+              <a:ext uri="{FF2B5EF4-FFF2-40B4-BE49-F238E27FC236}">
+                <a16:creationId xmlns:a16="http://schemas.microsoft.com/office/drawing/2014/main" id="{42F062D0-CE05-BAC3-DBB0-3F5AF40051EB}"/>
+              </a:ext>
+            </a:extLst>
+          </p:cNvPr>
+          <p:cNvSpPr txBox="1"/>
+          <p:nvPr/>
+        </p:nvSpPr>
+        <p:spPr>
+          <a:xfrm>
+            <a:off x="517003" y="1721757"/>
+            <a:ext cx="11159738" cy="4339650"/>
+          </a:xfrm>
+          <a:prstGeom prst="rect">
+            <a:avLst/>
+          </a:prstGeom>
+          <a:noFill/>
+        </p:spPr>
+        <p:txBody>
+          <a:bodyPr rot="0" spcFirstLastPara="0" vertOverflow="overflow" horzOverflow="overflow" vert="horz" wrap="square" lIns="91440" tIns="45720" rIns="91440" bIns="45720" numCol="1" spcCol="0" rtlCol="0" fromWordArt="0" anchor="t" anchorCtr="0" forceAA="0" compatLnSpc="1">
+            <a:prstTxWarp prst="textNoShape">
+              <a:avLst/>
+            </a:prstTxWarp>
+            <a:spAutoFit/>
+          </a:bodyPr>
+          <a:lstStyle/>
+          <a:p>
+            <a:r>
+              <a:rPr lang="en-US" sz="2400" b="1" dirty="0"/>
+              <a:t>COLUMNAS PERSONALIZADAS – FUNCIONES MAS UTILIZADAS</a:t>
+            </a:r>
+            <a:endParaRPr lang="en-US" sz="2400" dirty="0"/>
+          </a:p>
+          <a:p>
+            <a:endParaRPr lang="en-US" sz="2000" dirty="0"/>
+          </a:p>
+          <a:p>
+            <a:r>
+              <a:rPr lang="en-US" sz="2000" b="1" err="1"/>
+              <a:t>Funciones</a:t>
+            </a:r>
+            <a:r>
+              <a:rPr lang="en-US" sz="2000" b="1" dirty="0"/>
+              <a:t> </a:t>
+            </a:r>
+            <a:r>
+              <a:rPr lang="en-US" sz="2000" b="1" err="1"/>
+              <a:t>Numéricas</a:t>
+            </a:r>
+            <a:endParaRPr lang="en-US" b="1" err="1"/>
+          </a:p>
+          <a:p>
+            <a:endParaRPr lang="en-US" sz="1200" b="1" dirty="0"/>
+          </a:p>
+          <a:p>
+            <a:pPr marL="285750" indent="-285750">
+              <a:buFont typeface="Arial"/>
+              <a:buChar char="•"/>
+            </a:pPr>
+            <a:r>
+              <a:rPr lang="en-US" sz="1200" err="1"/>
+              <a:t>Number.Round</a:t>
+            </a:r>
+            <a:r>
+              <a:rPr lang="en-US" sz="1200" dirty="0"/>
+              <a:t>(number, digits) – </a:t>
+            </a:r>
+            <a:r>
+              <a:rPr lang="en-US" sz="1200" err="1"/>
+              <a:t>Redondea</a:t>
+            </a:r>
+            <a:r>
+              <a:rPr lang="en-US" sz="1200" dirty="0"/>
+              <a:t> un </a:t>
+            </a:r>
+            <a:r>
+              <a:rPr lang="en-US" sz="1200" err="1"/>
+              <a:t>número</a:t>
+            </a:r>
+            <a:r>
+              <a:rPr lang="en-US" sz="1200" dirty="0"/>
+              <a:t>.</a:t>
+            </a:r>
+          </a:p>
+          <a:p>
+            <a:pPr marL="285750" indent="-285750">
+              <a:buFont typeface="Arial"/>
+              <a:buChar char="•"/>
+            </a:pPr>
+            <a:r>
+              <a:rPr lang="en-US" sz="1200" err="1"/>
+              <a:t>Number.Abs</a:t>
+            </a:r>
+            <a:r>
+              <a:rPr lang="en-US" sz="1200" dirty="0"/>
+              <a:t>(number) – Valor </a:t>
+            </a:r>
+            <a:r>
+              <a:rPr lang="en-US" sz="1200" err="1"/>
+              <a:t>absoluto</a:t>
+            </a:r>
+            <a:r>
+              <a:rPr lang="en-US" sz="1200" dirty="0"/>
+              <a:t>.</a:t>
+            </a:r>
+          </a:p>
+          <a:p>
+            <a:pPr marL="285750" indent="-285750">
+              <a:buFont typeface="Arial"/>
+              <a:buChar char="•"/>
+            </a:pPr>
+            <a:r>
+              <a:rPr lang="en-US" sz="1200" err="1"/>
+              <a:t>Number.Power</a:t>
+            </a:r>
+            <a:r>
+              <a:rPr lang="en-US" sz="1200" dirty="0"/>
+              <a:t>(number, power) – Potencia.</a:t>
+            </a:r>
+          </a:p>
+          <a:p>
+            <a:pPr marL="285750" indent="-285750">
+              <a:buFont typeface="Arial"/>
+              <a:buChar char="•"/>
+            </a:pPr>
+            <a:r>
+              <a:rPr lang="en-US" sz="1200" dirty="0" err="1"/>
+              <a:t>Number.From</a:t>
+            </a:r>
+            <a:r>
+              <a:rPr lang="en-US" sz="1200" dirty="0"/>
+              <a:t>(text) – </a:t>
+            </a:r>
+            <a:r>
+              <a:rPr lang="en-US" sz="1200" dirty="0" err="1"/>
+              <a:t>Convierte</a:t>
+            </a:r>
+            <a:r>
+              <a:rPr lang="en-US" sz="1200" dirty="0"/>
+              <a:t> </a:t>
+            </a:r>
+            <a:r>
+              <a:rPr lang="en-US" sz="1200" dirty="0" err="1"/>
+              <a:t>texto</a:t>
+            </a:r>
+            <a:r>
+              <a:rPr lang="en-US" sz="1200" dirty="0"/>
+              <a:t> a </a:t>
+            </a:r>
+            <a:r>
+              <a:rPr lang="en-US" sz="1200" dirty="0" err="1"/>
+              <a:t>número</a:t>
+            </a:r>
+            <a:r>
+              <a:rPr lang="en-US" sz="1200" dirty="0"/>
+              <a:t>.</a:t>
+            </a:r>
+          </a:p>
+          <a:p>
+            <a:endParaRPr lang="en-US" sz="2000" dirty="0"/>
+          </a:p>
+          <a:p>
+            <a:r>
+              <a:rPr lang="en-US" sz="2000" b="1" dirty="0" err="1"/>
+              <a:t>Funciones</a:t>
+            </a:r>
+            <a:r>
+              <a:rPr lang="en-US" sz="2000" b="1" dirty="0"/>
+              <a:t> de </a:t>
+            </a:r>
+            <a:r>
+              <a:rPr lang="en-US" sz="2000" b="1" dirty="0" err="1"/>
+              <a:t>Fecha</a:t>
+            </a:r>
+            <a:r>
+              <a:rPr lang="en-US" sz="2000" b="1" dirty="0"/>
+              <a:t> y Hora</a:t>
+            </a:r>
+            <a:endParaRPr lang="en-US" b="1" dirty="0"/>
+          </a:p>
+          <a:p>
+            <a:endParaRPr lang="en-US" sz="1200" b="1" dirty="0"/>
+          </a:p>
+          <a:p>
+            <a:pPr marL="171450" indent="-171450">
+              <a:buFont typeface="Arial"/>
+              <a:buChar char="•"/>
+            </a:pPr>
+            <a:r>
+              <a:rPr lang="en-US" sz="1200" err="1"/>
+              <a:t>DateTime.LocalNow</a:t>
+            </a:r>
+            <a:r>
+              <a:rPr lang="en-US" sz="1200" dirty="0"/>
+              <a:t>() – </a:t>
+            </a:r>
+            <a:r>
+              <a:rPr lang="en-US" sz="1200" err="1"/>
+              <a:t>Fecha</a:t>
+            </a:r>
+            <a:r>
+              <a:rPr lang="en-US" sz="1200" dirty="0"/>
+              <a:t> y hora actual.</a:t>
+            </a:r>
+          </a:p>
+          <a:p>
+            <a:pPr marL="171450" indent="-171450">
+              <a:buFont typeface="Arial"/>
+              <a:buChar char="•"/>
+            </a:pPr>
+            <a:r>
+              <a:rPr lang="en-US" sz="1200" err="1"/>
+              <a:t>Date.From</a:t>
+            </a:r>
+            <a:r>
+              <a:rPr lang="en-US" sz="1200" dirty="0"/>
+              <a:t>(datetime) – </a:t>
+            </a:r>
+            <a:r>
+              <a:rPr lang="en-US" sz="1200" err="1"/>
+              <a:t>Extrae</a:t>
+            </a:r>
+            <a:r>
+              <a:rPr lang="en-US" sz="1200" dirty="0"/>
+              <a:t> solo la </a:t>
+            </a:r>
+            <a:r>
+              <a:rPr lang="en-US" sz="1200" err="1"/>
+              <a:t>fecha</a:t>
+            </a:r>
+            <a:r>
+              <a:rPr lang="en-US" sz="1200" dirty="0"/>
+              <a:t>.</a:t>
+            </a:r>
+          </a:p>
+          <a:p>
+            <a:pPr marL="171450" indent="-171450">
+              <a:buFont typeface="Arial"/>
+              <a:buChar char="•"/>
+            </a:pPr>
+            <a:r>
+              <a:rPr lang="en-US" sz="1200" err="1"/>
+              <a:t>Time.From</a:t>
+            </a:r>
+            <a:r>
+              <a:rPr lang="en-US" sz="1200" dirty="0"/>
+              <a:t>(datetime) – </a:t>
+            </a:r>
+            <a:r>
+              <a:rPr lang="en-US" sz="1200" err="1"/>
+              <a:t>Extrae</a:t>
+            </a:r>
+            <a:r>
+              <a:rPr lang="en-US" sz="1200" dirty="0"/>
+              <a:t> solo la hora.</a:t>
+            </a:r>
+          </a:p>
+          <a:p>
+            <a:pPr marL="171450" indent="-171450">
+              <a:buFont typeface="Arial"/>
+              <a:buChar char="•"/>
+            </a:pPr>
+            <a:r>
+              <a:rPr lang="en-US" sz="1200" err="1"/>
+              <a:t>Date.Year</a:t>
+            </a:r>
+            <a:r>
+              <a:rPr lang="en-US" sz="1200" dirty="0"/>
+              <a:t>(date) – Año de </a:t>
+            </a:r>
+            <a:r>
+              <a:rPr lang="en-US" sz="1200" err="1"/>
+              <a:t>una</a:t>
+            </a:r>
+            <a:r>
+              <a:rPr lang="en-US" sz="1200" dirty="0"/>
+              <a:t> </a:t>
+            </a:r>
+            <a:r>
+              <a:rPr lang="en-US" sz="1200" err="1"/>
+              <a:t>fecha</a:t>
+            </a:r>
+            <a:r>
+              <a:rPr lang="en-US" sz="1200" dirty="0"/>
+              <a:t>.</a:t>
+            </a:r>
+          </a:p>
+          <a:p>
+            <a:pPr marL="171450" indent="-171450">
+              <a:buFont typeface="Arial"/>
+              <a:buChar char="•"/>
+            </a:pPr>
+            <a:r>
+              <a:rPr lang="en-US" sz="1200" err="1"/>
+              <a:t>Date.Month</a:t>
+            </a:r>
+            <a:r>
+              <a:rPr lang="en-US" sz="1200" dirty="0"/>
+              <a:t>(date) – Mes de </a:t>
+            </a:r>
+            <a:r>
+              <a:rPr lang="en-US" sz="1200" err="1"/>
+              <a:t>una</a:t>
+            </a:r>
+            <a:r>
+              <a:rPr lang="en-US" sz="1200" dirty="0"/>
+              <a:t> </a:t>
+            </a:r>
+            <a:r>
+              <a:rPr lang="en-US" sz="1200" err="1"/>
+              <a:t>fecha</a:t>
+            </a:r>
+            <a:r>
+              <a:rPr lang="en-US" sz="1200" dirty="0"/>
+              <a:t>.</a:t>
+            </a:r>
+          </a:p>
+          <a:p>
+            <a:pPr marL="171450" indent="-171450">
+              <a:buFont typeface="Arial"/>
+              <a:buChar char="•"/>
+            </a:pPr>
+            <a:r>
+              <a:rPr lang="en-US" sz="1200" err="1"/>
+              <a:t>Date.Day</a:t>
+            </a:r>
+            <a:r>
+              <a:rPr lang="en-US" sz="1200" dirty="0"/>
+              <a:t>(date) – Día del </a:t>
+            </a:r>
+            <a:r>
+              <a:rPr lang="en-US" sz="1200" err="1"/>
+              <a:t>mes</a:t>
+            </a:r>
+            <a:r>
+              <a:rPr lang="en-US" sz="1200" dirty="0"/>
+              <a:t>.</a:t>
+            </a:r>
+          </a:p>
+          <a:p>
+            <a:pPr marL="171450" indent="-171450">
+              <a:buFont typeface="Arial"/>
+              <a:buChar char="•"/>
+            </a:pPr>
+            <a:r>
+              <a:rPr lang="en-US" sz="1200" err="1"/>
+              <a:t>Date.DayOfWeek</a:t>
+            </a:r>
+            <a:r>
+              <a:rPr lang="en-US" sz="1200" dirty="0"/>
+              <a:t>(date) – Día de la </a:t>
+            </a:r>
+            <a:r>
+              <a:rPr lang="en-US" sz="1200" err="1"/>
+              <a:t>semana</a:t>
+            </a:r>
+            <a:r>
+              <a:rPr lang="en-US" sz="1200" dirty="0"/>
+              <a:t> (0 = </a:t>
+            </a:r>
+            <a:r>
+              <a:rPr lang="en-US" sz="1200" err="1"/>
+              <a:t>domingo</a:t>
+            </a:r>
+            <a:r>
+              <a:rPr lang="en-US" sz="1200" dirty="0"/>
+              <a:t>).</a:t>
+            </a:r>
+          </a:p>
+          <a:p>
+            <a:pPr marL="171450" indent="-171450">
+              <a:buFont typeface="Arial"/>
+              <a:buChar char="•"/>
+            </a:pPr>
+            <a:r>
+              <a:rPr lang="en-US" sz="1200" dirty="0" err="1"/>
+              <a:t>Date.AddDays</a:t>
+            </a:r>
+            <a:r>
+              <a:rPr lang="en-US" sz="1200" dirty="0"/>
+              <a:t>(date, number) – Suma días a </a:t>
+            </a:r>
+            <a:r>
+              <a:rPr lang="en-US" sz="1200" dirty="0" err="1"/>
+              <a:t>una</a:t>
+            </a:r>
+            <a:r>
+              <a:rPr lang="en-US" sz="1200" dirty="0"/>
+              <a:t> </a:t>
+            </a:r>
+            <a:r>
+              <a:rPr lang="en-US" sz="1200" dirty="0" err="1"/>
+              <a:t>fecha</a:t>
+            </a:r>
+            <a:r>
+              <a:rPr lang="en-US" sz="1200" dirty="0"/>
+              <a:t>.</a:t>
+            </a:r>
+          </a:p>
+        </p:txBody>
+      </p:sp>
+      <p:sp>
+        <p:nvSpPr>
+          <p:cNvPr id="6" name="TextBox 5">
+            <a:extLst>
+              <a:ext uri="{FF2B5EF4-FFF2-40B4-BE49-F238E27FC236}">
+                <a16:creationId xmlns:a16="http://schemas.microsoft.com/office/drawing/2014/main" id="{9E38AF1E-C8BF-A205-56FD-6F9949B743E7}"/>
+              </a:ext>
+            </a:extLst>
+          </p:cNvPr>
+          <p:cNvSpPr txBox="1"/>
+          <p:nvPr/>
+        </p:nvSpPr>
+        <p:spPr>
+          <a:xfrm>
+            <a:off x="5860211" y="2366513"/>
+            <a:ext cx="5101086" cy="3447098"/>
+          </a:xfrm>
+          <a:prstGeom prst="rect">
+            <a:avLst/>
+          </a:prstGeom>
+          <a:noFill/>
+        </p:spPr>
+        <p:txBody>
+          <a:bodyPr rot="0" spcFirstLastPara="0" vertOverflow="overflow" horzOverflow="overflow" vert="horz" wrap="square" lIns="91440" tIns="45720" rIns="91440" bIns="45720" numCol="1" spcCol="0" rtlCol="0" fromWordArt="0" anchor="t" anchorCtr="0" forceAA="0" compatLnSpc="1">
+            <a:prstTxWarp prst="textNoShape">
+              <a:avLst/>
+            </a:prstTxWarp>
+            <a:spAutoFit/>
+          </a:bodyPr>
+          <a:lstStyle/>
+          <a:p>
+            <a:r>
+              <a:rPr lang="en-US" sz="2000" b="1" dirty="0" err="1"/>
+              <a:t>Funciones</a:t>
+            </a:r>
+            <a:r>
+              <a:rPr lang="en-US" sz="2000" b="1" dirty="0"/>
+              <a:t> de </a:t>
+            </a:r>
+            <a:r>
+              <a:rPr lang="en-US" sz="2000" b="1" dirty="0" err="1"/>
+              <a:t>Texto</a:t>
+            </a:r>
+            <a:endParaRPr lang="en-US" sz="2000" b="1" dirty="0"/>
+          </a:p>
+          <a:p>
+            <a:endParaRPr lang="en-US" sz="1200" b="1" dirty="0"/>
+          </a:p>
+          <a:p>
+            <a:pPr>
+              <a:buFont typeface=""/>
+              <a:buChar char="•"/>
+            </a:pPr>
+            <a:r>
+              <a:rPr lang="en-US" sz="1200" err="1"/>
+              <a:t>Text.Upper</a:t>
+            </a:r>
+            <a:r>
+              <a:rPr lang="en-US" sz="1200" dirty="0"/>
+              <a:t>(text) – </a:t>
+            </a:r>
+            <a:r>
+              <a:rPr lang="en-US" sz="1200" err="1"/>
+              <a:t>Convierte</a:t>
+            </a:r>
+            <a:r>
+              <a:rPr lang="en-US" sz="1200" dirty="0"/>
+              <a:t> a </a:t>
+            </a:r>
+            <a:r>
+              <a:rPr lang="en-US" sz="1200" err="1"/>
+              <a:t>mayúsculas</a:t>
+            </a:r>
+            <a:r>
+              <a:rPr lang="en-US" sz="1200" dirty="0"/>
+              <a:t>.</a:t>
+            </a:r>
+          </a:p>
+          <a:p>
+            <a:pPr>
+              <a:buFont typeface=""/>
+              <a:buChar char="•"/>
+            </a:pPr>
+            <a:r>
+              <a:rPr lang="en-US" sz="1200" err="1"/>
+              <a:t>Text.Lower</a:t>
+            </a:r>
+            <a:r>
+              <a:rPr lang="en-US" sz="1200" dirty="0"/>
+              <a:t>(text) – </a:t>
+            </a:r>
+            <a:r>
+              <a:rPr lang="en-US" sz="1200" err="1"/>
+              <a:t>Convierte</a:t>
+            </a:r>
+            <a:r>
+              <a:rPr lang="en-US" sz="1200" dirty="0"/>
+              <a:t> a </a:t>
+            </a:r>
+            <a:r>
+              <a:rPr lang="en-US" sz="1200" err="1"/>
+              <a:t>minúsculas</a:t>
+            </a:r>
+            <a:r>
+              <a:rPr lang="en-US" sz="1200" dirty="0"/>
+              <a:t>.</a:t>
+            </a:r>
+          </a:p>
+          <a:p>
+            <a:pPr>
+              <a:buFont typeface=""/>
+              <a:buChar char="•"/>
+            </a:pPr>
+            <a:r>
+              <a:rPr lang="en-US" sz="1200" err="1"/>
+              <a:t>Text.Length</a:t>
+            </a:r>
+            <a:r>
+              <a:rPr lang="en-US" sz="1200" dirty="0"/>
+              <a:t>(text) – </a:t>
+            </a:r>
+            <a:r>
+              <a:rPr lang="en-US" sz="1200" err="1"/>
+              <a:t>Longitud</a:t>
+            </a:r>
+            <a:r>
+              <a:rPr lang="en-US" sz="1200" dirty="0"/>
+              <a:t> del </a:t>
+            </a:r>
+            <a:r>
+              <a:rPr lang="en-US" sz="1200" err="1"/>
+              <a:t>texto</a:t>
+            </a:r>
+            <a:r>
+              <a:rPr lang="en-US" sz="1200" dirty="0"/>
+              <a:t>.</a:t>
+            </a:r>
+          </a:p>
+          <a:p>
+            <a:pPr>
+              <a:buFont typeface=""/>
+              <a:buChar char="•"/>
+            </a:pPr>
+            <a:r>
+              <a:rPr lang="en-US" sz="1200" err="1"/>
+              <a:t>Text.Start</a:t>
+            </a:r>
+            <a:r>
+              <a:rPr lang="en-US" sz="1200" dirty="0"/>
+              <a:t>(text, count) – Primeros </a:t>
+            </a:r>
+            <a:r>
+              <a:rPr lang="en-US" sz="1200" err="1"/>
+              <a:t>caracteres</a:t>
+            </a:r>
+            <a:r>
+              <a:rPr lang="en-US" sz="1200" dirty="0"/>
+              <a:t>.</a:t>
+            </a:r>
+          </a:p>
+          <a:p>
+            <a:pPr>
+              <a:buFont typeface=""/>
+              <a:buChar char="•"/>
+            </a:pPr>
+            <a:r>
+              <a:rPr lang="en-US" sz="1200" err="1"/>
+              <a:t>Text.End</a:t>
+            </a:r>
+            <a:r>
+              <a:rPr lang="en-US" sz="1200" dirty="0"/>
+              <a:t>(text, count) – </a:t>
+            </a:r>
+            <a:r>
+              <a:rPr lang="en-US" sz="1200" err="1"/>
+              <a:t>Últimos</a:t>
+            </a:r>
+            <a:r>
+              <a:rPr lang="en-US" sz="1200" dirty="0"/>
+              <a:t> </a:t>
+            </a:r>
+            <a:r>
+              <a:rPr lang="en-US" sz="1200" err="1"/>
+              <a:t>caracteres</a:t>
+            </a:r>
+            <a:r>
+              <a:rPr lang="en-US" sz="1200" dirty="0"/>
+              <a:t>.</a:t>
+            </a:r>
+          </a:p>
+          <a:p>
+            <a:pPr>
+              <a:buFont typeface=""/>
+              <a:buChar char="•"/>
+            </a:pPr>
+            <a:r>
+              <a:rPr lang="en-US" sz="1200" err="1"/>
+              <a:t>Text.Middle</a:t>
+            </a:r>
+            <a:r>
+              <a:rPr lang="en-US" sz="1200" dirty="0"/>
+              <a:t>(text, start, count) – </a:t>
+            </a:r>
+            <a:r>
+              <a:rPr lang="en-US" sz="1200" err="1"/>
+              <a:t>Subcadena</a:t>
+            </a:r>
+            <a:r>
+              <a:rPr lang="en-US" sz="1200" dirty="0"/>
+              <a:t>.</a:t>
+            </a:r>
+          </a:p>
+          <a:p>
+            <a:pPr>
+              <a:buFont typeface=""/>
+              <a:buChar char="•"/>
+            </a:pPr>
+            <a:r>
+              <a:rPr lang="en-US" sz="1200" err="1"/>
+              <a:t>Text.Replace</a:t>
+            </a:r>
+            <a:r>
+              <a:rPr lang="en-US" sz="1200" dirty="0"/>
+              <a:t>(text, old, new) – </a:t>
+            </a:r>
+            <a:r>
+              <a:rPr lang="en-US" sz="1200" err="1"/>
+              <a:t>Reemplaza</a:t>
+            </a:r>
+            <a:r>
+              <a:rPr lang="en-US" sz="1200" dirty="0"/>
+              <a:t> </a:t>
+            </a:r>
+            <a:r>
+              <a:rPr lang="en-US" sz="1200" err="1"/>
+              <a:t>texto</a:t>
+            </a:r>
+            <a:r>
+              <a:rPr lang="en-US" sz="1200" dirty="0"/>
+              <a:t>.</a:t>
+            </a:r>
+          </a:p>
+          <a:p>
+            <a:pPr>
+              <a:buFont typeface=""/>
+              <a:buChar char="•"/>
+            </a:pPr>
+            <a:r>
+              <a:rPr lang="en-US" sz="1200" err="1"/>
+              <a:t>Text.Contains</a:t>
+            </a:r>
+            <a:r>
+              <a:rPr lang="en-US" sz="1200" dirty="0"/>
+              <a:t>(text, substring) – </a:t>
+            </a:r>
+            <a:r>
+              <a:rPr lang="en-US" sz="1200" err="1"/>
+              <a:t>Verifica</a:t>
+            </a:r>
+            <a:r>
+              <a:rPr lang="en-US" sz="1200" dirty="0"/>
+              <a:t> </a:t>
+            </a:r>
+            <a:r>
+              <a:rPr lang="en-US" sz="1200" err="1"/>
+              <a:t>si</a:t>
+            </a:r>
+            <a:r>
+              <a:rPr lang="en-US" sz="1200" dirty="0"/>
+              <a:t> </a:t>
+            </a:r>
+            <a:r>
+              <a:rPr lang="en-US" sz="1200" err="1"/>
+              <a:t>contiene</a:t>
+            </a:r>
+            <a:r>
+              <a:rPr lang="en-US" sz="1200" dirty="0"/>
+              <a:t> </a:t>
+            </a:r>
+            <a:r>
+              <a:rPr lang="en-US" sz="1200" err="1"/>
+              <a:t>una</a:t>
+            </a:r>
+            <a:r>
+              <a:rPr lang="en-US" sz="1200" dirty="0"/>
+              <a:t> </a:t>
+            </a:r>
+            <a:r>
+              <a:rPr lang="en-US" sz="1200" err="1"/>
+              <a:t>subcadena</a:t>
+            </a:r>
+            <a:r>
+              <a:rPr lang="en-US" sz="1200" dirty="0"/>
+              <a:t>.</a:t>
+            </a:r>
+          </a:p>
+          <a:p>
+            <a:pPr>
+              <a:buFont typeface=""/>
+              <a:buChar char="•"/>
+            </a:pPr>
+            <a:endParaRPr lang="en-US" sz="1400" dirty="0"/>
+          </a:p>
+          <a:p>
+            <a:r>
+              <a:rPr lang="en-US" sz="2000" b="1" err="1"/>
+              <a:t>Funciones</a:t>
+            </a:r>
+            <a:r>
+              <a:rPr lang="en-US" sz="2000" b="1" dirty="0"/>
+              <a:t> </a:t>
+            </a:r>
+            <a:r>
+              <a:rPr lang="en-US" sz="2000" b="1" err="1"/>
+              <a:t>Lógicas</a:t>
+            </a:r>
+            <a:endParaRPr lang="en-US" sz="2000" b="1" dirty="0"/>
+          </a:p>
+          <a:p>
+            <a:endParaRPr lang="en-US" sz="1200" b="1" dirty="0"/>
+          </a:p>
+          <a:p>
+            <a:pPr>
+              <a:buFont typeface=""/>
+              <a:buChar char="•"/>
+            </a:pPr>
+            <a:r>
+              <a:rPr lang="en-US" sz="1200" dirty="0"/>
+              <a:t>if ... then ... else – </a:t>
+            </a:r>
+            <a:r>
+              <a:rPr lang="en-US" sz="1200" err="1"/>
+              <a:t>Condicionales</a:t>
+            </a:r>
+            <a:r>
+              <a:rPr lang="en-US" sz="1200" dirty="0"/>
+              <a:t>.</a:t>
+            </a:r>
+          </a:p>
+          <a:p>
+            <a:pPr>
+              <a:buFont typeface=""/>
+              <a:buChar char="•"/>
+            </a:pPr>
+            <a:r>
+              <a:rPr lang="en-US" sz="1200" dirty="0"/>
+              <a:t>and, or, not – </a:t>
+            </a:r>
+            <a:r>
+              <a:rPr lang="en-US" sz="1200" err="1"/>
+              <a:t>Operadores</a:t>
+            </a:r>
+            <a:r>
+              <a:rPr lang="en-US" sz="1200" dirty="0"/>
+              <a:t> </a:t>
+            </a:r>
+            <a:r>
+              <a:rPr lang="en-US" sz="1200" err="1"/>
+              <a:t>lógicos</a:t>
+            </a:r>
+            <a:r>
+              <a:rPr lang="en-US" sz="1200" dirty="0"/>
+              <a:t>.</a:t>
+            </a:r>
+          </a:p>
+          <a:p>
+            <a:endParaRPr lang="en-US" sz="1400" dirty="0"/>
+          </a:p>
+        </p:txBody>
+      </p:sp>
+    </p:spTree>
+    <p:extLst>
+      <p:ext uri="{BB962C8B-B14F-4D97-AF65-F5344CB8AC3E}">
+        <p14:creationId xmlns:p14="http://schemas.microsoft.com/office/powerpoint/2010/main" val="3066307716"/>
+      </p:ext>
+    </p:extLst>
+  </p:cSld>
+  <p:clrMapOvr>
+    <a:masterClrMapping/>
+  </p:clrMapOvr>
+</p:sld>
+</file>
+
+<file path=ppt/slides/slide27.xml><?xml version="1.0" encoding="utf-8"?>
+<p:sld xmlns:a="http://schemas.openxmlformats.org/drawingml/2006/main" xmlns:r="http://schemas.openxmlformats.org/officeDocument/2006/relationships" xmlns:p="http://schemas.openxmlformats.org/presentationml/2006/main">
+  <p:cSld>
+    <p:spTree>
+      <p:nvGrpSpPr>
+        <p:cNvPr id="1" name="">
+          <a:extLst>
+            <a:ext uri="{FF2B5EF4-FFF2-40B4-BE49-F238E27FC236}">
+              <a16:creationId xmlns:a16="http://schemas.microsoft.com/office/drawing/2014/main" id="{FE5EE524-ECD4-4432-33AE-B0C59A693910}"/>
+            </a:ext>
+          </a:extLst>
+        </p:cNvPr>
+        <p:cNvGrpSpPr/>
+        <p:nvPr/>
+      </p:nvGrpSpPr>
+      <p:grpSpPr>
+        <a:xfrm>
+          <a:off x="0" y="0"/>
+          <a:ext cx="0" cy="0"/>
+          <a:chOff x="0" y="0"/>
+          <a:chExt cx="0" cy="0"/>
+        </a:xfrm>
+      </p:grpSpPr>
+      <p:sp>
+        <p:nvSpPr>
+          <p:cNvPr id="2" name="Title 1">
+            <a:extLst>
+              <a:ext uri="{FF2B5EF4-FFF2-40B4-BE49-F238E27FC236}">
+                <a16:creationId xmlns:a16="http://schemas.microsoft.com/office/drawing/2014/main" id="{9F3DBC71-487B-3AC1-F168-58F5AD45534A}"/>
+              </a:ext>
+            </a:extLst>
+          </p:cNvPr>
+          <p:cNvSpPr>
+            <a:spLocks noGrp="1"/>
+          </p:cNvSpPr>
+          <p:nvPr>
+            <p:ph type="title"/>
+          </p:nvPr>
+        </p:nvSpPr>
+        <p:spPr>
+          <a:xfrm>
+            <a:off x="521208" y="978408"/>
+            <a:ext cx="11155680" cy="746533"/>
+          </a:xfrm>
+        </p:spPr>
+        <p:txBody>
+          <a:bodyPr>
+            <a:noAutofit/>
+          </a:bodyPr>
+          <a:lstStyle/>
+          <a:p>
+            <a:r>
+              <a:rPr lang="en-US" sz="4900" dirty="0"/>
+              <a:t>TRANSFORMACIONES INTERMEDIAS</a:t>
+            </a:r>
+          </a:p>
+        </p:txBody>
+      </p:sp>
+      <p:sp>
+        <p:nvSpPr>
+          <p:cNvPr id="4" name="Title 1">
+            <a:extLst>
+              <a:ext uri="{FF2B5EF4-FFF2-40B4-BE49-F238E27FC236}">
+                <a16:creationId xmlns:a16="http://schemas.microsoft.com/office/drawing/2014/main" id="{3FA9C750-F3CB-6CD9-32FB-A619D75CA06E}"/>
+              </a:ext>
+            </a:extLst>
+          </p:cNvPr>
+          <p:cNvSpPr txBox="1">
+            <a:spLocks/>
+          </p:cNvSpPr>
+          <p:nvPr/>
+        </p:nvSpPr>
+        <p:spPr>
+          <a:xfrm>
+            <a:off x="517869" y="1720517"/>
+            <a:ext cx="11157866" cy="4264056"/>
+          </a:xfrm>
+          <a:prstGeom prst="rect">
+            <a:avLst/>
+          </a:prstGeom>
+        </p:spPr>
+        <p:txBody>
+          <a:bodyPr vert="horz" lIns="91440" tIns="45720" rIns="91440" bIns="45720" rtlCol="0" anchor="t">
+            <a:normAutofit fontScale="97500"/>
+          </a:bodyPr>
+          <a:lstStyle>
+            <a:lvl1pPr algn="l" defTabSz="914400" rtl="0" eaLnBrk="1" latinLnBrk="0" hangingPunct="1">
+              <a:lnSpc>
+                <a:spcPct val="100000"/>
+              </a:lnSpc>
+              <a:spcBef>
+                <a:spcPct val="0"/>
+              </a:spcBef>
+              <a:buNone/>
+              <a:defRPr sz="4400" b="1" kern="1200">
+                <a:solidFill>
+                  <a:schemeClr val="tx1"/>
+                </a:solidFill>
+                <a:latin typeface="+mj-lt"/>
+                <a:ea typeface="+mj-ea"/>
+                <a:cs typeface="+mj-cs"/>
+              </a:defRPr>
+            </a:lvl1pPr>
+          </a:lstStyle>
+          <a:p>
+            <a:pPr>
+              <a:lnSpc>
+                <a:spcPct val="90000"/>
+              </a:lnSpc>
+            </a:pPr>
+            <a:endParaRPr lang="en-US" sz="3600" u="sng" dirty="0"/>
+          </a:p>
+          <a:p>
+            <a:pPr>
+              <a:lnSpc>
+                <a:spcPct val="90000"/>
+              </a:lnSpc>
+            </a:pPr>
+            <a:br>
+              <a:rPr lang="en-US" sz="2900" b="0" dirty="0"/>
+            </a:br>
+            <a:endParaRPr lang="en-US" sz="3300" b="0"/>
+          </a:p>
+        </p:txBody>
+      </p:sp>
+      <p:sp>
+        <p:nvSpPr>
+          <p:cNvPr id="5" name="TextBox 4">
+            <a:extLst>
+              <a:ext uri="{FF2B5EF4-FFF2-40B4-BE49-F238E27FC236}">
+                <a16:creationId xmlns:a16="http://schemas.microsoft.com/office/drawing/2014/main" id="{202912EB-F3E6-B275-0DA0-4357C8150A50}"/>
+              </a:ext>
+            </a:extLst>
+          </p:cNvPr>
+          <p:cNvSpPr txBox="1"/>
+          <p:nvPr/>
+        </p:nvSpPr>
+        <p:spPr>
+          <a:xfrm>
+            <a:off x="531380" y="1736134"/>
+            <a:ext cx="10555890" cy="3570208"/>
+          </a:xfrm>
+          <a:prstGeom prst="rect">
+            <a:avLst/>
+          </a:prstGeom>
+          <a:noFill/>
+        </p:spPr>
+        <p:txBody>
+          <a:bodyPr rot="0" spcFirstLastPara="0" vertOverflow="overflow" horzOverflow="overflow" vert="horz" wrap="square" lIns="91440" tIns="45720" rIns="91440" bIns="45720" numCol="1" spcCol="0" rtlCol="0" fromWordArt="0" anchor="t" anchorCtr="0" forceAA="0" compatLnSpc="1">
+            <a:prstTxWarp prst="textNoShape">
+              <a:avLst/>
+            </a:prstTxWarp>
+            <a:spAutoFit/>
+          </a:bodyPr>
+          <a:lstStyle/>
+          <a:p>
+            <a:r>
+              <a:rPr lang="en-US" sz="2400" b="1" dirty="0"/>
+              <a:t>COLUMNAS PERSONALIZADAS – FUNCIONES LISTA</a:t>
+            </a:r>
+            <a:endParaRPr lang="en-US" sz="2400" dirty="0"/>
+          </a:p>
+          <a:p>
+            <a:endParaRPr lang="en-US" sz="2000" dirty="0"/>
+          </a:p>
+          <a:p>
+            <a:r>
+              <a:rPr lang="en-US" sz="1600" b="1" dirty="0" err="1"/>
+              <a:t>Funciones</a:t>
+            </a:r>
+            <a:r>
+              <a:rPr lang="en-US" sz="1600" b="1" dirty="0"/>
+              <a:t> de Lista</a:t>
+            </a:r>
+            <a:endParaRPr lang="en-US" sz="1600"/>
+          </a:p>
+          <a:p>
+            <a:pPr marL="342900" indent="-342900">
+              <a:buFont typeface="Arial"/>
+              <a:buChar char="•"/>
+            </a:pPr>
+            <a:endParaRPr lang="en-US" sz="1200" dirty="0"/>
+          </a:p>
+          <a:p>
+            <a:pPr marL="342900" indent="-342900">
+              <a:buFont typeface="Arial"/>
+              <a:buChar char="•"/>
+            </a:pPr>
+            <a:r>
+              <a:rPr lang="en-US" sz="1400" err="1"/>
+              <a:t>List.Count</a:t>
+            </a:r>
+            <a:r>
+              <a:rPr lang="en-US" sz="1400" dirty="0"/>
+              <a:t>(list) – </a:t>
+            </a:r>
+            <a:r>
+              <a:rPr lang="en-US" sz="1400" err="1"/>
+              <a:t>Cuenta</a:t>
+            </a:r>
+            <a:r>
+              <a:rPr lang="en-US" sz="1400" dirty="0"/>
+              <a:t> </a:t>
+            </a:r>
+            <a:r>
+              <a:rPr lang="en-US" sz="1400" err="1"/>
+              <a:t>elementos</a:t>
+            </a:r>
+            <a:r>
+              <a:rPr lang="en-US" sz="1400" dirty="0"/>
+              <a:t>.</a:t>
+            </a:r>
+          </a:p>
+          <a:p>
+            <a:pPr marL="342900" indent="-342900">
+              <a:buFont typeface="Arial"/>
+              <a:buChar char="•"/>
+            </a:pPr>
+            <a:r>
+              <a:rPr lang="en-US" sz="1400" err="1"/>
+              <a:t>List.Contains</a:t>
+            </a:r>
+            <a:r>
+              <a:rPr lang="en-US" sz="1400" dirty="0"/>
+              <a:t>(list, value) – </a:t>
+            </a:r>
+            <a:r>
+              <a:rPr lang="en-US" sz="1400" err="1"/>
+              <a:t>Verifica</a:t>
+            </a:r>
+            <a:r>
+              <a:rPr lang="en-US" sz="1400" dirty="0"/>
+              <a:t> </a:t>
+            </a:r>
+            <a:r>
+              <a:rPr lang="en-US" sz="1400" err="1"/>
+              <a:t>si</a:t>
+            </a:r>
+            <a:r>
+              <a:rPr lang="en-US" sz="1400" dirty="0"/>
+              <a:t> un valor </a:t>
+            </a:r>
+            <a:r>
+              <a:rPr lang="en-US" sz="1400" err="1"/>
+              <a:t>está</a:t>
+            </a:r>
+            <a:r>
+              <a:rPr lang="en-US" sz="1400" dirty="0"/>
+              <a:t> </a:t>
+            </a:r>
+            <a:r>
+              <a:rPr lang="en-US" sz="1400" err="1"/>
+              <a:t>en</a:t>
+            </a:r>
+            <a:r>
+              <a:rPr lang="en-US" sz="1400" dirty="0"/>
+              <a:t> la </a:t>
+            </a:r>
+            <a:r>
+              <a:rPr lang="en-US" sz="1400" err="1"/>
+              <a:t>lista</a:t>
+            </a:r>
+            <a:r>
+              <a:rPr lang="en-US" sz="1400" dirty="0"/>
+              <a:t>.</a:t>
+            </a:r>
+          </a:p>
+          <a:p>
+            <a:pPr marL="342900" indent="-342900">
+              <a:buFont typeface="Arial"/>
+              <a:buChar char="•"/>
+            </a:pPr>
+            <a:r>
+              <a:rPr lang="en-US" sz="1400" err="1"/>
+              <a:t>List.Sum</a:t>
+            </a:r>
+            <a:r>
+              <a:rPr lang="en-US" sz="1400" dirty="0"/>
+              <a:t>(list) – Suma de </a:t>
+            </a:r>
+            <a:r>
+              <a:rPr lang="en-US" sz="1400" err="1"/>
+              <a:t>elementos</a:t>
+            </a:r>
+            <a:r>
+              <a:rPr lang="en-US" sz="1400" dirty="0"/>
+              <a:t>.</a:t>
+            </a:r>
+          </a:p>
+          <a:p>
+            <a:pPr marL="342900" indent="-342900">
+              <a:buFont typeface="Arial"/>
+              <a:buChar char="•"/>
+            </a:pPr>
+            <a:r>
+              <a:rPr lang="en-US" sz="1400" err="1"/>
+              <a:t>List.Max</a:t>
+            </a:r>
+            <a:r>
+              <a:rPr lang="en-US" sz="1400" dirty="0"/>
+              <a:t>(list) – Valor </a:t>
+            </a:r>
+            <a:r>
+              <a:rPr lang="en-US" sz="1400" err="1"/>
+              <a:t>máximo</a:t>
+            </a:r>
+            <a:r>
+              <a:rPr lang="en-US" sz="1400" dirty="0"/>
+              <a:t>.</a:t>
+            </a:r>
+          </a:p>
+          <a:p>
+            <a:pPr marL="342900" indent="-342900">
+              <a:buFont typeface="Arial"/>
+              <a:buChar char="•"/>
+            </a:pPr>
+            <a:r>
+              <a:rPr lang="en-US" sz="1400" dirty="0" err="1"/>
+              <a:t>List.Min</a:t>
+            </a:r>
+            <a:r>
+              <a:rPr lang="en-US" sz="1400" dirty="0"/>
+              <a:t>(list) – Valor </a:t>
+            </a:r>
+            <a:r>
+              <a:rPr lang="en-US" sz="1400" dirty="0" err="1"/>
+              <a:t>mínimo</a:t>
+            </a:r>
+            <a:r>
+              <a:rPr lang="en-US" sz="1400" dirty="0"/>
+              <a:t>.</a:t>
+            </a:r>
+          </a:p>
+          <a:p>
+            <a:endParaRPr lang="en-US" sz="2000" b="1" dirty="0"/>
+          </a:p>
+          <a:p>
+            <a:endParaRPr lang="en-US" sz="2000" b="1" dirty="0"/>
+          </a:p>
+          <a:p>
+            <a:endParaRPr lang="en-US" sz="2000" b="1" dirty="0"/>
+          </a:p>
+          <a:p>
+            <a:endParaRPr lang="en-US" sz="2000" b="1" dirty="0"/>
+          </a:p>
+        </p:txBody>
+      </p:sp>
+      <p:sp>
+        <p:nvSpPr>
+          <p:cNvPr id="3" name="TextBox 2">
+            <a:extLst>
+              <a:ext uri="{FF2B5EF4-FFF2-40B4-BE49-F238E27FC236}">
+                <a16:creationId xmlns:a16="http://schemas.microsoft.com/office/drawing/2014/main" id="{3ED2DDED-DA8A-5546-C16A-1C5B22B9F1C2}"/>
+              </a:ext>
+            </a:extLst>
+          </p:cNvPr>
+          <p:cNvSpPr txBox="1"/>
+          <p:nvPr/>
+        </p:nvSpPr>
+        <p:spPr>
+          <a:xfrm>
+            <a:off x="6593458" y="2438400"/>
+            <a:ext cx="4037161" cy="3262432"/>
+          </a:xfrm>
+          <a:prstGeom prst="rect">
+            <a:avLst/>
+          </a:prstGeom>
+          <a:noFill/>
+        </p:spPr>
+        <p:txBody>
+          <a:bodyPr rot="0" spcFirstLastPara="0" vertOverflow="overflow" horzOverflow="overflow" vert="horz" wrap="square" lIns="91440" tIns="45720" rIns="91440" bIns="45720" numCol="1" spcCol="0" rtlCol="0" fromWordArt="0" anchor="t" anchorCtr="0" forceAA="0" compatLnSpc="1">
+            <a:prstTxWarp prst="textNoShape">
+              <a:avLst/>
+            </a:prstTxWarp>
+            <a:spAutoFit/>
+          </a:bodyPr>
+          <a:lstStyle/>
+          <a:p>
+            <a:r>
+              <a:rPr lang="en-US" sz="1600" b="1" dirty="0"/>
+              <a:t>¿QUE ES UNA LISTA?</a:t>
+            </a:r>
+          </a:p>
+          <a:p>
+            <a:endParaRPr lang="en-US" b="1" dirty="0"/>
+          </a:p>
+          <a:p>
+            <a:r>
+              <a:rPr lang="en-US" sz="1400" dirty="0"/>
+              <a:t>Una </a:t>
+            </a:r>
+            <a:r>
+              <a:rPr lang="en-US" sz="1400" err="1"/>
+              <a:t>lista</a:t>
+            </a:r>
+            <a:r>
+              <a:rPr lang="en-US" sz="1400" dirty="0"/>
+              <a:t> es </a:t>
+            </a:r>
+            <a:r>
+              <a:rPr lang="en-US" sz="1400" err="1"/>
+              <a:t>una</a:t>
+            </a:r>
+            <a:r>
+              <a:rPr lang="en-US" sz="1400" dirty="0"/>
+              <a:t> </a:t>
+            </a:r>
+            <a:r>
+              <a:rPr lang="en-US" sz="1400" err="1"/>
+              <a:t>colección</a:t>
+            </a:r>
+            <a:r>
+              <a:rPr lang="en-US" sz="1400" dirty="0"/>
+              <a:t> </a:t>
+            </a:r>
+            <a:r>
+              <a:rPr lang="en-US" sz="1400" err="1"/>
+              <a:t>ordenada</a:t>
+            </a:r>
+            <a:r>
+              <a:rPr lang="en-US" sz="1400" dirty="0"/>
+              <a:t> de </a:t>
+            </a:r>
+            <a:r>
+              <a:rPr lang="en-US" sz="1400" err="1"/>
+              <a:t>valores</a:t>
+            </a:r>
+            <a:r>
+              <a:rPr lang="en-US" sz="1400" dirty="0"/>
+              <a:t> simples (</a:t>
+            </a:r>
+            <a:r>
+              <a:rPr lang="en-US" sz="1400" err="1"/>
+              <a:t>como</a:t>
+            </a:r>
+            <a:r>
+              <a:rPr lang="en-US" sz="1400" dirty="0"/>
+              <a:t> </a:t>
+            </a:r>
+            <a:r>
+              <a:rPr lang="en-US" sz="1400" err="1"/>
+              <a:t>números</a:t>
+            </a:r>
+            <a:r>
+              <a:rPr lang="en-US" sz="1400" dirty="0"/>
+              <a:t>, </a:t>
+            </a:r>
+            <a:r>
+              <a:rPr lang="en-US" sz="1400" err="1"/>
+              <a:t>textos</a:t>
+            </a:r>
+            <a:r>
+              <a:rPr lang="en-US" sz="1400" dirty="0"/>
+              <a:t>, </a:t>
+            </a:r>
+            <a:r>
+              <a:rPr lang="en-US" sz="1400" err="1"/>
+              <a:t>fechas</a:t>
+            </a:r>
+            <a:r>
+              <a:rPr lang="en-US" sz="1400" dirty="0"/>
+              <a:t>, etc.). Es </a:t>
+            </a:r>
+            <a:r>
+              <a:rPr lang="en-US" sz="1400" err="1"/>
+              <a:t>como</a:t>
+            </a:r>
+            <a:r>
+              <a:rPr lang="en-US" sz="1400" dirty="0"/>
+              <a:t> </a:t>
+            </a:r>
+            <a:r>
+              <a:rPr lang="en-US" sz="1400" err="1"/>
+              <a:t>una</a:t>
+            </a:r>
+            <a:r>
+              <a:rPr lang="en-US" sz="1400" dirty="0"/>
+              <a:t> </a:t>
+            </a:r>
+            <a:r>
+              <a:rPr lang="en-US" sz="1400" err="1"/>
+              <a:t>columna</a:t>
+            </a:r>
+            <a:r>
+              <a:rPr lang="en-US" sz="1400" dirty="0"/>
+              <a:t> sin </a:t>
+            </a:r>
+            <a:r>
+              <a:rPr lang="en-US" sz="1400" err="1"/>
+              <a:t>encabezado</a:t>
+            </a:r>
+            <a:r>
+              <a:rPr lang="en-US" sz="1400" dirty="0"/>
+              <a:t> </a:t>
+            </a:r>
+            <a:r>
+              <a:rPr lang="en-US" sz="1400" err="1"/>
+              <a:t>ni</a:t>
+            </a:r>
+            <a:r>
+              <a:rPr lang="en-US" sz="1400" dirty="0"/>
+              <a:t> </a:t>
+            </a:r>
+            <a:r>
+              <a:rPr lang="en-US" sz="1400" err="1"/>
+              <a:t>estructura</a:t>
+            </a:r>
+            <a:r>
+              <a:rPr lang="en-US" sz="1400" dirty="0"/>
+              <a:t> </a:t>
+            </a:r>
+            <a:r>
+              <a:rPr lang="en-US" sz="1400" err="1"/>
+              <a:t>adicional</a:t>
+            </a:r>
+            <a:r>
+              <a:rPr lang="en-US" sz="1400" dirty="0"/>
+              <a:t>.</a:t>
+            </a:r>
+          </a:p>
+          <a:p>
+            <a:endParaRPr lang="en-US" sz="1400" dirty="0"/>
+          </a:p>
+          <a:p>
+            <a:r>
+              <a:rPr lang="en-US" sz="1400" err="1"/>
+              <a:t>Ejemplo</a:t>
+            </a:r>
+            <a:r>
+              <a:rPr lang="en-US" sz="1400" dirty="0"/>
+              <a:t>: </a:t>
+            </a:r>
+            <a:r>
+              <a:rPr lang="en-US" sz="1400" b="1" dirty="0"/>
+              <a:t>{1, 2, 3, 4, 5}</a:t>
+            </a:r>
+          </a:p>
+          <a:p>
+            <a:endParaRPr lang="en-US" sz="1400" dirty="0"/>
+          </a:p>
+          <a:p>
+            <a:r>
+              <a:rPr lang="en-US" sz="1400" err="1"/>
+              <a:t>Funciones</a:t>
+            </a:r>
+            <a:r>
+              <a:rPr lang="en-US" sz="1400" dirty="0"/>
+              <a:t> </a:t>
+            </a:r>
+            <a:r>
+              <a:rPr lang="en-US" sz="1400" err="1"/>
+              <a:t>comunes</a:t>
+            </a:r>
+            <a:r>
+              <a:rPr lang="en-US" sz="1400" dirty="0"/>
+              <a:t> de </a:t>
+            </a:r>
+            <a:r>
+              <a:rPr lang="en-US" sz="1400" err="1"/>
+              <a:t>lista</a:t>
+            </a:r>
+            <a:r>
+              <a:rPr lang="en-US" sz="1400" dirty="0"/>
+              <a:t>:</a:t>
+            </a:r>
+          </a:p>
+          <a:p>
+            <a:pPr marL="171450" indent="-171450">
+              <a:buFont typeface="Arial"/>
+              <a:buChar char="•"/>
+            </a:pPr>
+            <a:r>
+              <a:rPr lang="en-US" sz="1400" err="1"/>
+              <a:t>List.Sum</a:t>
+            </a:r>
+            <a:r>
+              <a:rPr lang="en-US" sz="1400" dirty="0"/>
+              <a:t>({1, 2, 3}) → 6</a:t>
+            </a:r>
+          </a:p>
+          <a:p>
+            <a:pPr marL="171450" indent="-171450">
+              <a:buFont typeface="Arial"/>
+              <a:buChar char="•"/>
+            </a:pPr>
+            <a:r>
+              <a:rPr lang="en-US" sz="1400" err="1"/>
+              <a:t>List.Max</a:t>
+            </a:r>
+            <a:r>
+              <a:rPr lang="en-US" sz="1400" dirty="0"/>
+              <a:t>({10, 20, 5}) → 20</a:t>
+            </a:r>
+          </a:p>
+          <a:p>
+            <a:pPr marL="171450" indent="-171450">
+              <a:buFont typeface="Arial"/>
+              <a:buChar char="•"/>
+            </a:pPr>
+            <a:r>
+              <a:rPr lang="en-US" sz="1400" dirty="0" err="1"/>
+              <a:t>List.Contains</a:t>
+            </a:r>
+            <a:r>
+              <a:rPr lang="en-US" sz="1400" dirty="0"/>
+              <a:t>({1, 2, 3}, 2) → true</a:t>
+            </a:r>
+          </a:p>
+          <a:p>
+            <a:endParaRPr lang="en-US"/>
+          </a:p>
+        </p:txBody>
+      </p:sp>
+    </p:spTree>
+    <p:extLst>
+      <p:ext uri="{BB962C8B-B14F-4D97-AF65-F5344CB8AC3E}">
+        <p14:creationId xmlns:p14="http://schemas.microsoft.com/office/powerpoint/2010/main" val="169032368"/>
+      </p:ext>
+    </p:extLst>
+  </p:cSld>
+  <p:clrMapOvr>
+    <a:masterClrMapping/>
+  </p:clrMapOvr>
+</p:sld>
+</file>
+
+<file path=ppt/slides/slide28.xml><?xml version="1.0" encoding="utf-8"?>
+<p:sld xmlns:a="http://schemas.openxmlformats.org/drawingml/2006/main" xmlns:r="http://schemas.openxmlformats.org/officeDocument/2006/relationships" xmlns:p="http://schemas.openxmlformats.org/presentationml/2006/main">
+  <p:cSld>
+    <p:spTree>
+      <p:nvGrpSpPr>
+        <p:cNvPr id="1" name="">
+          <a:extLst>
+            <a:ext uri="{FF2B5EF4-FFF2-40B4-BE49-F238E27FC236}">
+              <a16:creationId xmlns:a16="http://schemas.microsoft.com/office/drawing/2014/main" id="{3D02E279-5D68-53A0-DABE-31FD32937C84}"/>
+            </a:ext>
+          </a:extLst>
+        </p:cNvPr>
+        <p:cNvGrpSpPr/>
+        <p:nvPr/>
+      </p:nvGrpSpPr>
+      <p:grpSpPr>
+        <a:xfrm>
+          <a:off x="0" y="0"/>
+          <a:ext cx="0" cy="0"/>
+          <a:chOff x="0" y="0"/>
+          <a:chExt cx="0" cy="0"/>
+        </a:xfrm>
+      </p:grpSpPr>
+      <p:sp>
+        <p:nvSpPr>
+          <p:cNvPr id="2" name="Title 1">
+            <a:extLst>
+              <a:ext uri="{FF2B5EF4-FFF2-40B4-BE49-F238E27FC236}">
+                <a16:creationId xmlns:a16="http://schemas.microsoft.com/office/drawing/2014/main" id="{CE10A9D2-8E0F-25C2-7AE0-2A0EA3FB5F8D}"/>
+              </a:ext>
+            </a:extLst>
+          </p:cNvPr>
+          <p:cNvSpPr>
+            <a:spLocks noGrp="1"/>
+          </p:cNvSpPr>
+          <p:nvPr>
+            <p:ph type="title"/>
+          </p:nvPr>
+        </p:nvSpPr>
+        <p:spPr>
+          <a:xfrm>
+            <a:off x="521208" y="978408"/>
+            <a:ext cx="11155680" cy="746533"/>
+          </a:xfrm>
+        </p:spPr>
+        <p:txBody>
+          <a:bodyPr>
+            <a:noAutofit/>
+          </a:bodyPr>
+          <a:lstStyle/>
+          <a:p>
+            <a:r>
+              <a:rPr lang="en-US" sz="4900" dirty="0"/>
+              <a:t>TRANSFORMACIONES INTERMEDIAS</a:t>
+            </a:r>
+          </a:p>
+        </p:txBody>
+      </p:sp>
+      <p:sp>
+        <p:nvSpPr>
+          <p:cNvPr id="4" name="Title 1">
+            <a:extLst>
+              <a:ext uri="{FF2B5EF4-FFF2-40B4-BE49-F238E27FC236}">
+                <a16:creationId xmlns:a16="http://schemas.microsoft.com/office/drawing/2014/main" id="{A53E5ED8-8BE1-80AE-DA7F-B47517F299C0}"/>
+              </a:ext>
+            </a:extLst>
+          </p:cNvPr>
+          <p:cNvSpPr txBox="1">
+            <a:spLocks/>
+          </p:cNvSpPr>
+          <p:nvPr/>
+        </p:nvSpPr>
+        <p:spPr>
+          <a:xfrm>
+            <a:off x="517869" y="1720517"/>
+            <a:ext cx="11157866" cy="4264056"/>
+          </a:xfrm>
+          <a:prstGeom prst="rect">
+            <a:avLst/>
+          </a:prstGeom>
+        </p:spPr>
+        <p:txBody>
+          <a:bodyPr vert="horz" lIns="91440" tIns="45720" rIns="91440" bIns="45720" rtlCol="0" anchor="t">
+            <a:normAutofit fontScale="97500"/>
+          </a:bodyPr>
+          <a:lstStyle>
+            <a:lvl1pPr algn="l" defTabSz="914400" rtl="0" eaLnBrk="1" latinLnBrk="0" hangingPunct="1">
+              <a:lnSpc>
+                <a:spcPct val="100000"/>
+              </a:lnSpc>
+              <a:spcBef>
+                <a:spcPct val="0"/>
+              </a:spcBef>
+              <a:buNone/>
+              <a:defRPr sz="4400" b="1" kern="1200">
+                <a:solidFill>
+                  <a:schemeClr val="tx1"/>
+                </a:solidFill>
+                <a:latin typeface="+mj-lt"/>
+                <a:ea typeface="+mj-ea"/>
+                <a:cs typeface="+mj-cs"/>
+              </a:defRPr>
+            </a:lvl1pPr>
+          </a:lstStyle>
+          <a:p>
+            <a:pPr>
+              <a:lnSpc>
+                <a:spcPct val="90000"/>
+              </a:lnSpc>
+            </a:pPr>
+            <a:endParaRPr lang="en-US" sz="3600" u="sng" dirty="0"/>
+          </a:p>
+          <a:p>
+            <a:pPr>
+              <a:lnSpc>
+                <a:spcPct val="90000"/>
+              </a:lnSpc>
+            </a:pPr>
+            <a:br>
+              <a:rPr lang="en-US" sz="2900" b="0" dirty="0"/>
+            </a:br>
+            <a:endParaRPr lang="en-US" sz="3300" b="0"/>
+          </a:p>
+        </p:txBody>
+      </p:sp>
+      <p:sp>
+        <p:nvSpPr>
+          <p:cNvPr id="5" name="TextBox 4">
+            <a:extLst>
+              <a:ext uri="{FF2B5EF4-FFF2-40B4-BE49-F238E27FC236}">
+                <a16:creationId xmlns:a16="http://schemas.microsoft.com/office/drawing/2014/main" id="{18AD8F71-F359-8BA6-DB75-D2E402FFD605}"/>
+              </a:ext>
+            </a:extLst>
+          </p:cNvPr>
+          <p:cNvSpPr txBox="1"/>
+          <p:nvPr/>
+        </p:nvSpPr>
+        <p:spPr>
+          <a:xfrm>
+            <a:off x="531380" y="1736134"/>
+            <a:ext cx="10555890" cy="3354765"/>
+          </a:xfrm>
+          <a:prstGeom prst="rect">
+            <a:avLst/>
+          </a:prstGeom>
+          <a:noFill/>
+        </p:spPr>
+        <p:txBody>
+          <a:bodyPr rot="0" spcFirstLastPara="0" vertOverflow="overflow" horzOverflow="overflow" vert="horz" wrap="square" lIns="91440" tIns="45720" rIns="91440" bIns="45720" numCol="1" spcCol="0" rtlCol="0" fromWordArt="0" anchor="t" anchorCtr="0" forceAA="0" compatLnSpc="1">
+            <a:prstTxWarp prst="textNoShape">
+              <a:avLst/>
+            </a:prstTxWarp>
+            <a:spAutoFit/>
+          </a:bodyPr>
+          <a:lstStyle/>
+          <a:p>
+            <a:r>
+              <a:rPr lang="en-US" sz="2400" b="1" dirty="0"/>
+              <a:t>COLUMNAS PERSONALIZADAS – FUNCIONES TABLA</a:t>
+            </a:r>
+            <a:endParaRPr lang="en-US" sz="2400" dirty="0"/>
+          </a:p>
+          <a:p>
+            <a:endParaRPr lang="en-US" sz="2000" dirty="0"/>
+          </a:p>
+          <a:p>
+            <a:r>
+              <a:rPr lang="en-US" sz="1600" b="1" dirty="0" err="1"/>
+              <a:t>Funciones</a:t>
+            </a:r>
+            <a:r>
+              <a:rPr lang="en-US" sz="1600" b="1" dirty="0"/>
+              <a:t> de </a:t>
+            </a:r>
+            <a:r>
+              <a:rPr lang="en-US" sz="1600" b="1" dirty="0" err="1"/>
+              <a:t>Tabla</a:t>
+            </a:r>
+            <a:endParaRPr lang="en-US" sz="1600"/>
+          </a:p>
+          <a:p>
+            <a:pPr marL="171450" indent="-171450">
+              <a:buFont typeface="Arial"/>
+              <a:buChar char="•"/>
+            </a:pPr>
+            <a:endParaRPr lang="en-US" sz="1200" dirty="0"/>
+          </a:p>
+          <a:p>
+            <a:pPr marL="171450" indent="-171450">
+              <a:buFont typeface="Arial"/>
+              <a:buChar char="•"/>
+            </a:pPr>
+            <a:r>
+              <a:rPr lang="en-US" sz="1400" err="1"/>
+              <a:t>Table.AddColumn</a:t>
+            </a:r>
+            <a:r>
+              <a:rPr lang="en-US" sz="1400" dirty="0"/>
+              <a:t>(table, name, each expression) – </a:t>
+            </a:r>
+            <a:r>
+              <a:rPr lang="en-US" sz="1400" err="1"/>
+              <a:t>Agrega</a:t>
+            </a:r>
+            <a:r>
+              <a:rPr lang="en-US" sz="1400" dirty="0"/>
+              <a:t> </a:t>
+            </a:r>
+            <a:r>
+              <a:rPr lang="en-US" sz="1400" err="1"/>
+              <a:t>columna</a:t>
+            </a:r>
+            <a:r>
+              <a:rPr lang="en-US" sz="1400" dirty="0"/>
+              <a:t>.</a:t>
+            </a:r>
+          </a:p>
+          <a:p>
+            <a:pPr marL="171450" indent="-171450">
+              <a:buFont typeface="Arial"/>
+              <a:buChar char="•"/>
+            </a:pPr>
+            <a:r>
+              <a:rPr lang="en-US" sz="1400" err="1"/>
+              <a:t>Table.RemoveColumns</a:t>
+            </a:r>
+            <a:r>
+              <a:rPr lang="en-US" sz="1400" dirty="0"/>
+              <a:t>(table, columns) – </a:t>
+            </a:r>
+            <a:r>
+              <a:rPr lang="en-US" sz="1400" err="1"/>
+              <a:t>Elimina</a:t>
+            </a:r>
+            <a:r>
+              <a:rPr lang="en-US" sz="1400" dirty="0"/>
+              <a:t> </a:t>
+            </a:r>
+            <a:r>
+              <a:rPr lang="en-US" sz="1400" err="1"/>
+              <a:t>columnas</a:t>
+            </a:r>
+            <a:r>
+              <a:rPr lang="en-US" sz="1400" dirty="0"/>
+              <a:t>.</a:t>
+            </a:r>
+          </a:p>
+          <a:p>
+            <a:pPr marL="171450" indent="-171450">
+              <a:buFont typeface="Arial"/>
+              <a:buChar char="•"/>
+            </a:pPr>
+            <a:r>
+              <a:rPr lang="en-US" sz="1400" err="1"/>
+              <a:t>Table.SelectRows</a:t>
+            </a:r>
+            <a:r>
+              <a:rPr lang="en-US" sz="1400" dirty="0"/>
+              <a:t>(table, each condition) – Filtra </a:t>
+            </a:r>
+            <a:r>
+              <a:rPr lang="en-US" sz="1400" err="1"/>
+              <a:t>filas</a:t>
+            </a:r>
+            <a:r>
+              <a:rPr lang="en-US" sz="1400" dirty="0"/>
+              <a:t>.</a:t>
+            </a:r>
+          </a:p>
+          <a:p>
+            <a:pPr marL="171450" indent="-171450">
+              <a:buFont typeface="Arial"/>
+              <a:buChar char="•"/>
+            </a:pPr>
+            <a:r>
+              <a:rPr lang="en-US" sz="1400" dirty="0" err="1"/>
+              <a:t>Table.Group</a:t>
+            </a:r>
+            <a:r>
+              <a:rPr lang="en-US" sz="1400" dirty="0"/>
+              <a:t>(table, keys, aggregations) – </a:t>
+            </a:r>
+            <a:r>
+              <a:rPr lang="en-US" sz="1400" dirty="0" err="1"/>
+              <a:t>Agrupa</a:t>
+            </a:r>
+            <a:r>
+              <a:rPr lang="en-US" sz="1400" dirty="0"/>
+              <a:t> </a:t>
+            </a:r>
+            <a:r>
+              <a:rPr lang="en-US" sz="1400" dirty="0" err="1"/>
+              <a:t>datos</a:t>
+            </a:r>
+            <a:r>
+              <a:rPr lang="en-US" sz="1400" dirty="0"/>
+              <a:t>.</a:t>
+            </a:r>
+          </a:p>
+          <a:p>
+            <a:endParaRPr lang="en-US" sz="2000" b="1" dirty="0"/>
+          </a:p>
+          <a:p>
+            <a:endParaRPr lang="en-US" sz="2000" b="1" dirty="0"/>
+          </a:p>
+          <a:p>
+            <a:endParaRPr lang="en-US" sz="2000" b="1" dirty="0"/>
+          </a:p>
+          <a:p>
+            <a:endParaRPr lang="en-US" sz="2000" b="1" dirty="0"/>
+          </a:p>
+        </p:txBody>
+      </p:sp>
+      <p:sp>
+        <p:nvSpPr>
+          <p:cNvPr id="3" name="TextBox 2">
+            <a:extLst>
+              <a:ext uri="{FF2B5EF4-FFF2-40B4-BE49-F238E27FC236}">
+                <a16:creationId xmlns:a16="http://schemas.microsoft.com/office/drawing/2014/main" id="{9DE4D954-56C5-6728-084E-C0DFADA047D5}"/>
+              </a:ext>
+            </a:extLst>
+          </p:cNvPr>
+          <p:cNvSpPr txBox="1"/>
+          <p:nvPr/>
+        </p:nvSpPr>
+        <p:spPr>
+          <a:xfrm>
+            <a:off x="6737231" y="2424023"/>
+            <a:ext cx="4497236" cy="3293209"/>
+          </a:xfrm>
+          <a:prstGeom prst="rect">
+            <a:avLst/>
+          </a:prstGeom>
+          <a:noFill/>
+        </p:spPr>
+        <p:txBody>
+          <a:bodyPr rot="0" spcFirstLastPara="0" vertOverflow="overflow" horzOverflow="overflow" vert="horz" wrap="square" lIns="91440" tIns="45720" rIns="91440" bIns="45720" numCol="1" spcCol="0" rtlCol="0" fromWordArt="0" anchor="t" anchorCtr="0" forceAA="0" compatLnSpc="1">
+            <a:prstTxWarp prst="textNoShape">
+              <a:avLst/>
+            </a:prstTxWarp>
+            <a:spAutoFit/>
+          </a:bodyPr>
+          <a:lstStyle/>
+          <a:p>
+            <a:r>
+              <a:rPr lang="en-US" sz="1600" b="1" dirty="0"/>
+              <a:t>¿QUE ES UNA TABLA?</a:t>
+            </a:r>
+          </a:p>
+          <a:p>
+            <a:endParaRPr lang="en-US" sz="1400" dirty="0"/>
+          </a:p>
+          <a:p>
+            <a:r>
+              <a:rPr lang="en-US" sz="1400" dirty="0"/>
+              <a:t>Una </a:t>
+            </a:r>
+            <a:r>
+              <a:rPr lang="en-US" sz="1400" err="1"/>
+              <a:t>tabla</a:t>
+            </a:r>
+            <a:r>
+              <a:rPr lang="en-US" sz="1400" dirty="0"/>
+              <a:t> es </a:t>
+            </a:r>
+            <a:r>
+              <a:rPr lang="en-US" sz="1400" err="1"/>
+              <a:t>una</a:t>
+            </a:r>
+            <a:r>
+              <a:rPr lang="en-US" sz="1400" dirty="0"/>
+              <a:t> </a:t>
+            </a:r>
+            <a:r>
+              <a:rPr lang="en-US" sz="1400" err="1"/>
+              <a:t>estructura</a:t>
+            </a:r>
+            <a:r>
+              <a:rPr lang="en-US" sz="1400" dirty="0"/>
+              <a:t> de </a:t>
+            </a:r>
+            <a:r>
+              <a:rPr lang="en-US" sz="1400" err="1"/>
+              <a:t>datos</a:t>
+            </a:r>
+            <a:r>
+              <a:rPr lang="en-US" sz="1400" dirty="0"/>
+              <a:t> </a:t>
+            </a:r>
+            <a:r>
+              <a:rPr lang="en-US" sz="1400" err="1"/>
+              <a:t>más</a:t>
+            </a:r>
+            <a:r>
+              <a:rPr lang="en-US" sz="1400" dirty="0"/>
+              <a:t> </a:t>
+            </a:r>
+            <a:r>
+              <a:rPr lang="en-US" sz="1400" err="1"/>
+              <a:t>compleja</a:t>
+            </a:r>
+            <a:r>
+              <a:rPr lang="en-US" sz="1400" dirty="0"/>
+              <a:t>, </a:t>
+            </a:r>
+            <a:r>
+              <a:rPr lang="en-US" sz="1400" err="1"/>
+              <a:t>compuesta</a:t>
+            </a:r>
+            <a:r>
+              <a:rPr lang="en-US" sz="1400" dirty="0"/>
+              <a:t> </a:t>
+            </a:r>
+            <a:r>
+              <a:rPr lang="en-US" sz="1400" err="1"/>
+              <a:t>por</a:t>
+            </a:r>
+            <a:r>
+              <a:rPr lang="en-US" sz="1400" dirty="0"/>
+              <a:t> </a:t>
+            </a:r>
+            <a:r>
+              <a:rPr lang="en-US" sz="1400" err="1"/>
+              <a:t>filas</a:t>
+            </a:r>
+            <a:r>
+              <a:rPr lang="en-US" sz="1400" dirty="0"/>
+              <a:t> y </a:t>
+            </a:r>
+            <a:r>
+              <a:rPr lang="en-US" sz="1400" err="1"/>
+              <a:t>columnas</a:t>
+            </a:r>
+            <a:r>
+              <a:rPr lang="en-US" sz="1400" dirty="0"/>
+              <a:t>, similar a </a:t>
+            </a:r>
+            <a:r>
+              <a:rPr lang="en-US" sz="1400" err="1"/>
+              <a:t>una</a:t>
+            </a:r>
+            <a:r>
+              <a:rPr lang="en-US" sz="1400" dirty="0"/>
+              <a:t> hoja de </a:t>
+            </a:r>
+            <a:r>
+              <a:rPr lang="en-US" sz="1400" err="1"/>
+              <a:t>cálculo</a:t>
+            </a:r>
+            <a:r>
+              <a:rPr lang="en-US" sz="1400" dirty="0"/>
+              <a:t> o </a:t>
+            </a:r>
+            <a:r>
+              <a:rPr lang="en-US" sz="1400" err="1"/>
+              <a:t>una</a:t>
+            </a:r>
+            <a:r>
+              <a:rPr lang="en-US" sz="1400" dirty="0"/>
+              <a:t> </a:t>
+            </a:r>
+            <a:r>
+              <a:rPr lang="en-US" sz="1400" err="1"/>
+              <a:t>tabla</a:t>
+            </a:r>
+            <a:r>
+              <a:rPr lang="en-US" sz="1400" dirty="0"/>
+              <a:t> de base de </a:t>
+            </a:r>
+            <a:r>
+              <a:rPr lang="en-US" sz="1400" err="1"/>
+              <a:t>datos</a:t>
+            </a:r>
+            <a:r>
+              <a:rPr lang="en-US" sz="1400" dirty="0"/>
+              <a:t>.</a:t>
+            </a:r>
+          </a:p>
+          <a:p>
+            <a:endParaRPr lang="en-US" sz="1400" dirty="0"/>
+          </a:p>
+          <a:p>
+            <a:r>
+              <a:rPr lang="en-US" sz="1400" b="1" err="1"/>
+              <a:t>Table.FromRecords</a:t>
+            </a:r>
+            <a:r>
+              <a:rPr lang="en-US" sz="1400" b="1" dirty="0"/>
+              <a:t>({</a:t>
+            </a:r>
+          </a:p>
+          <a:p>
+            <a:r>
+              <a:rPr lang="en-US" sz="1400" b="1" dirty="0"/>
+              <a:t>  [Nombre="Ana", </a:t>
+            </a:r>
+            <a:r>
+              <a:rPr lang="en-US" sz="1400" b="1" err="1"/>
+              <a:t>Edad</a:t>
+            </a:r>
+            <a:r>
+              <a:rPr lang="en-US" sz="1400" b="1" dirty="0"/>
+              <a:t>=30],</a:t>
+            </a:r>
+          </a:p>
+          <a:p>
+            <a:r>
+              <a:rPr lang="en-US" sz="1400" b="1" dirty="0"/>
+              <a:t>  [Nombre="Luis", </a:t>
+            </a:r>
+            <a:r>
+              <a:rPr lang="en-US" sz="1400" b="1" err="1"/>
+              <a:t>Edad</a:t>
+            </a:r>
+            <a:r>
+              <a:rPr lang="en-US" sz="1400" b="1" dirty="0"/>
+              <a:t>=25]</a:t>
+            </a:r>
+          </a:p>
+          <a:p>
+            <a:r>
+              <a:rPr lang="en-US" sz="1400" b="1" dirty="0"/>
+              <a:t>})</a:t>
+            </a:r>
+          </a:p>
+          <a:p>
+            <a:endParaRPr lang="en-US" sz="1600" dirty="0"/>
+          </a:p>
+          <a:p>
+            <a:endParaRPr lang="en-US" sz="1600" dirty="0"/>
+          </a:p>
+          <a:p>
+            <a:endParaRPr lang="en-US" sz="1600" dirty="0"/>
+          </a:p>
+          <a:p>
+            <a:endParaRPr lang="en-US"/>
+          </a:p>
+        </p:txBody>
+      </p:sp>
+    </p:spTree>
+    <p:extLst>
+      <p:ext uri="{BB962C8B-B14F-4D97-AF65-F5344CB8AC3E}">
+        <p14:creationId xmlns:p14="http://schemas.microsoft.com/office/powerpoint/2010/main" val="1545111836"/>
+      </p:ext>
+    </p:extLst>
+  </p:cSld>
+  <p:clrMapOvr>
+    <a:masterClrMapping/>
+  </p:clrMapOvr>
+</p:sld>
+</file>
+
+<file path=ppt/slides/slide29.xml><?xml version="1.0" encoding="utf-8"?>
+<p:sld xmlns:a="http://schemas.openxmlformats.org/drawingml/2006/main" xmlns:r="http://schemas.openxmlformats.org/officeDocument/2006/relationships" xmlns:p="http://schemas.openxmlformats.org/presentationml/2006/main">
+  <p:cSld>
+    <p:spTree>
+      <p:nvGrpSpPr>
+        <p:cNvPr id="1" name="">
+          <a:extLst>
+            <a:ext uri="{FF2B5EF4-FFF2-40B4-BE49-F238E27FC236}">
+              <a16:creationId xmlns:a16="http://schemas.microsoft.com/office/drawing/2014/main" id="{012F6CF5-9834-B410-B82C-70108D9365AA}"/>
+            </a:ext>
+          </a:extLst>
+        </p:cNvPr>
+        <p:cNvGrpSpPr/>
+        <p:nvPr/>
+      </p:nvGrpSpPr>
+      <p:grpSpPr>
+        <a:xfrm>
+          <a:off x="0" y="0"/>
+          <a:ext cx="0" cy="0"/>
+          <a:chOff x="0" y="0"/>
+          <a:chExt cx="0" cy="0"/>
+        </a:xfrm>
+      </p:grpSpPr>
+      <p:sp>
+        <p:nvSpPr>
+          <p:cNvPr id="2" name="Title 1">
+            <a:extLst>
+              <a:ext uri="{FF2B5EF4-FFF2-40B4-BE49-F238E27FC236}">
+                <a16:creationId xmlns:a16="http://schemas.microsoft.com/office/drawing/2014/main" id="{D69988AE-8B86-31DD-1EB8-46C6BE1888A1}"/>
+              </a:ext>
+            </a:extLst>
+          </p:cNvPr>
+          <p:cNvSpPr>
+            <a:spLocks noGrp="1"/>
+          </p:cNvSpPr>
+          <p:nvPr>
+            <p:ph type="title"/>
+          </p:nvPr>
+        </p:nvSpPr>
+        <p:spPr>
+          <a:xfrm>
+            <a:off x="521208" y="978408"/>
+            <a:ext cx="11155680" cy="746533"/>
+          </a:xfrm>
+        </p:spPr>
+        <p:txBody>
+          <a:bodyPr>
+            <a:noAutofit/>
+          </a:bodyPr>
+          <a:lstStyle/>
+          <a:p>
+            <a:r>
+              <a:rPr lang="en-US" sz="4900" dirty="0"/>
+              <a:t>TRANSFORMACIONES INTERMEDIAS</a:t>
+            </a:r>
+          </a:p>
+        </p:txBody>
+      </p:sp>
+      <p:sp>
+        <p:nvSpPr>
+          <p:cNvPr id="4" name="Title 1">
+            <a:extLst>
+              <a:ext uri="{FF2B5EF4-FFF2-40B4-BE49-F238E27FC236}">
+                <a16:creationId xmlns:a16="http://schemas.microsoft.com/office/drawing/2014/main" id="{0FA64BCC-DB65-F96B-7A9E-7BB231558ACD}"/>
+              </a:ext>
+            </a:extLst>
+          </p:cNvPr>
+          <p:cNvSpPr txBox="1">
+            <a:spLocks/>
+          </p:cNvSpPr>
+          <p:nvPr/>
+        </p:nvSpPr>
+        <p:spPr>
+          <a:xfrm>
+            <a:off x="517869" y="1720517"/>
+            <a:ext cx="11157866" cy="4264056"/>
+          </a:xfrm>
+          <a:prstGeom prst="rect">
+            <a:avLst/>
+          </a:prstGeom>
+        </p:spPr>
+        <p:txBody>
+          <a:bodyPr vert="horz" lIns="91440" tIns="45720" rIns="91440" bIns="45720" rtlCol="0" anchor="t">
+            <a:normAutofit fontScale="97500"/>
+          </a:bodyPr>
+          <a:lstStyle>
+            <a:lvl1pPr algn="l" defTabSz="914400" rtl="0" eaLnBrk="1" latinLnBrk="0" hangingPunct="1">
+              <a:lnSpc>
+                <a:spcPct val="100000"/>
+              </a:lnSpc>
+              <a:spcBef>
+                <a:spcPct val="0"/>
+              </a:spcBef>
+              <a:buNone/>
+              <a:defRPr sz="4400" b="1" kern="1200">
+                <a:solidFill>
+                  <a:schemeClr val="tx1"/>
+                </a:solidFill>
+                <a:latin typeface="+mj-lt"/>
+                <a:ea typeface="+mj-ea"/>
+                <a:cs typeface="+mj-cs"/>
+              </a:defRPr>
+            </a:lvl1pPr>
+          </a:lstStyle>
+          <a:p>
+            <a:pPr>
+              <a:lnSpc>
+                <a:spcPct val="90000"/>
+              </a:lnSpc>
+            </a:pPr>
+            <a:endParaRPr lang="en-US" sz="3600" u="sng" dirty="0"/>
+          </a:p>
+          <a:p>
+            <a:pPr>
+              <a:lnSpc>
+                <a:spcPct val="90000"/>
+              </a:lnSpc>
+            </a:pPr>
+            <a:br>
+              <a:rPr lang="en-US" sz="2900" b="0" dirty="0"/>
+            </a:br>
+            <a:endParaRPr lang="en-US" sz="3300" b="0"/>
+          </a:p>
+        </p:txBody>
+      </p:sp>
+      <p:sp>
+        <p:nvSpPr>
+          <p:cNvPr id="5" name="TextBox 4">
+            <a:extLst>
+              <a:ext uri="{FF2B5EF4-FFF2-40B4-BE49-F238E27FC236}">
+                <a16:creationId xmlns:a16="http://schemas.microsoft.com/office/drawing/2014/main" id="{02500EC5-A2BF-45D7-8346-66D3CE684E93}"/>
+              </a:ext>
+            </a:extLst>
+          </p:cNvPr>
+          <p:cNvSpPr txBox="1"/>
+          <p:nvPr/>
+        </p:nvSpPr>
+        <p:spPr>
+          <a:xfrm>
+            <a:off x="531380" y="1736134"/>
+            <a:ext cx="10555890" cy="769441"/>
+          </a:xfrm>
+          <a:prstGeom prst="rect">
+            <a:avLst/>
+          </a:prstGeom>
+          <a:noFill/>
+        </p:spPr>
+        <p:txBody>
+          <a:bodyPr rot="0" spcFirstLastPara="0" vertOverflow="overflow" horzOverflow="overflow" vert="horz" wrap="square" lIns="91440" tIns="45720" rIns="91440" bIns="45720" numCol="1" spcCol="0" rtlCol="0" fromWordArt="0" anchor="t" anchorCtr="0" forceAA="0" compatLnSpc="1">
+            <a:prstTxWarp prst="textNoShape">
+              <a:avLst/>
+            </a:prstTxWarp>
+            <a:spAutoFit/>
+          </a:bodyPr>
+          <a:lstStyle/>
+          <a:p>
+            <a:r>
+              <a:rPr lang="en-US" sz="2400" b="1" dirty="0"/>
+              <a:t>COLUMNAS PERSONALIZADAS – DIFERENCIAS LISTAS Y TABLAS</a:t>
+            </a:r>
+            <a:endParaRPr lang="en-US" sz="2400" dirty="0"/>
+          </a:p>
+          <a:p>
+            <a:endParaRPr lang="en-US" sz="2000" dirty="0"/>
+          </a:p>
+        </p:txBody>
+      </p:sp>
+      <p:graphicFrame>
+        <p:nvGraphicFramePr>
+          <p:cNvPr id="7" name="Table 6">
+            <a:extLst>
+              <a:ext uri="{FF2B5EF4-FFF2-40B4-BE49-F238E27FC236}">
+                <a16:creationId xmlns:a16="http://schemas.microsoft.com/office/drawing/2014/main" id="{BEC4E880-D8C6-24BF-74ED-B1E15A9D4747}"/>
+              </a:ext>
+            </a:extLst>
+          </p:cNvPr>
+          <p:cNvGraphicFramePr>
+            <a:graphicFrameLocks noGrp="1"/>
+          </p:cNvGraphicFramePr>
+          <p:nvPr>
+            <p:extLst>
+              <p:ext uri="{D42A27DB-BD31-4B8C-83A1-F6EECF244321}">
+                <p14:modId xmlns:p14="http://schemas.microsoft.com/office/powerpoint/2010/main" val="3306945373"/>
+              </p:ext>
+            </p:extLst>
+          </p:nvPr>
+        </p:nvGraphicFramePr>
+        <p:xfrm>
+          <a:off x="632603" y="2300377"/>
+          <a:ext cx="10481074" cy="1954530"/>
+        </p:xfrm>
+        <a:graphic>
+          <a:graphicData uri="http://schemas.openxmlformats.org/drawingml/2006/table">
+            <a:tbl>
+              <a:tblPr bandRow="1">
+                <a:tableStyleId>{5C22544A-7EE6-4342-B048-85BDC9FD1C3A}</a:tableStyleId>
+              </a:tblPr>
+              <a:tblGrid>
+                <a:gridCol w="2538384">
+                  <a:extLst>
+                    <a:ext uri="{9D8B030D-6E8A-4147-A177-3AD203B41FA5}">
+                      <a16:colId xmlns:a16="http://schemas.microsoft.com/office/drawing/2014/main" val="3024813487"/>
+                    </a:ext>
+                  </a:extLst>
+                </a:gridCol>
+                <a:gridCol w="3463667">
+                  <a:extLst>
+                    <a:ext uri="{9D8B030D-6E8A-4147-A177-3AD203B41FA5}">
+                      <a16:colId xmlns:a16="http://schemas.microsoft.com/office/drawing/2014/main" val="3914320562"/>
+                    </a:ext>
+                  </a:extLst>
+                </a:gridCol>
+                <a:gridCol w="4479023">
+                  <a:extLst>
+                    <a:ext uri="{9D8B030D-6E8A-4147-A177-3AD203B41FA5}">
+                      <a16:colId xmlns:a16="http://schemas.microsoft.com/office/drawing/2014/main" val="1637809885"/>
+                    </a:ext>
+                  </a:extLst>
+                </a:gridCol>
+              </a:tblGrid>
+              <a:tr h="0">
+                <a:tc>
+                  <a:txBody>
+                    <a:bodyPr/>
+                    <a:lstStyle/>
+                    <a:p>
+                      <a:pPr algn="l" fontAlgn="t"/>
+                      <a:r>
+                        <a:rPr lang="en-US" b="1" err="1">
+                          <a:effectLst/>
+                        </a:rPr>
+                        <a:t>Característica</a:t>
+                      </a:r>
+                    </a:p>
+                  </a:txBody>
+                  <a:tcPr marL="114300" marR="76200" marT="76200" marB="66675">
+                    <a:lnL w="9525" cap="flat" cmpd="sng" algn="ctr">
+                      <a:solidFill>
+                        <a:srgbClr val="E6E6E6"/>
+                      </a:solidFill>
+                      <a:prstDash val="solid"/>
+                      <a:round/>
+                      <a:headEnd type="none" w="med" len="med"/>
+                      <a:tailEnd type="none" w="med" len="med"/>
+                    </a:lnL>
+                    <a:lnR w="9525" cap="flat" cmpd="sng" algn="ctr">
+                      <a:solidFill>
+                        <a:srgbClr val="E6E6E6"/>
+                      </a:solidFill>
+                      <a:prstDash val="solid"/>
+                      <a:round/>
+                      <a:headEnd type="none" w="med" len="med"/>
+                      <a:tailEnd type="none" w="med" len="med"/>
+                    </a:lnR>
+                    <a:lnT w="9525" cap="flat" cmpd="sng" algn="ctr">
+                      <a:solidFill>
+                        <a:srgbClr val="E6E6E6"/>
+                      </a:solidFill>
+                      <a:prstDash val="solid"/>
+                      <a:round/>
+                      <a:headEnd type="none" w="med" len="med"/>
+                      <a:tailEnd type="none" w="med" len="med"/>
+                    </a:lnT>
+                    <a:lnB w="9525" cap="flat" cmpd="sng" algn="ctr">
+                      <a:solidFill>
+                        <a:srgbClr val="E6E6E6"/>
+                      </a:solidFill>
+                      <a:prstDash val="solid"/>
+                      <a:round/>
+                      <a:headEnd type="none" w="med" len="med"/>
+                      <a:tailEnd type="none" w="med" len="med"/>
+                    </a:lnB>
+                    <a:solidFill>
+                      <a:srgbClr val="F5F5F5"/>
+                    </a:solidFill>
+                  </a:tcPr>
+                </a:tc>
+                <a:tc>
+                  <a:txBody>
+                    <a:bodyPr/>
+                    <a:lstStyle/>
+                    <a:p>
+                      <a:pPr algn="l" fontAlgn="t"/>
+                      <a:r>
+                        <a:rPr lang="en-US" b="1" dirty="0">
+                          <a:effectLst/>
+                        </a:rPr>
+                        <a:t>Lista</a:t>
+                      </a:r>
+                    </a:p>
+                  </a:txBody>
+                  <a:tcPr marL="114300" marR="76200" marT="76200" marB="66675">
+                    <a:lnL w="9525" cap="flat" cmpd="sng" algn="ctr">
+                      <a:solidFill>
+                        <a:srgbClr val="E6E6E6"/>
+                      </a:solidFill>
+                      <a:prstDash val="solid"/>
+                      <a:round/>
+                      <a:headEnd type="none" w="med" len="med"/>
+                      <a:tailEnd type="none" w="med" len="med"/>
+                    </a:lnL>
+                    <a:lnR w="9525" cap="flat" cmpd="sng" algn="ctr">
+                      <a:solidFill>
+                        <a:srgbClr val="E6E6E6"/>
+                      </a:solidFill>
+                      <a:prstDash val="solid"/>
+                      <a:round/>
+                      <a:headEnd type="none" w="med" len="med"/>
+                      <a:tailEnd type="none" w="med" len="med"/>
+                    </a:lnR>
+                    <a:lnT w="9525" cap="flat" cmpd="sng" algn="ctr">
+                      <a:solidFill>
+                        <a:srgbClr val="E6E6E6"/>
+                      </a:solidFill>
+                      <a:prstDash val="solid"/>
+                      <a:round/>
+                      <a:headEnd type="none" w="med" len="med"/>
+                      <a:tailEnd type="none" w="med" len="med"/>
+                    </a:lnT>
+                    <a:lnB w="9525" cap="flat" cmpd="sng" algn="ctr">
+                      <a:solidFill>
+                        <a:srgbClr val="E6E6E6"/>
+                      </a:solidFill>
+                      <a:prstDash val="solid"/>
+                      <a:round/>
+                      <a:headEnd type="none" w="med" len="med"/>
+                      <a:tailEnd type="none" w="med" len="med"/>
+                    </a:lnB>
+                    <a:solidFill>
+                      <a:srgbClr val="F5F5F5"/>
+                    </a:solidFill>
+                  </a:tcPr>
+                </a:tc>
+                <a:tc>
+                  <a:txBody>
+                    <a:bodyPr/>
+                    <a:lstStyle/>
+                    <a:p>
+                      <a:pPr algn="l" fontAlgn="t"/>
+                      <a:r>
+                        <a:rPr lang="en-US" b="1" err="1">
+                          <a:effectLst/>
+                        </a:rPr>
+                        <a:t>Tabla</a:t>
+                      </a:r>
+                    </a:p>
+                  </a:txBody>
+                  <a:tcPr marL="114300" marR="76200" marT="76200" marB="66675">
+                    <a:lnL w="9525" cap="flat" cmpd="sng" algn="ctr">
+                      <a:solidFill>
+                        <a:srgbClr val="E6E6E6"/>
+                      </a:solidFill>
+                      <a:prstDash val="solid"/>
+                      <a:round/>
+                      <a:headEnd type="none" w="med" len="med"/>
+                      <a:tailEnd type="none" w="med" len="med"/>
+                    </a:lnL>
+                    <a:lnR w="9525" cap="flat" cmpd="sng" algn="ctr">
+                      <a:solidFill>
+                        <a:srgbClr val="E6E6E6"/>
+                      </a:solidFill>
+                      <a:prstDash val="solid"/>
+                      <a:round/>
+                      <a:headEnd type="none" w="med" len="med"/>
+                      <a:tailEnd type="none" w="med" len="med"/>
+                    </a:lnR>
+                    <a:lnT w="9525" cap="flat" cmpd="sng" algn="ctr">
+                      <a:solidFill>
+                        <a:srgbClr val="E6E6E6"/>
+                      </a:solidFill>
+                      <a:prstDash val="solid"/>
+                      <a:round/>
+                      <a:headEnd type="none" w="med" len="med"/>
+                      <a:tailEnd type="none" w="med" len="med"/>
+                    </a:lnT>
+                    <a:lnB w="9525" cap="flat" cmpd="sng" algn="ctr">
+                      <a:solidFill>
+                        <a:srgbClr val="E6E6E6"/>
+                      </a:solidFill>
+                      <a:prstDash val="solid"/>
+                      <a:round/>
+                      <a:headEnd type="none" w="med" len="med"/>
+                      <a:tailEnd type="none" w="med" len="med"/>
+                    </a:lnB>
+                    <a:solidFill>
+                      <a:srgbClr val="F5F5F5"/>
+                    </a:solidFill>
+                  </a:tcPr>
+                </a:tc>
+                <a:extLst>
+                  <a:ext uri="{0D108BD9-81ED-4DB2-BD59-A6C34878D82A}">
+                    <a16:rowId xmlns:a16="http://schemas.microsoft.com/office/drawing/2014/main" val="1327232164"/>
+                  </a:ext>
+                </a:extLst>
+              </a:tr>
+              <a:tr h="0">
+                <a:tc>
+                  <a:txBody>
+                    <a:bodyPr/>
+                    <a:lstStyle/>
+                    <a:p>
+                      <a:pPr fontAlgn="t"/>
+                      <a:r>
+                        <a:rPr lang="en-US" sz="1600" dirty="0" err="1">
+                          <a:effectLst/>
+                        </a:rPr>
+                        <a:t>Estructura</a:t>
+                      </a:r>
+                      <a:endParaRPr lang="en-US" sz="1600" dirty="0">
+                        <a:effectLst/>
+                      </a:endParaRPr>
+                    </a:p>
+                  </a:txBody>
+                  <a:tcPr marL="114300" marR="76200" marT="76200" marB="66675">
+                    <a:lnL w="9525" cap="flat" cmpd="sng" algn="ctr">
+                      <a:solidFill>
+                        <a:srgbClr val="E6E6E6"/>
+                      </a:solidFill>
+                      <a:prstDash val="solid"/>
+                      <a:round/>
+                      <a:headEnd type="none" w="med" len="med"/>
+                      <a:tailEnd type="none" w="med" len="med"/>
+                    </a:lnL>
+                    <a:lnR w="9525" cap="flat" cmpd="sng" algn="ctr">
+                      <a:solidFill>
+                        <a:srgbClr val="E6E6E6"/>
+                      </a:solidFill>
+                      <a:prstDash val="solid"/>
+                      <a:round/>
+                      <a:headEnd type="none" w="med" len="med"/>
+                      <a:tailEnd type="none" w="med" len="med"/>
+                    </a:lnR>
+                    <a:lnT w="9525" cap="flat" cmpd="sng" algn="ctr">
+                      <a:solidFill>
+                        <a:srgbClr val="E6E6E6"/>
+                      </a:solidFill>
+                      <a:prstDash val="solid"/>
+                      <a:round/>
+                      <a:headEnd type="none" w="med" len="med"/>
+                      <a:tailEnd type="none" w="med" len="med"/>
+                    </a:lnT>
+                    <a:lnB w="9525" cap="flat" cmpd="sng" algn="ctr">
+                      <a:solidFill>
+                        <a:srgbClr val="E6E6E6"/>
+                      </a:solidFill>
+                      <a:prstDash val="solid"/>
+                      <a:round/>
+                      <a:headEnd type="none" w="med" len="med"/>
+                      <a:tailEnd type="none" w="med" len="med"/>
+                    </a:lnB>
+                    <a:solidFill>
+                      <a:srgbClr val="FAFAFA"/>
+                    </a:solidFill>
+                  </a:tcPr>
+                </a:tc>
+                <a:tc>
+                  <a:txBody>
+                    <a:bodyPr/>
+                    <a:lstStyle/>
+                    <a:p>
+                      <a:pPr fontAlgn="t"/>
+                      <a:r>
+                        <a:rPr lang="en-US" sz="1600" dirty="0">
+                          <a:effectLst/>
+                        </a:rPr>
+                        <a:t>Lineal, sin </a:t>
+                      </a:r>
+                      <a:r>
+                        <a:rPr lang="en-US" sz="1600" err="1">
+                          <a:effectLst/>
+                        </a:rPr>
+                        <a:t>columnas</a:t>
+                      </a:r>
+                    </a:p>
+                  </a:txBody>
+                  <a:tcPr marL="114300" marR="76200" marT="76200" marB="66675">
+                    <a:lnL w="9525" cap="flat" cmpd="sng" algn="ctr">
+                      <a:solidFill>
+                        <a:srgbClr val="E6E6E6"/>
+                      </a:solidFill>
+                      <a:prstDash val="solid"/>
+                      <a:round/>
+                      <a:headEnd type="none" w="med" len="med"/>
+                      <a:tailEnd type="none" w="med" len="med"/>
+                    </a:lnL>
+                    <a:lnR w="9525" cap="flat" cmpd="sng" algn="ctr">
+                      <a:solidFill>
+                        <a:srgbClr val="E6E6E6"/>
+                      </a:solidFill>
+                      <a:prstDash val="solid"/>
+                      <a:round/>
+                      <a:headEnd type="none" w="med" len="med"/>
+                      <a:tailEnd type="none" w="med" len="med"/>
+                    </a:lnR>
+                    <a:lnT w="9525" cap="flat" cmpd="sng" algn="ctr">
+                      <a:solidFill>
+                        <a:srgbClr val="E6E6E6"/>
+                      </a:solidFill>
+                      <a:prstDash val="solid"/>
+                      <a:round/>
+                      <a:headEnd type="none" w="med" len="med"/>
+                      <a:tailEnd type="none" w="med" len="med"/>
+                    </a:lnT>
+                    <a:lnB w="9525" cap="flat" cmpd="sng" algn="ctr">
+                      <a:solidFill>
+                        <a:srgbClr val="E6E6E6"/>
+                      </a:solidFill>
+                      <a:prstDash val="solid"/>
+                      <a:round/>
+                      <a:headEnd type="none" w="med" len="med"/>
+                      <a:tailEnd type="none" w="med" len="med"/>
+                    </a:lnB>
+                    <a:solidFill>
+                      <a:srgbClr val="FAFAFA"/>
+                    </a:solidFill>
+                  </a:tcPr>
+                </a:tc>
+                <a:tc>
+                  <a:txBody>
+                    <a:bodyPr/>
+                    <a:lstStyle/>
+                    <a:p>
+                      <a:pPr fontAlgn="t"/>
+                      <a:r>
+                        <a:rPr lang="en-US" sz="1600" dirty="0">
+                          <a:effectLst/>
+                        </a:rPr>
+                        <a:t>Bidimensional, con </a:t>
+                      </a:r>
+                      <a:r>
+                        <a:rPr lang="en-US" sz="1600" err="1">
+                          <a:effectLst/>
+                        </a:rPr>
+                        <a:t>filas</a:t>
+                      </a:r>
+                      <a:r>
+                        <a:rPr lang="en-US" sz="1600" dirty="0">
+                          <a:effectLst/>
+                        </a:rPr>
+                        <a:t> y </a:t>
+                      </a:r>
+                      <a:r>
+                        <a:rPr lang="en-US" sz="1600" err="1">
+                          <a:effectLst/>
+                        </a:rPr>
+                        <a:t>columnas</a:t>
+                      </a:r>
+                    </a:p>
+                  </a:txBody>
+                  <a:tcPr marL="114300" marR="76200" marT="76200" marB="66675">
+                    <a:lnL w="9525" cap="flat" cmpd="sng" algn="ctr">
+                      <a:solidFill>
+                        <a:srgbClr val="E6E6E6"/>
+                      </a:solidFill>
+                      <a:prstDash val="solid"/>
+                      <a:round/>
+                      <a:headEnd type="none" w="med" len="med"/>
+                      <a:tailEnd type="none" w="med" len="med"/>
+                    </a:lnL>
+                    <a:lnR w="9525" cap="flat" cmpd="sng" algn="ctr">
+                      <a:solidFill>
+                        <a:srgbClr val="E6E6E6"/>
+                      </a:solidFill>
+                      <a:prstDash val="solid"/>
+                      <a:round/>
+                      <a:headEnd type="none" w="med" len="med"/>
+                      <a:tailEnd type="none" w="med" len="med"/>
+                    </a:lnR>
+                    <a:lnT w="9525" cap="flat" cmpd="sng" algn="ctr">
+                      <a:solidFill>
+                        <a:srgbClr val="E6E6E6"/>
+                      </a:solidFill>
+                      <a:prstDash val="solid"/>
+                      <a:round/>
+                      <a:headEnd type="none" w="med" len="med"/>
+                      <a:tailEnd type="none" w="med" len="med"/>
+                    </a:lnT>
+                    <a:lnB w="9525" cap="flat" cmpd="sng" algn="ctr">
+                      <a:solidFill>
+                        <a:srgbClr val="E6E6E6"/>
+                      </a:solidFill>
+                      <a:prstDash val="solid"/>
+                      <a:round/>
+                      <a:headEnd type="none" w="med" len="med"/>
+                      <a:tailEnd type="none" w="med" len="med"/>
+                    </a:lnB>
+                    <a:solidFill>
+                      <a:srgbClr val="FAFAFA"/>
+                    </a:solidFill>
+                  </a:tcPr>
+                </a:tc>
+                <a:extLst>
+                  <a:ext uri="{0D108BD9-81ED-4DB2-BD59-A6C34878D82A}">
+                    <a16:rowId xmlns:a16="http://schemas.microsoft.com/office/drawing/2014/main" val="15617055"/>
+                  </a:ext>
+                </a:extLst>
+              </a:tr>
+              <a:tr h="0">
+                <a:tc>
+                  <a:txBody>
+                    <a:bodyPr/>
+                    <a:lstStyle/>
+                    <a:p>
+                      <a:pPr fontAlgn="t"/>
+                      <a:r>
+                        <a:rPr lang="en-US" sz="1600" dirty="0">
+                          <a:effectLst/>
+                        </a:rPr>
+                        <a:t>Tipo de </a:t>
+                      </a:r>
+                      <a:r>
+                        <a:rPr lang="en-US" sz="1600" dirty="0" err="1">
+                          <a:effectLst/>
+                        </a:rPr>
+                        <a:t>datos</a:t>
+                      </a:r>
+                      <a:endParaRPr lang="en-US" sz="1600" dirty="0">
+                        <a:effectLst/>
+                      </a:endParaRPr>
+                    </a:p>
+                  </a:txBody>
+                  <a:tcPr marL="114300" marR="76200" marT="76200" marB="66675">
+                    <a:lnL w="9525" cap="flat" cmpd="sng" algn="ctr">
+                      <a:solidFill>
+                        <a:srgbClr val="E6E6E6"/>
+                      </a:solidFill>
+                      <a:prstDash val="solid"/>
+                      <a:round/>
+                      <a:headEnd type="none" w="med" len="med"/>
+                      <a:tailEnd type="none" w="med" len="med"/>
+                    </a:lnL>
+                    <a:lnR w="9525" cap="flat" cmpd="sng" algn="ctr">
+                      <a:solidFill>
+                        <a:srgbClr val="E6E6E6"/>
+                      </a:solidFill>
+                      <a:prstDash val="solid"/>
+                      <a:round/>
+                      <a:headEnd type="none" w="med" len="med"/>
+                      <a:tailEnd type="none" w="med" len="med"/>
+                    </a:lnR>
+                    <a:lnT w="9525" cap="flat" cmpd="sng" algn="ctr">
+                      <a:solidFill>
+                        <a:srgbClr val="E6E6E6"/>
+                      </a:solidFill>
+                      <a:prstDash val="solid"/>
+                      <a:round/>
+                      <a:headEnd type="none" w="med" len="med"/>
+                      <a:tailEnd type="none" w="med" len="med"/>
+                    </a:lnT>
+                    <a:lnB w="9525" cap="flat" cmpd="sng" algn="ctr">
+                      <a:solidFill>
+                        <a:srgbClr val="E6E6E6"/>
+                      </a:solidFill>
+                      <a:prstDash val="solid"/>
+                      <a:round/>
+                      <a:headEnd type="none" w="med" len="med"/>
+                      <a:tailEnd type="none" w="med" len="med"/>
+                    </a:lnB>
+                    <a:solidFill>
+                      <a:srgbClr val="FAFAFA"/>
+                    </a:solidFill>
+                  </a:tcPr>
+                </a:tc>
+                <a:tc>
+                  <a:txBody>
+                    <a:bodyPr/>
+                    <a:lstStyle/>
+                    <a:p>
+                      <a:pPr fontAlgn="t"/>
+                      <a:r>
+                        <a:rPr lang="en-US" sz="1600" dirty="0">
+                          <a:effectLst/>
+                        </a:rPr>
+                        <a:t>Un solo </a:t>
+                      </a:r>
+                      <a:r>
+                        <a:rPr lang="en-US" sz="1600" err="1">
+                          <a:effectLst/>
+                        </a:rPr>
+                        <a:t>tipo</a:t>
+                      </a:r>
+                      <a:r>
+                        <a:rPr lang="en-US" sz="1600" dirty="0">
+                          <a:effectLst/>
+                        </a:rPr>
+                        <a:t> </a:t>
+                      </a:r>
+                      <a:r>
+                        <a:rPr lang="en-US" sz="1600" err="1">
+                          <a:effectLst/>
+                        </a:rPr>
+                        <a:t>por</a:t>
+                      </a:r>
+                      <a:r>
+                        <a:rPr lang="en-US" sz="1600" dirty="0">
+                          <a:effectLst/>
+                        </a:rPr>
+                        <a:t> </a:t>
+                      </a:r>
+                      <a:r>
+                        <a:rPr lang="en-US" sz="1600" err="1">
+                          <a:effectLst/>
+                        </a:rPr>
+                        <a:t>lista</a:t>
+                      </a:r>
+                    </a:p>
+                  </a:txBody>
+                  <a:tcPr marL="114300" marR="76200" marT="76200" marB="66675">
+                    <a:lnL w="9525" cap="flat" cmpd="sng" algn="ctr">
+                      <a:solidFill>
+                        <a:srgbClr val="E6E6E6"/>
+                      </a:solidFill>
+                      <a:prstDash val="solid"/>
+                      <a:round/>
+                      <a:headEnd type="none" w="med" len="med"/>
+                      <a:tailEnd type="none" w="med" len="med"/>
+                    </a:lnL>
+                    <a:lnR w="9525" cap="flat" cmpd="sng" algn="ctr">
+                      <a:solidFill>
+                        <a:srgbClr val="E6E6E6"/>
+                      </a:solidFill>
+                      <a:prstDash val="solid"/>
+                      <a:round/>
+                      <a:headEnd type="none" w="med" len="med"/>
+                      <a:tailEnd type="none" w="med" len="med"/>
+                    </a:lnR>
+                    <a:lnT w="9525" cap="flat" cmpd="sng" algn="ctr">
+                      <a:solidFill>
+                        <a:srgbClr val="E6E6E6"/>
+                      </a:solidFill>
+                      <a:prstDash val="solid"/>
+                      <a:round/>
+                      <a:headEnd type="none" w="med" len="med"/>
+                      <a:tailEnd type="none" w="med" len="med"/>
+                    </a:lnT>
+                    <a:lnB w="9525" cap="flat" cmpd="sng" algn="ctr">
+                      <a:solidFill>
+                        <a:srgbClr val="E6E6E6"/>
+                      </a:solidFill>
+                      <a:prstDash val="solid"/>
+                      <a:round/>
+                      <a:headEnd type="none" w="med" len="med"/>
+                      <a:tailEnd type="none" w="med" len="med"/>
+                    </a:lnB>
+                    <a:solidFill>
+                      <a:srgbClr val="FAFAFA"/>
+                    </a:solidFill>
+                  </a:tcPr>
+                </a:tc>
+                <a:tc>
+                  <a:txBody>
+                    <a:bodyPr/>
+                    <a:lstStyle/>
+                    <a:p>
+                      <a:pPr fontAlgn="t"/>
+                      <a:r>
+                        <a:rPr lang="en-US" sz="1600" err="1">
+                          <a:effectLst/>
+                        </a:rPr>
+                        <a:t>Múltiples</a:t>
+                      </a:r>
+                      <a:r>
+                        <a:rPr lang="en-US" sz="1600" dirty="0">
+                          <a:effectLst/>
+                        </a:rPr>
+                        <a:t> </a:t>
+                      </a:r>
+                      <a:r>
+                        <a:rPr lang="en-US" sz="1600" err="1">
+                          <a:effectLst/>
+                        </a:rPr>
+                        <a:t>columnas</a:t>
+                      </a:r>
+                      <a:r>
+                        <a:rPr lang="en-US" sz="1600" dirty="0">
+                          <a:effectLst/>
+                        </a:rPr>
+                        <a:t> con </a:t>
+                      </a:r>
+                      <a:r>
+                        <a:rPr lang="en-US" sz="1600" err="1">
+                          <a:effectLst/>
+                        </a:rPr>
+                        <a:t>distintos</a:t>
+                      </a:r>
+                      <a:r>
+                        <a:rPr lang="en-US" sz="1600" dirty="0">
+                          <a:effectLst/>
+                        </a:rPr>
+                        <a:t> </a:t>
+                      </a:r>
+                      <a:r>
+                        <a:rPr lang="en-US" sz="1600" err="1">
+                          <a:effectLst/>
+                        </a:rPr>
+                        <a:t>tipos</a:t>
+                      </a:r>
+                    </a:p>
+                  </a:txBody>
+                  <a:tcPr marL="114300" marR="76200" marT="76200" marB="66675">
+                    <a:lnL w="9525" cap="flat" cmpd="sng" algn="ctr">
+                      <a:solidFill>
+                        <a:srgbClr val="E6E6E6"/>
+                      </a:solidFill>
+                      <a:prstDash val="solid"/>
+                      <a:round/>
+                      <a:headEnd type="none" w="med" len="med"/>
+                      <a:tailEnd type="none" w="med" len="med"/>
+                    </a:lnL>
+                    <a:lnR w="9525" cap="flat" cmpd="sng" algn="ctr">
+                      <a:solidFill>
+                        <a:srgbClr val="E6E6E6"/>
+                      </a:solidFill>
+                      <a:prstDash val="solid"/>
+                      <a:round/>
+                      <a:headEnd type="none" w="med" len="med"/>
+                      <a:tailEnd type="none" w="med" len="med"/>
+                    </a:lnR>
+                    <a:lnT w="9525" cap="flat" cmpd="sng" algn="ctr">
+                      <a:solidFill>
+                        <a:srgbClr val="E6E6E6"/>
+                      </a:solidFill>
+                      <a:prstDash val="solid"/>
+                      <a:round/>
+                      <a:headEnd type="none" w="med" len="med"/>
+                      <a:tailEnd type="none" w="med" len="med"/>
+                    </a:lnT>
+                    <a:lnB w="9525" cap="flat" cmpd="sng" algn="ctr">
+                      <a:solidFill>
+                        <a:srgbClr val="E6E6E6"/>
+                      </a:solidFill>
+                      <a:prstDash val="solid"/>
+                      <a:round/>
+                      <a:headEnd type="none" w="med" len="med"/>
+                      <a:tailEnd type="none" w="med" len="med"/>
+                    </a:lnB>
+                    <a:solidFill>
+                      <a:srgbClr val="FAFAFA"/>
+                    </a:solidFill>
+                  </a:tcPr>
+                </a:tc>
+                <a:extLst>
+                  <a:ext uri="{0D108BD9-81ED-4DB2-BD59-A6C34878D82A}">
+                    <a16:rowId xmlns:a16="http://schemas.microsoft.com/office/drawing/2014/main" val="691099314"/>
+                  </a:ext>
+                </a:extLst>
+              </a:tr>
+              <a:tr h="0">
+                <a:tc>
+                  <a:txBody>
+                    <a:bodyPr/>
+                    <a:lstStyle/>
+                    <a:p>
+                      <a:pPr fontAlgn="t"/>
+                      <a:r>
+                        <a:rPr lang="en-US" sz="1600" err="1">
+                          <a:effectLst/>
+                        </a:rPr>
+                        <a:t>Uso</a:t>
+                      </a:r>
+                      <a:r>
+                        <a:rPr lang="en-US" sz="1600" dirty="0">
+                          <a:effectLst/>
+                        </a:rPr>
+                        <a:t> </a:t>
+                      </a:r>
+                      <a:r>
+                        <a:rPr lang="en-US" sz="1600" err="1">
+                          <a:effectLst/>
+                        </a:rPr>
+                        <a:t>típico</a:t>
+                      </a:r>
+                    </a:p>
+                  </a:txBody>
+                  <a:tcPr marL="114300" marR="76200" marT="76200" marB="66675">
+                    <a:lnL w="9525" cap="flat" cmpd="sng" algn="ctr">
+                      <a:solidFill>
+                        <a:srgbClr val="E6E6E6"/>
+                      </a:solidFill>
+                      <a:prstDash val="solid"/>
+                      <a:round/>
+                      <a:headEnd type="none" w="med" len="med"/>
+                      <a:tailEnd type="none" w="med" len="med"/>
+                    </a:lnL>
+                    <a:lnR w="9525" cap="flat" cmpd="sng" algn="ctr">
+                      <a:solidFill>
+                        <a:srgbClr val="E6E6E6"/>
+                      </a:solidFill>
+                      <a:prstDash val="solid"/>
+                      <a:round/>
+                      <a:headEnd type="none" w="med" len="med"/>
+                      <a:tailEnd type="none" w="med" len="med"/>
+                    </a:lnR>
+                    <a:lnT w="9525" cap="flat" cmpd="sng" algn="ctr">
+                      <a:solidFill>
+                        <a:srgbClr val="E6E6E6"/>
+                      </a:solidFill>
+                      <a:prstDash val="solid"/>
+                      <a:round/>
+                      <a:headEnd type="none" w="med" len="med"/>
+                      <a:tailEnd type="none" w="med" len="med"/>
+                    </a:lnT>
+                    <a:lnB w="9525" cap="flat" cmpd="sng" algn="ctr">
+                      <a:solidFill>
+                        <a:srgbClr val="E6E6E6"/>
+                      </a:solidFill>
+                      <a:prstDash val="solid"/>
+                      <a:round/>
+                      <a:headEnd type="none" w="med" len="med"/>
+                      <a:tailEnd type="none" w="med" len="med"/>
+                    </a:lnB>
+                    <a:solidFill>
+                      <a:srgbClr val="FAFAFA"/>
+                    </a:solidFill>
+                  </a:tcPr>
+                </a:tc>
+                <a:tc>
+                  <a:txBody>
+                    <a:bodyPr/>
+                    <a:lstStyle/>
+                    <a:p>
+                      <a:pPr fontAlgn="t"/>
+                      <a:r>
+                        <a:rPr lang="en-US" sz="1600" dirty="0" err="1">
+                          <a:effectLst/>
+                        </a:rPr>
+                        <a:t>Cálculos</a:t>
+                      </a:r>
+                      <a:r>
+                        <a:rPr lang="en-US" sz="1600" dirty="0">
+                          <a:effectLst/>
+                        </a:rPr>
+                        <a:t> simples, </a:t>
+                      </a:r>
+                      <a:r>
+                        <a:rPr lang="en-US" sz="1600" dirty="0" err="1">
+                          <a:effectLst/>
+                        </a:rPr>
+                        <a:t>agregaciones</a:t>
+                      </a:r>
+                      <a:endParaRPr lang="en-US" sz="1600" dirty="0">
+                        <a:effectLst/>
+                      </a:endParaRPr>
+                    </a:p>
+                  </a:txBody>
+                  <a:tcPr marL="114300" marR="76200" marT="76200" marB="66675">
+                    <a:lnL w="9525" cap="flat" cmpd="sng" algn="ctr">
+                      <a:solidFill>
+                        <a:srgbClr val="E6E6E6"/>
+                      </a:solidFill>
+                      <a:prstDash val="solid"/>
+                      <a:round/>
+                      <a:headEnd type="none" w="med" len="med"/>
+                      <a:tailEnd type="none" w="med" len="med"/>
+                    </a:lnL>
+                    <a:lnR w="9525" cap="flat" cmpd="sng" algn="ctr">
+                      <a:solidFill>
+                        <a:srgbClr val="E6E6E6"/>
+                      </a:solidFill>
+                      <a:prstDash val="solid"/>
+                      <a:round/>
+                      <a:headEnd type="none" w="med" len="med"/>
+                      <a:tailEnd type="none" w="med" len="med"/>
+                    </a:lnR>
+                    <a:lnT w="9525" cap="flat" cmpd="sng" algn="ctr">
+                      <a:solidFill>
+                        <a:srgbClr val="E6E6E6"/>
+                      </a:solidFill>
+                      <a:prstDash val="solid"/>
+                      <a:round/>
+                      <a:headEnd type="none" w="med" len="med"/>
+                      <a:tailEnd type="none" w="med" len="med"/>
+                    </a:lnT>
+                    <a:lnB w="9525" cap="flat" cmpd="sng" algn="ctr">
+                      <a:solidFill>
+                        <a:srgbClr val="E6E6E6"/>
+                      </a:solidFill>
+                      <a:prstDash val="solid"/>
+                      <a:round/>
+                      <a:headEnd type="none" w="med" len="med"/>
+                      <a:tailEnd type="none" w="med" len="med"/>
+                    </a:lnB>
+                    <a:solidFill>
+                      <a:srgbClr val="FAFAFA"/>
+                    </a:solidFill>
+                  </a:tcPr>
+                </a:tc>
+                <a:tc>
+                  <a:txBody>
+                    <a:bodyPr/>
+                    <a:lstStyle/>
+                    <a:p>
+                      <a:pPr fontAlgn="t"/>
+                      <a:r>
+                        <a:rPr lang="en-US" sz="1600" dirty="0" err="1">
+                          <a:effectLst/>
+                        </a:rPr>
+                        <a:t>Transformaciones</a:t>
+                      </a:r>
+                      <a:r>
+                        <a:rPr lang="en-US" sz="1600" dirty="0">
+                          <a:effectLst/>
+                        </a:rPr>
+                        <a:t> </a:t>
+                      </a:r>
+                      <a:r>
+                        <a:rPr lang="en-US" sz="1600" dirty="0" err="1">
+                          <a:effectLst/>
+                        </a:rPr>
+                        <a:t>complejas</a:t>
+                      </a:r>
+                      <a:r>
+                        <a:rPr lang="en-US" sz="1600" dirty="0">
+                          <a:effectLst/>
+                        </a:rPr>
+                        <a:t>, </a:t>
+                      </a:r>
+                      <a:r>
+                        <a:rPr lang="en-US" sz="1600" dirty="0" err="1">
+                          <a:effectLst/>
+                        </a:rPr>
+                        <a:t>modelado</a:t>
+                      </a:r>
+                      <a:endParaRPr lang="en-US" sz="1600" dirty="0">
+                        <a:effectLst/>
+                      </a:endParaRPr>
+                    </a:p>
+                  </a:txBody>
+                  <a:tcPr marL="114300" marR="76200" marT="76200" marB="66675">
+                    <a:lnL w="9525" cap="flat" cmpd="sng" algn="ctr">
+                      <a:solidFill>
+                        <a:srgbClr val="E6E6E6"/>
+                      </a:solidFill>
+                      <a:prstDash val="solid"/>
+                      <a:round/>
+                      <a:headEnd type="none" w="med" len="med"/>
+                      <a:tailEnd type="none" w="med" len="med"/>
+                    </a:lnL>
+                    <a:lnR w="9525" cap="flat" cmpd="sng" algn="ctr">
+                      <a:solidFill>
+                        <a:srgbClr val="E6E6E6"/>
+                      </a:solidFill>
+                      <a:prstDash val="solid"/>
+                      <a:round/>
+                      <a:headEnd type="none" w="med" len="med"/>
+                      <a:tailEnd type="none" w="med" len="med"/>
+                    </a:lnR>
+                    <a:lnT w="9525" cap="flat" cmpd="sng" algn="ctr">
+                      <a:solidFill>
+                        <a:srgbClr val="E6E6E6"/>
+                      </a:solidFill>
+                      <a:prstDash val="solid"/>
+                      <a:round/>
+                      <a:headEnd type="none" w="med" len="med"/>
+                      <a:tailEnd type="none" w="med" len="med"/>
+                    </a:lnT>
+                    <a:lnB w="9525" cap="flat" cmpd="sng" algn="ctr">
+                      <a:solidFill>
+                        <a:srgbClr val="E6E6E6"/>
+                      </a:solidFill>
+                      <a:prstDash val="solid"/>
+                      <a:round/>
+                      <a:headEnd type="none" w="med" len="med"/>
+                      <a:tailEnd type="none" w="med" len="med"/>
+                    </a:lnB>
+                    <a:solidFill>
+                      <a:srgbClr val="FAFAFA"/>
+                    </a:solidFill>
+                  </a:tcPr>
+                </a:tc>
+                <a:extLst>
+                  <a:ext uri="{0D108BD9-81ED-4DB2-BD59-A6C34878D82A}">
+                    <a16:rowId xmlns:a16="http://schemas.microsoft.com/office/drawing/2014/main" val="2939659381"/>
+                  </a:ext>
+                </a:extLst>
+              </a:tr>
+              <a:tr h="0">
+                <a:tc>
+                  <a:txBody>
+                    <a:bodyPr/>
+                    <a:lstStyle/>
+                    <a:p>
+                      <a:pPr fontAlgn="t"/>
+                      <a:r>
+                        <a:rPr lang="en-US" sz="1600" err="1">
+                          <a:effectLst/>
+                        </a:rPr>
+                        <a:t>Ejemplo</a:t>
+                      </a:r>
+                      <a:r>
+                        <a:rPr lang="en-US" sz="1600" dirty="0">
+                          <a:effectLst/>
+                        </a:rPr>
+                        <a:t> de </a:t>
+                      </a:r>
+                      <a:r>
+                        <a:rPr lang="en-US" sz="1600" err="1">
+                          <a:effectLst/>
+                        </a:rPr>
+                        <a:t>función</a:t>
+                      </a:r>
+                    </a:p>
+                  </a:txBody>
+                  <a:tcPr marL="114300" marR="76200" marT="76200" marB="57150">
+                    <a:lnL w="9525" cap="flat" cmpd="sng" algn="ctr">
+                      <a:solidFill>
+                        <a:srgbClr val="E6E6E6"/>
+                      </a:solidFill>
+                      <a:prstDash val="solid"/>
+                      <a:round/>
+                      <a:headEnd type="none" w="med" len="med"/>
+                      <a:tailEnd type="none" w="med" len="med"/>
+                    </a:lnL>
+                    <a:lnR w="9525" cap="flat" cmpd="sng" algn="ctr">
+                      <a:solidFill>
+                        <a:srgbClr val="E6E6E6"/>
+                      </a:solidFill>
+                      <a:prstDash val="solid"/>
+                      <a:round/>
+                      <a:headEnd type="none" w="med" len="med"/>
+                      <a:tailEnd type="none" w="med" len="med"/>
+                    </a:lnR>
+                    <a:lnT w="9525" cap="flat" cmpd="sng" algn="ctr">
+                      <a:solidFill>
+                        <a:srgbClr val="E6E6E6"/>
+                      </a:solidFill>
+                      <a:prstDash val="solid"/>
+                      <a:round/>
+                      <a:headEnd type="none" w="med" len="med"/>
+                      <a:tailEnd type="none" w="med" len="med"/>
+                    </a:lnT>
+                    <a:lnB w="9525" cap="flat" cmpd="sng" algn="ctr">
+                      <a:solidFill>
+                        <a:srgbClr val="E6E6E6"/>
+                      </a:solidFill>
+                      <a:prstDash val="solid"/>
+                      <a:round/>
+                      <a:headEnd type="none" w="med" len="med"/>
+                      <a:tailEnd type="none" w="med" len="med"/>
+                    </a:lnB>
+                    <a:solidFill>
+                      <a:srgbClr val="FAFAFA"/>
+                    </a:solidFill>
+                  </a:tcPr>
+                </a:tc>
+                <a:tc>
+                  <a:txBody>
+                    <a:bodyPr/>
+                    <a:lstStyle/>
+                    <a:p>
+                      <a:pPr fontAlgn="t"/>
+                      <a:r>
+                        <a:rPr lang="en-US" sz="1600" dirty="0" err="1">
+                          <a:effectLst/>
+                        </a:rPr>
+                        <a:t>List.Sum</a:t>
+                      </a:r>
+                      <a:r>
+                        <a:rPr lang="en-US" sz="1600" dirty="0">
+                          <a:effectLst/>
+                        </a:rPr>
+                        <a:t>, </a:t>
+                      </a:r>
+                      <a:r>
+                        <a:rPr lang="en-US" sz="1600" dirty="0" err="1">
+                          <a:effectLst/>
+                        </a:rPr>
+                        <a:t>List.Contains</a:t>
+                      </a:r>
+                      <a:endParaRPr lang="en-US" sz="1600" dirty="0">
+                        <a:effectLst/>
+                      </a:endParaRPr>
+                    </a:p>
+                  </a:txBody>
+                  <a:tcPr marL="114300" marR="76200" marT="76200" marB="57150">
+                    <a:lnL w="9525" cap="flat" cmpd="sng" algn="ctr">
+                      <a:solidFill>
+                        <a:srgbClr val="E6E6E6"/>
+                      </a:solidFill>
+                      <a:prstDash val="solid"/>
+                      <a:round/>
+                      <a:headEnd type="none" w="med" len="med"/>
+                      <a:tailEnd type="none" w="med" len="med"/>
+                    </a:lnL>
+                    <a:lnR w="9525" cap="flat" cmpd="sng" algn="ctr">
+                      <a:solidFill>
+                        <a:srgbClr val="E6E6E6"/>
+                      </a:solidFill>
+                      <a:prstDash val="solid"/>
+                      <a:round/>
+                      <a:headEnd type="none" w="med" len="med"/>
+                      <a:tailEnd type="none" w="med" len="med"/>
+                    </a:lnR>
+                    <a:lnT w="9525" cap="flat" cmpd="sng" algn="ctr">
+                      <a:solidFill>
+                        <a:srgbClr val="E6E6E6"/>
+                      </a:solidFill>
+                      <a:prstDash val="solid"/>
+                      <a:round/>
+                      <a:headEnd type="none" w="med" len="med"/>
+                      <a:tailEnd type="none" w="med" len="med"/>
+                    </a:lnT>
+                    <a:lnB w="9525" cap="flat" cmpd="sng" algn="ctr">
+                      <a:solidFill>
+                        <a:srgbClr val="E6E6E6"/>
+                      </a:solidFill>
+                      <a:prstDash val="solid"/>
+                      <a:round/>
+                      <a:headEnd type="none" w="med" len="med"/>
+                      <a:tailEnd type="none" w="med" len="med"/>
+                    </a:lnB>
+                    <a:solidFill>
+                      <a:srgbClr val="FAFAFA"/>
+                    </a:solidFill>
+                  </a:tcPr>
+                </a:tc>
+                <a:tc>
+                  <a:txBody>
+                    <a:bodyPr/>
+                    <a:lstStyle/>
+                    <a:p>
+                      <a:pPr fontAlgn="t"/>
+                      <a:r>
+                        <a:rPr lang="en-US" sz="1600" dirty="0" err="1">
+                          <a:effectLst/>
+                        </a:rPr>
+                        <a:t>Table.AddColumn</a:t>
+                      </a:r>
+                      <a:r>
+                        <a:rPr lang="en-US" sz="1600" dirty="0">
+                          <a:effectLst/>
+                        </a:rPr>
+                        <a:t>, </a:t>
+                      </a:r>
+                      <a:r>
+                        <a:rPr lang="en-US" sz="1600" dirty="0" err="1">
+                          <a:effectLst/>
+                        </a:rPr>
+                        <a:t>Table.Group</a:t>
+                      </a:r>
+                      <a:endParaRPr lang="en-US" sz="1600" dirty="0">
+                        <a:effectLst/>
+                      </a:endParaRPr>
+                    </a:p>
+                  </a:txBody>
+                  <a:tcPr marL="114300" marR="76200" marT="76200" marB="57150">
+                    <a:lnL w="9525" cap="flat" cmpd="sng" algn="ctr">
+                      <a:solidFill>
+                        <a:srgbClr val="E6E6E6"/>
+                      </a:solidFill>
+                      <a:prstDash val="solid"/>
+                      <a:round/>
+                      <a:headEnd type="none" w="med" len="med"/>
+                      <a:tailEnd type="none" w="med" len="med"/>
+                    </a:lnL>
+                    <a:lnR w="9525" cap="flat" cmpd="sng" algn="ctr">
+                      <a:solidFill>
+                        <a:srgbClr val="E6E6E6"/>
+                      </a:solidFill>
+                      <a:prstDash val="solid"/>
+                      <a:round/>
+                      <a:headEnd type="none" w="med" len="med"/>
+                      <a:tailEnd type="none" w="med" len="med"/>
+                    </a:lnR>
+                    <a:lnT w="9525" cap="flat" cmpd="sng" algn="ctr">
+                      <a:solidFill>
+                        <a:srgbClr val="E6E6E6"/>
+                      </a:solidFill>
+                      <a:prstDash val="solid"/>
+                      <a:round/>
+                      <a:headEnd type="none" w="med" len="med"/>
+                      <a:tailEnd type="none" w="med" len="med"/>
+                    </a:lnT>
+                    <a:lnB w="9525" cap="flat" cmpd="sng" algn="ctr">
+                      <a:solidFill>
+                        <a:srgbClr val="E6E6E6"/>
+                      </a:solidFill>
+                      <a:prstDash val="solid"/>
+                      <a:round/>
+                      <a:headEnd type="none" w="med" len="med"/>
+                      <a:tailEnd type="none" w="med" len="med"/>
+                    </a:lnB>
+                    <a:solidFill>
+                      <a:srgbClr val="FAFAFA"/>
+                    </a:solidFill>
+                  </a:tcPr>
+                </a:tc>
+                <a:extLst>
+                  <a:ext uri="{0D108BD9-81ED-4DB2-BD59-A6C34878D82A}">
+                    <a16:rowId xmlns:a16="http://schemas.microsoft.com/office/drawing/2014/main" val="1548383733"/>
+                  </a:ext>
+                </a:extLst>
+              </a:tr>
+            </a:tbl>
+          </a:graphicData>
+        </a:graphic>
+      </p:graphicFrame>
+      <p:sp>
+        <p:nvSpPr>
+          <p:cNvPr id="9" name="TextBox 8">
+            <a:extLst>
+              <a:ext uri="{FF2B5EF4-FFF2-40B4-BE49-F238E27FC236}">
+                <a16:creationId xmlns:a16="http://schemas.microsoft.com/office/drawing/2014/main" id="{D0A12B63-494E-4F00-0A2D-EE2C0809A9F5}"/>
+              </a:ext>
+            </a:extLst>
+          </p:cNvPr>
+          <p:cNvSpPr txBox="1"/>
+          <p:nvPr/>
+        </p:nvSpPr>
+        <p:spPr>
+          <a:xfrm>
+            <a:off x="641231" y="4666891"/>
+            <a:ext cx="10492595" cy="1015663"/>
+          </a:xfrm>
+          <a:prstGeom prst="rect">
+            <a:avLst/>
+          </a:prstGeom>
+          <a:noFill/>
+        </p:spPr>
+        <p:txBody>
+          <a:bodyPr rot="0" spcFirstLastPara="0" vertOverflow="overflow" horzOverflow="overflow" vert="horz" wrap="square" lIns="91440" tIns="45720" rIns="91440" bIns="45720" numCol="1" spcCol="0" rtlCol="0" fromWordArt="0" anchor="t" anchorCtr="0" forceAA="0" compatLnSpc="1">
+            <a:prstTxWarp prst="textNoShape">
+              <a:avLst/>
+            </a:prstTxWarp>
+            <a:spAutoFit/>
+          </a:bodyPr>
+          <a:lstStyle/>
+          <a:p>
+            <a:r>
+              <a:rPr lang="en-US" b="1" dirty="0"/>
+              <a:t>¿</a:t>
+            </a:r>
+            <a:r>
+              <a:rPr lang="en-US" b="1" dirty="0" err="1"/>
+              <a:t>Cuándo</a:t>
+            </a:r>
+            <a:r>
+              <a:rPr lang="en-US" b="1" dirty="0"/>
+              <a:t> usar </a:t>
+            </a:r>
+            <a:r>
+              <a:rPr lang="en-US" b="1" dirty="0" err="1"/>
+              <a:t>cada</a:t>
+            </a:r>
+            <a:r>
+              <a:rPr lang="en-US" b="1" dirty="0"/>
+              <a:t> </a:t>
+            </a:r>
+            <a:r>
+              <a:rPr lang="en-US" b="1" dirty="0" err="1"/>
+              <a:t>una</a:t>
+            </a:r>
+            <a:r>
+              <a:rPr lang="en-US" b="1" dirty="0"/>
+              <a:t>?</a:t>
+            </a:r>
+          </a:p>
+          <a:p>
+            <a:pPr>
+              <a:buFont typeface=""/>
+              <a:buChar char="•"/>
+            </a:pPr>
+            <a:r>
+              <a:rPr lang="en-US" sz="1400" dirty="0"/>
+              <a:t>Usar </a:t>
+            </a:r>
+            <a:r>
+              <a:rPr lang="en-US" sz="1400" err="1"/>
+              <a:t>Listas</a:t>
+            </a:r>
+            <a:r>
+              <a:rPr lang="en-US" sz="1400" dirty="0"/>
+              <a:t> </a:t>
+            </a:r>
+            <a:r>
+              <a:rPr lang="en-US" sz="1400" err="1"/>
+              <a:t>cuando</a:t>
+            </a:r>
+            <a:r>
+              <a:rPr lang="en-US" sz="1400" dirty="0"/>
+              <a:t> se </a:t>
+            </a:r>
+            <a:r>
+              <a:rPr lang="en-US" sz="1400" err="1"/>
+              <a:t>trabaja</a:t>
+            </a:r>
+            <a:r>
+              <a:rPr lang="en-US" sz="1400" dirty="0"/>
+              <a:t> con </a:t>
+            </a:r>
+            <a:r>
+              <a:rPr lang="en-US" sz="1400" err="1"/>
+              <a:t>una</a:t>
+            </a:r>
+            <a:r>
+              <a:rPr lang="en-US" sz="1400" dirty="0"/>
+              <a:t> sola </a:t>
+            </a:r>
+            <a:r>
+              <a:rPr lang="en-US" sz="1400" err="1"/>
+              <a:t>columna</a:t>
+            </a:r>
+            <a:r>
+              <a:rPr lang="en-US" sz="1400" dirty="0"/>
+              <a:t> o </a:t>
+            </a:r>
+            <a:r>
+              <a:rPr lang="en-US" sz="1400" err="1"/>
+              <a:t>una</a:t>
+            </a:r>
+            <a:r>
+              <a:rPr lang="en-US" sz="1400" dirty="0"/>
+              <a:t> </a:t>
+            </a:r>
+            <a:r>
+              <a:rPr lang="en-US" sz="1400" err="1"/>
+              <a:t>colección</a:t>
+            </a:r>
+            <a:r>
+              <a:rPr lang="en-US" sz="1400" dirty="0"/>
+              <a:t> de </a:t>
+            </a:r>
+            <a:r>
+              <a:rPr lang="en-US" sz="1400" err="1"/>
+              <a:t>valores</a:t>
+            </a:r>
+            <a:r>
+              <a:rPr lang="en-US" sz="1400" dirty="0"/>
+              <a:t> simples.</a:t>
+            </a:r>
+          </a:p>
+          <a:p>
+            <a:pPr>
+              <a:buFont typeface=""/>
+              <a:buChar char="•"/>
+            </a:pPr>
+            <a:r>
+              <a:rPr lang="en-US" sz="1400" dirty="0"/>
+              <a:t>Usa </a:t>
+            </a:r>
+            <a:r>
+              <a:rPr lang="en-US" sz="1400" err="1"/>
+              <a:t>tablas</a:t>
+            </a:r>
+            <a:r>
+              <a:rPr lang="en-US" sz="1400" dirty="0"/>
+              <a:t> </a:t>
+            </a:r>
+            <a:r>
+              <a:rPr lang="en-US" sz="1400" err="1"/>
+              <a:t>cuando</a:t>
+            </a:r>
+            <a:r>
+              <a:rPr lang="en-US" sz="1400" dirty="0"/>
+              <a:t> se </a:t>
+            </a:r>
+            <a:r>
+              <a:rPr lang="en-US" sz="1400" err="1"/>
+              <a:t>necesita</a:t>
+            </a:r>
+            <a:r>
+              <a:rPr lang="en-US" sz="1400" dirty="0"/>
+              <a:t>  manipular </a:t>
+            </a:r>
+            <a:r>
+              <a:rPr lang="en-US" sz="1400" err="1"/>
+              <a:t>múltiples</a:t>
+            </a:r>
+            <a:r>
+              <a:rPr lang="en-US" sz="1400" dirty="0"/>
+              <a:t> </a:t>
+            </a:r>
+            <a:r>
+              <a:rPr lang="en-US" sz="1400" err="1"/>
+              <a:t>columnas</a:t>
+            </a:r>
+            <a:r>
+              <a:rPr lang="en-US" sz="1400" dirty="0"/>
+              <a:t>, </a:t>
+            </a:r>
+            <a:r>
+              <a:rPr lang="en-US" sz="1400" err="1"/>
+              <a:t>aplicar</a:t>
+            </a:r>
+            <a:r>
+              <a:rPr lang="en-US" sz="1400" dirty="0"/>
+              <a:t> </a:t>
+            </a:r>
+            <a:r>
+              <a:rPr lang="en-US" sz="1400" err="1"/>
+              <a:t>filtros</a:t>
+            </a:r>
+            <a:r>
+              <a:rPr lang="en-US" sz="1400" dirty="0"/>
+              <a:t>, </a:t>
+            </a:r>
+            <a:r>
+              <a:rPr lang="en-US" sz="1400" err="1"/>
+              <a:t>agrupar</a:t>
+            </a:r>
+            <a:r>
+              <a:rPr lang="en-US" sz="1400" dirty="0"/>
+              <a:t> </a:t>
+            </a:r>
+            <a:r>
+              <a:rPr lang="en-US" sz="1400" err="1"/>
+              <a:t>datos</a:t>
+            </a:r>
+            <a:r>
+              <a:rPr lang="en-US" sz="1400" dirty="0"/>
+              <a:t> o </a:t>
+            </a:r>
+            <a:r>
+              <a:rPr lang="en-US" sz="1400" err="1"/>
+              <a:t>realizar</a:t>
+            </a:r>
+            <a:r>
+              <a:rPr lang="en-US" sz="1400" dirty="0"/>
+              <a:t> </a:t>
+            </a:r>
+            <a:r>
+              <a:rPr lang="en-US" sz="1400" err="1"/>
+              <a:t>transformaciones</a:t>
+            </a:r>
+            <a:r>
+              <a:rPr lang="en-US" sz="1400" dirty="0"/>
+              <a:t> </a:t>
+            </a:r>
+            <a:r>
+              <a:rPr lang="en-US" sz="1400" err="1"/>
+              <a:t>más</a:t>
+            </a:r>
+            <a:r>
+              <a:rPr lang="en-US" sz="1400" dirty="0"/>
+              <a:t> </a:t>
+            </a:r>
+            <a:r>
+              <a:rPr lang="en-US" sz="1400" err="1"/>
+              <a:t>complejas</a:t>
+            </a:r>
+            <a:r>
+              <a:rPr lang="en-US" sz="1400" dirty="0"/>
+              <a:t>.</a:t>
+            </a:r>
+          </a:p>
+        </p:txBody>
+      </p:sp>
+    </p:spTree>
+    <p:extLst>
+      <p:ext uri="{BB962C8B-B14F-4D97-AF65-F5344CB8AC3E}">
+        <p14:creationId xmlns:p14="http://schemas.microsoft.com/office/powerpoint/2010/main" val="1597495236"/>
+      </p:ext>
+    </p:extLst>
+  </p:cSld>
+  <p:clrMapOvr>
+    <a:masterClrMapping/>
+  </p:clrMapOvr>
+</p:sld>
+</file>
+
+<file path=ppt/slides/slide3.xml><?xml version="1.0" encoding="utf-8"?>
+<p:sld xmlns:a="http://schemas.openxmlformats.org/drawingml/2006/main" xmlns:r="http://schemas.openxmlformats.org/officeDocument/2006/relationships" xmlns:p="http://schemas.openxmlformats.org/presentationml/2006/main">
+  <p:cSld>
+    <p:bg>
+      <p:bgPr>
+        <a:solidFill>
+          <a:schemeClr val="bg1"/>
+        </a:solidFill>
+        <a:effectLst/>
+      </p:bgPr>
+    </p:bg>
+    <p:spTree>
+      <p:nvGrpSpPr>
+        <p:cNvPr id="1" name="">
+          <a:extLst>
+            <a:ext uri="{FF2B5EF4-FFF2-40B4-BE49-F238E27FC236}">
+              <a16:creationId xmlns:a16="http://schemas.microsoft.com/office/drawing/2014/main" id="{6C10C24C-5225-BB52-F0A0-60A530314A18}"/>
+            </a:ext>
+          </a:extLst>
+        </p:cNvPr>
+        <p:cNvGrpSpPr/>
+        <p:nvPr/>
+      </p:nvGrpSpPr>
+      <p:grpSpPr>
+        <a:xfrm>
+          <a:off x="0" y="0"/>
+          <a:ext cx="0" cy="0"/>
+          <a:chOff x="0" y="0"/>
+          <a:chExt cx="0" cy="0"/>
+        </a:xfrm>
+      </p:grpSpPr>
+      <p:sp>
+        <p:nvSpPr>
+          <p:cNvPr id="2" name="Title 1">
+            <a:extLst>
+              <a:ext uri="{FF2B5EF4-FFF2-40B4-BE49-F238E27FC236}">
+                <a16:creationId xmlns:a16="http://schemas.microsoft.com/office/drawing/2014/main" id="{6E5CA59E-1114-F921-7FC4-7BAD8FBA3D74}"/>
+              </a:ext>
+            </a:extLst>
+          </p:cNvPr>
+          <p:cNvSpPr>
+            <a:spLocks noGrp="1"/>
+          </p:cNvSpPr>
+          <p:nvPr>
+            <p:ph type="title"/>
+          </p:nvPr>
+        </p:nvSpPr>
+        <p:spPr>
+          <a:xfrm>
+            <a:off x="517869" y="506630"/>
+            <a:ext cx="11160942" cy="889233"/>
+          </a:xfrm>
+        </p:spPr>
+        <p:txBody>
+          <a:bodyPr vert="horz" lIns="91440" tIns="45720" rIns="91440" bIns="45720" rtlCol="0" anchor="t">
+            <a:normAutofit/>
+          </a:bodyPr>
+          <a:lstStyle/>
+          <a:p>
+            <a:pPr>
+              <a:lnSpc>
+                <a:spcPct val="90000"/>
+              </a:lnSpc>
+            </a:pPr>
+            <a:r>
+              <a:rPr lang="en-US" sz="5400" dirty="0"/>
+              <a:t>REPASO SESION 03</a:t>
+            </a:r>
+          </a:p>
+        </p:txBody>
+      </p:sp>
+      <p:sp>
+        <p:nvSpPr>
+          <p:cNvPr id="4" name="Title 1">
+            <a:extLst>
+              <a:ext uri="{FF2B5EF4-FFF2-40B4-BE49-F238E27FC236}">
+                <a16:creationId xmlns:a16="http://schemas.microsoft.com/office/drawing/2014/main" id="{21688655-239E-8695-4710-099590522792}"/>
+              </a:ext>
+            </a:extLst>
+          </p:cNvPr>
+          <p:cNvSpPr txBox="1">
+            <a:spLocks/>
+          </p:cNvSpPr>
+          <p:nvPr/>
+        </p:nvSpPr>
+        <p:spPr>
+          <a:xfrm>
+            <a:off x="517869" y="1387199"/>
+            <a:ext cx="11158656" cy="4597374"/>
+          </a:xfrm>
+          <a:prstGeom prst="rect">
+            <a:avLst/>
+          </a:prstGeom>
+        </p:spPr>
+        <p:txBody>
+          <a:bodyPr vert="horz" lIns="91440" tIns="45720" rIns="91440" bIns="45720" rtlCol="0" anchor="t">
+            <a:noAutofit/>
+          </a:bodyPr>
+          <a:lstStyle>
+            <a:lvl1pPr algn="l" defTabSz="914400" rtl="0" eaLnBrk="1" latinLnBrk="0" hangingPunct="1">
+              <a:lnSpc>
+                <a:spcPct val="100000"/>
+              </a:lnSpc>
+              <a:spcBef>
+                <a:spcPct val="0"/>
+              </a:spcBef>
+              <a:buNone/>
+              <a:defRPr sz="4400" b="1" kern="1200">
+                <a:solidFill>
+                  <a:schemeClr val="tx1"/>
+                </a:solidFill>
+                <a:latin typeface="+mj-lt"/>
+                <a:ea typeface="+mj-ea"/>
+                <a:cs typeface="+mj-cs"/>
+              </a:defRPr>
+            </a:lvl1pPr>
+          </a:lstStyle>
+          <a:p>
+            <a:pPr>
+              <a:lnSpc>
+                <a:spcPct val="90000"/>
+              </a:lnSpc>
+            </a:pPr>
+            <a:endParaRPr lang="en-US" sz="2400" b="0" dirty="0"/>
+          </a:p>
+          <a:p>
+            <a:pPr marL="342900" indent="-342900">
+              <a:lnSpc>
+                <a:spcPct val="90000"/>
+              </a:lnSpc>
+              <a:buFont typeface="Calibri"/>
+              <a:buChar char="-"/>
+            </a:pPr>
+            <a:r>
+              <a:rPr lang="en-US" sz="2800" b="0" dirty="0" err="1"/>
+              <a:t>Interfaz</a:t>
+            </a:r>
+            <a:r>
+              <a:rPr lang="en-US" sz="2800" b="0" dirty="0"/>
+              <a:t> de Power Query</a:t>
+            </a:r>
+          </a:p>
+          <a:p>
+            <a:pPr marL="342900" indent="-342900">
+              <a:lnSpc>
+                <a:spcPct val="90000"/>
+              </a:lnSpc>
+              <a:buFont typeface="Calibri"/>
+              <a:buChar char="-"/>
+            </a:pPr>
+            <a:r>
+              <a:rPr lang="en-US" sz="2800" b="0" dirty="0"/>
+              <a:t>Concepto </a:t>
+            </a:r>
+            <a:r>
+              <a:rPr lang="en-US" sz="2800" u="sng" dirty="0"/>
+              <a:t>Power Query y </a:t>
+            </a:r>
+            <a:r>
+              <a:rPr lang="en-US" sz="2800" u="sng" dirty="0" err="1"/>
+              <a:t>Transformación</a:t>
+            </a:r>
+            <a:r>
+              <a:rPr lang="en-US" sz="2800" u="sng" dirty="0"/>
+              <a:t> de </a:t>
+            </a:r>
+            <a:r>
+              <a:rPr lang="en-US" sz="2800" u="sng" dirty="0" err="1"/>
+              <a:t>datos</a:t>
+            </a:r>
+            <a:endParaRPr lang="en-US" sz="2800" u="sng" dirty="0"/>
+          </a:p>
+          <a:p>
+            <a:pPr marL="342900" indent="-342900">
+              <a:lnSpc>
+                <a:spcPct val="90000"/>
+              </a:lnSpc>
+              <a:buFont typeface="Calibri"/>
+              <a:buChar char="-"/>
+            </a:pPr>
+            <a:r>
+              <a:rPr lang="en-US" sz="2800" b="0" dirty="0" err="1"/>
+              <a:t>Transformaciones</a:t>
+            </a:r>
+            <a:r>
+              <a:rPr lang="en-US" sz="2800" b="0" dirty="0"/>
+              <a:t> </a:t>
+            </a:r>
+            <a:r>
+              <a:rPr lang="en-US" sz="2800" b="0" dirty="0" err="1"/>
+              <a:t>básicas</a:t>
+            </a:r>
+            <a:endParaRPr lang="en-US" sz="2800" b="0" dirty="0"/>
+          </a:p>
+          <a:p>
+            <a:pPr marL="342900" indent="-342900">
+              <a:lnSpc>
+                <a:spcPct val="90000"/>
+              </a:lnSpc>
+              <a:buFont typeface="Calibri"/>
+              <a:buChar char="-"/>
+            </a:pPr>
+            <a:r>
+              <a:rPr lang="en-US" sz="2800" b="0" dirty="0" err="1"/>
+              <a:t>Tipos</a:t>
+            </a:r>
+            <a:r>
+              <a:rPr lang="en-US" sz="2800" b="0" dirty="0"/>
+              <a:t> de </a:t>
+            </a:r>
+            <a:r>
+              <a:rPr lang="en-US" sz="2800" b="0" dirty="0" err="1"/>
+              <a:t>datos</a:t>
+            </a:r>
+            <a:r>
+              <a:rPr lang="en-US" sz="2800" b="0" dirty="0"/>
+              <a:t>.</a:t>
+            </a:r>
+          </a:p>
+          <a:p>
+            <a:pPr marL="342900" indent="-342900">
+              <a:lnSpc>
+                <a:spcPct val="90000"/>
+              </a:lnSpc>
+              <a:buFont typeface="Calibri"/>
+              <a:buChar char="-"/>
+            </a:pPr>
+            <a:endParaRPr lang="en-US" sz="2800" b="0" dirty="0"/>
+          </a:p>
+          <a:p>
+            <a:pPr marL="342900" indent="-342900">
+              <a:lnSpc>
+                <a:spcPct val="90000"/>
+              </a:lnSpc>
+              <a:buFont typeface="Calibri"/>
+              <a:buChar char="-"/>
+            </a:pPr>
+            <a:endParaRPr lang="en-US" sz="2800" dirty="0"/>
+          </a:p>
+          <a:p>
+            <a:pPr marL="342900" indent="-342900">
+              <a:lnSpc>
+                <a:spcPct val="90000"/>
+              </a:lnSpc>
+              <a:buFont typeface="Calibri"/>
+              <a:buChar char="-"/>
+            </a:pPr>
+            <a:endParaRPr lang="en-US" sz="2700" b="0" dirty="0"/>
+          </a:p>
+        </p:txBody>
+      </p:sp>
+    </p:spTree>
+    <p:extLst>
+      <p:ext uri="{BB962C8B-B14F-4D97-AF65-F5344CB8AC3E}">
+        <p14:creationId xmlns:p14="http://schemas.microsoft.com/office/powerpoint/2010/main" val="1121080803"/>
+      </p:ext>
+    </p:extLst>
+  </p:cSld>
+  <p:clrMapOvr>
+    <a:masterClrMapping/>
+  </p:clrMapOvr>
+</p:sld>
+</file>
+
+<file path=ppt/slides/slide30.xml><?xml version="1.0" encoding="utf-8"?>
+<p:sld xmlns:a="http://schemas.openxmlformats.org/drawingml/2006/main" xmlns:r="http://schemas.openxmlformats.org/officeDocument/2006/relationships" xmlns:p="http://schemas.openxmlformats.org/presentationml/2006/main">
+  <p:cSld>
+    <p:spTree>
+      <p:nvGrpSpPr>
+        <p:cNvPr id="1" name="">
+          <a:extLst>
+            <a:ext uri="{FF2B5EF4-FFF2-40B4-BE49-F238E27FC236}">
               <a16:creationId xmlns:a16="http://schemas.microsoft.com/office/drawing/2014/main" id="{BC93718F-C62B-3DF5-0B5C-4A180CB64D1F}"/>
             </a:ext>
           </a:extLst>
@@ -22746,7 +27597,7 @@
 </p:sld>
 </file>
 
-<file path=ppt/slides/slide27.xml><?xml version="1.0" encoding="utf-8"?>
+<file path=ppt/slides/slide31.xml><?xml version="1.0" encoding="utf-8"?>
 <p:sld xmlns:a="http://schemas.openxmlformats.org/drawingml/2006/main" xmlns:r="http://schemas.openxmlformats.org/officeDocument/2006/relationships" xmlns:p="http://schemas.openxmlformats.org/presentationml/2006/main">
   <p:cSld>
     <p:spTree>
@@ -23042,7 +27893,7 @@
 </p:sld>
 </file>
 
-<file path=ppt/slides/slide28.xml><?xml version="1.0" encoding="utf-8"?>
+<file path=ppt/slides/slide32.xml><?xml version="1.0" encoding="utf-8"?>
 <p:sld xmlns:a="http://schemas.openxmlformats.org/drawingml/2006/main" xmlns:r="http://schemas.openxmlformats.org/officeDocument/2006/relationships" xmlns:p="http://schemas.openxmlformats.org/presentationml/2006/main">
   <p:cSld>
     <p:spTree>
@@ -25647,7 +30498,7 @@
 </p:sld>
 </file>
 
-<file path=ppt/slides/slide29.xml><?xml version="1.0" encoding="utf-8"?>
+<file path=ppt/slides/slide33.xml><?xml version="1.0" encoding="utf-8"?>
 <p:sld xmlns:a="http://schemas.openxmlformats.org/drawingml/2006/main" xmlns:r="http://schemas.openxmlformats.org/officeDocument/2006/relationships" xmlns:p="http://schemas.openxmlformats.org/presentationml/2006/main">
   <p:cSld>
     <p:spTree>
@@ -26511,271 +31362,7 @@
 </p:sld>
 </file>
 
-<file path=ppt/slides/slide3.xml><?xml version="1.0" encoding="utf-8"?>
-<p:sld xmlns:a="http://schemas.openxmlformats.org/drawingml/2006/main" xmlns:r="http://schemas.openxmlformats.org/officeDocument/2006/relationships" xmlns:p="http://schemas.openxmlformats.org/presentationml/2006/main">
-  <p:cSld>
-    <p:bg>
-      <p:bgPr>
-        <a:solidFill>
-          <a:schemeClr val="bg1"/>
-        </a:solidFill>
-        <a:effectLst/>
-      </p:bgPr>
-    </p:bg>
-    <p:spTree>
-      <p:nvGrpSpPr>
-        <p:cNvPr id="1" name="">
-          <a:extLst>
-            <a:ext uri="{FF2B5EF4-FFF2-40B4-BE49-F238E27FC236}">
-              <a16:creationId xmlns:a16="http://schemas.microsoft.com/office/drawing/2014/main" id="{6C10C24C-5225-BB52-F0A0-60A530314A18}"/>
-            </a:ext>
-          </a:extLst>
-        </p:cNvPr>
-        <p:cNvGrpSpPr/>
-        <p:nvPr/>
-      </p:nvGrpSpPr>
-      <p:grpSpPr>
-        <a:xfrm>
-          <a:off x="0" y="0"/>
-          <a:ext cx="0" cy="0"/>
-          <a:chOff x="0" y="0"/>
-          <a:chExt cx="0" cy="0"/>
-        </a:xfrm>
-      </p:grpSpPr>
-      <p:sp>
-        <p:nvSpPr>
-          <p:cNvPr id="2" name="Title 1">
-            <a:extLst>
-              <a:ext uri="{FF2B5EF4-FFF2-40B4-BE49-F238E27FC236}">
-                <a16:creationId xmlns:a16="http://schemas.microsoft.com/office/drawing/2014/main" id="{6E5CA59E-1114-F921-7FC4-7BAD8FBA3D74}"/>
-              </a:ext>
-            </a:extLst>
-          </p:cNvPr>
-          <p:cNvSpPr>
-            <a:spLocks noGrp="1"/>
-          </p:cNvSpPr>
-          <p:nvPr>
-            <p:ph type="title"/>
-          </p:nvPr>
-        </p:nvSpPr>
-        <p:spPr>
-          <a:xfrm>
-            <a:off x="517869" y="506630"/>
-            <a:ext cx="11160942" cy="889233"/>
-          </a:xfrm>
-        </p:spPr>
-        <p:txBody>
-          <a:bodyPr vert="horz" lIns="91440" tIns="45720" rIns="91440" bIns="45720" rtlCol="0" anchor="t">
-            <a:normAutofit/>
-          </a:bodyPr>
-          <a:lstStyle/>
-          <a:p>
-            <a:pPr>
-              <a:lnSpc>
-                <a:spcPct val="90000"/>
-              </a:lnSpc>
-            </a:pPr>
-            <a:r>
-              <a:rPr lang="en-US" sz="5400" dirty="0"/>
-              <a:t>REPASO SESION 03</a:t>
-            </a:r>
-          </a:p>
-        </p:txBody>
-      </p:sp>
-      <p:sp>
-        <p:nvSpPr>
-          <p:cNvPr id="4" name="Title 1">
-            <a:extLst>
-              <a:ext uri="{FF2B5EF4-FFF2-40B4-BE49-F238E27FC236}">
-                <a16:creationId xmlns:a16="http://schemas.microsoft.com/office/drawing/2014/main" id="{21688655-239E-8695-4710-099590522792}"/>
-              </a:ext>
-            </a:extLst>
-          </p:cNvPr>
-          <p:cNvSpPr txBox="1">
-            <a:spLocks/>
-          </p:cNvSpPr>
-          <p:nvPr/>
-        </p:nvSpPr>
-        <p:spPr>
-          <a:xfrm>
-            <a:off x="517869" y="1387199"/>
-            <a:ext cx="11158656" cy="4597374"/>
-          </a:xfrm>
-          <a:prstGeom prst="rect">
-            <a:avLst/>
-          </a:prstGeom>
-        </p:spPr>
-        <p:txBody>
-          <a:bodyPr vert="horz" lIns="91440" tIns="45720" rIns="91440" bIns="45720" rtlCol="0" anchor="t">
-            <a:noAutofit/>
-          </a:bodyPr>
-          <a:lstStyle>
-            <a:lvl1pPr algn="l" defTabSz="914400" rtl="0" eaLnBrk="1" latinLnBrk="0" hangingPunct="1">
-              <a:lnSpc>
-                <a:spcPct val="100000"/>
-              </a:lnSpc>
-              <a:spcBef>
-                <a:spcPct val="0"/>
-              </a:spcBef>
-              <a:buNone/>
-              <a:defRPr sz="4400" b="1" kern="1200">
-                <a:solidFill>
-                  <a:schemeClr val="tx1"/>
-                </a:solidFill>
-                <a:latin typeface="+mj-lt"/>
-                <a:ea typeface="+mj-ea"/>
-                <a:cs typeface="+mj-cs"/>
-              </a:defRPr>
-            </a:lvl1pPr>
-          </a:lstStyle>
-          <a:p>
-            <a:pPr>
-              <a:lnSpc>
-                <a:spcPct val="90000"/>
-              </a:lnSpc>
-            </a:pPr>
-            <a:endParaRPr lang="en-US" sz="2400" b="0" dirty="0"/>
-          </a:p>
-          <a:p>
-            <a:pPr marL="342900" indent="-342900">
-              <a:lnSpc>
-                <a:spcPct val="90000"/>
-              </a:lnSpc>
-              <a:buFont typeface="Calibri"/>
-              <a:buChar char="-"/>
-            </a:pPr>
-            <a:r>
-              <a:rPr lang="en-US" sz="2800" b="0" dirty="0" err="1"/>
-              <a:t>Interfaz</a:t>
-            </a:r>
-            <a:r>
-              <a:rPr lang="en-US" sz="2800" b="0" dirty="0"/>
-              <a:t> de Power Query</a:t>
-            </a:r>
-          </a:p>
-          <a:p>
-            <a:pPr marL="342900" indent="-342900">
-              <a:lnSpc>
-                <a:spcPct val="90000"/>
-              </a:lnSpc>
-              <a:buFont typeface="Calibri"/>
-              <a:buChar char="-"/>
-            </a:pPr>
-            <a:r>
-              <a:rPr lang="en-US" sz="2800" b="0" dirty="0"/>
-              <a:t>Concepto </a:t>
-            </a:r>
-            <a:r>
-              <a:rPr lang="en-US" sz="2800" u="sng" dirty="0"/>
-              <a:t>Power Query y </a:t>
-            </a:r>
-            <a:r>
-              <a:rPr lang="en-US" sz="2800" u="sng" dirty="0" err="1"/>
-              <a:t>Transformación</a:t>
-            </a:r>
-            <a:r>
-              <a:rPr lang="en-US" sz="2800" u="sng" dirty="0"/>
-              <a:t> de </a:t>
-            </a:r>
-            <a:r>
-              <a:rPr lang="en-US" sz="2800" u="sng" dirty="0" err="1"/>
-              <a:t>datos</a:t>
-            </a:r>
-            <a:endParaRPr lang="en-US" sz="2800" u="sng" dirty="0"/>
-          </a:p>
-          <a:p>
-            <a:pPr marL="342900" indent="-342900">
-              <a:lnSpc>
-                <a:spcPct val="90000"/>
-              </a:lnSpc>
-              <a:buFont typeface="Calibri"/>
-              <a:buChar char="-"/>
-            </a:pPr>
-            <a:r>
-              <a:rPr lang="en-US" sz="2800" b="0" dirty="0" err="1"/>
-              <a:t>Transformaciones</a:t>
-            </a:r>
-            <a:r>
-              <a:rPr lang="en-US" sz="2800" b="0" dirty="0"/>
-              <a:t> </a:t>
-            </a:r>
-            <a:r>
-              <a:rPr lang="en-US" sz="2800" b="0" dirty="0" err="1"/>
-              <a:t>básicas</a:t>
-            </a:r>
-            <a:endParaRPr lang="en-US" sz="2800" b="0" dirty="0"/>
-          </a:p>
-          <a:p>
-            <a:pPr marL="342900" indent="-342900">
-              <a:lnSpc>
-                <a:spcPct val="90000"/>
-              </a:lnSpc>
-              <a:buFont typeface="Calibri"/>
-              <a:buChar char="-"/>
-            </a:pPr>
-            <a:r>
-              <a:rPr lang="en-US" sz="2800" b="0" dirty="0" err="1"/>
-              <a:t>Tipos</a:t>
-            </a:r>
-            <a:r>
-              <a:rPr lang="en-US" sz="2800" b="0" dirty="0"/>
-              <a:t> de </a:t>
-            </a:r>
-            <a:r>
-              <a:rPr lang="en-US" sz="2800" b="0" dirty="0" err="1"/>
-              <a:t>datos</a:t>
-            </a:r>
-            <a:r>
-              <a:rPr lang="en-US" sz="2800" b="0" dirty="0"/>
-              <a:t>.</a:t>
-            </a:r>
-          </a:p>
-          <a:p>
-            <a:pPr marL="342900" indent="-342900">
-              <a:lnSpc>
-                <a:spcPct val="90000"/>
-              </a:lnSpc>
-              <a:buFont typeface="Calibri"/>
-              <a:buChar char="-"/>
-            </a:pPr>
-            <a:endParaRPr lang="en-US" sz="2800" b="0" dirty="0"/>
-          </a:p>
-          <a:p>
-            <a:pPr marL="342900" indent="-342900">
-              <a:lnSpc>
-                <a:spcPct val="90000"/>
-              </a:lnSpc>
-              <a:buFont typeface="Calibri"/>
-              <a:buChar char="-"/>
-            </a:pPr>
-            <a:endParaRPr lang="en-US" sz="2800" dirty="0"/>
-          </a:p>
-          <a:p>
-            <a:pPr marL="342900" indent="-342900">
-              <a:lnSpc>
-                <a:spcPct val="90000"/>
-              </a:lnSpc>
-              <a:buFont typeface="Calibri"/>
-              <a:buChar char="-"/>
-            </a:pPr>
-            <a:endParaRPr lang="en-US" sz="2700" b="0" dirty="0"/>
-          </a:p>
-        </p:txBody>
-      </p:sp>
-    </p:spTree>
-    <p:extLst>
-      <p:ext uri="{BB962C8B-B14F-4D97-AF65-F5344CB8AC3E}">
-        <p14:creationId xmlns:p14="http://schemas.microsoft.com/office/powerpoint/2010/main" val="1121080803"/>
-      </p:ext>
-    </p:extLst>
-  </p:cSld>
-  <p:clrMapOvr>
-    <a:masterClrMapping/>
-  </p:clrMapOvr>
-</p:sld>
-</file>
-
-<file path=ppt/slides/slide30.xml><?xml version="1.0" encoding="utf-8"?>
+<file path=ppt/slides/slide34.xml><?xml version="1.0" encoding="utf-8"?>
 <p:sld xmlns:a="http://schemas.openxmlformats.org/drawingml/2006/main" xmlns:r="http://schemas.openxmlformats.org/officeDocument/2006/relationships" xmlns:p="http://schemas.openxmlformats.org/presentationml/2006/main">
   <p:cSld>
     <p:spTree>
@@ -27175,7 +31762,7 @@
 </p:sld>
 </file>
 
-<file path=ppt/slides/slide31.xml><?xml version="1.0" encoding="utf-8"?>
+<file path=ppt/slides/slide35.xml><?xml version="1.0" encoding="utf-8"?>
 <p:sld xmlns:a="http://schemas.openxmlformats.org/drawingml/2006/main" xmlns:r="http://schemas.openxmlformats.org/officeDocument/2006/relationships" xmlns:p="http://schemas.openxmlformats.org/presentationml/2006/main">
   <p:cSld>
     <p:spTree>
@@ -27446,7 +32033,7 @@
 </p:sld>
 </file>
 
-<file path=ppt/slides/slide32.xml><?xml version="1.0" encoding="utf-8"?>
+<file path=ppt/slides/slide36.xml><?xml version="1.0" encoding="utf-8"?>
 <p:sld xmlns:a="http://schemas.openxmlformats.org/drawingml/2006/main" xmlns:r="http://schemas.openxmlformats.org/officeDocument/2006/relationships" xmlns:p="http://schemas.openxmlformats.org/presentationml/2006/main">
   <p:cSld>
     <p:spTree>
@@ -27946,7 +32533,7 @@
 </p:sld>
 </file>
 
-<file path=ppt/slides/slide33.xml><?xml version="1.0" encoding="utf-8"?>
+<file path=ppt/slides/slide37.xml><?xml version="1.0" encoding="utf-8"?>
 <p:sld xmlns:a="http://schemas.openxmlformats.org/drawingml/2006/main" xmlns:r="http://schemas.openxmlformats.org/officeDocument/2006/relationships" xmlns:p="http://schemas.openxmlformats.org/presentationml/2006/main">
   <p:cSld>
     <p:spTree>
@@ -28505,7 +33092,7 @@
 </p:sld>
 </file>
 
-<file path=ppt/slides/slide34.xml><?xml version="1.0" encoding="utf-8"?>
+<file path=ppt/slides/slide38.xml><?xml version="1.0" encoding="utf-8"?>
 <p:sld xmlns:a="http://schemas.openxmlformats.org/drawingml/2006/main" xmlns:r="http://schemas.openxmlformats.org/officeDocument/2006/relationships" xmlns:p="http://schemas.openxmlformats.org/presentationml/2006/main">
   <p:cSld>
     <p:spTree>
@@ -30116,7 +34703,7 @@
 </p:sld>
 </file>
 
-<file path=ppt/slides/slide35.xml><?xml version="1.0" encoding="utf-8"?>
+<file path=ppt/slides/slide39.xml><?xml version="1.0" encoding="utf-8"?>
 <p:sld xmlns:a="http://schemas.openxmlformats.org/drawingml/2006/main" xmlns:r="http://schemas.openxmlformats.org/officeDocument/2006/relationships" xmlns:p="http://schemas.openxmlformats.org/presentationml/2006/main">
   <p:cSld>
     <p:spTree>
@@ -30359,877 +34946,6 @@
   </p:cSld>
   <p:clrMapOvr>
     <a:masterClrMapping/>
-  </p:clrMapOvr>
-</p:sld>
-</file>
-
-<file path=ppt/slides/slide36.xml><?xml version="1.0" encoding="utf-8"?>
-<p:sld xmlns:a="http://schemas.openxmlformats.org/drawingml/2006/main" xmlns:r="http://schemas.openxmlformats.org/officeDocument/2006/relationships" xmlns:p="http://schemas.openxmlformats.org/presentationml/2006/main">
-  <p:cSld>
-    <p:spTree>
-      <p:nvGrpSpPr>
-        <p:cNvPr id="1" name="">
-          <a:extLst>
-            <a:ext uri="{FF2B5EF4-FFF2-40B4-BE49-F238E27FC236}">
-              <a16:creationId xmlns:a16="http://schemas.microsoft.com/office/drawing/2014/main" id="{B3F2155A-747C-EE4A-73EB-E3BD180D413D}"/>
-            </a:ext>
-          </a:extLst>
-        </p:cNvPr>
-        <p:cNvGrpSpPr/>
-        <p:nvPr/>
-      </p:nvGrpSpPr>
-      <p:grpSpPr>
-        <a:xfrm>
-          <a:off x="0" y="0"/>
-          <a:ext cx="0" cy="0"/>
-          <a:chOff x="0" y="0"/>
-          <a:chExt cx="0" cy="0"/>
-        </a:xfrm>
-      </p:grpSpPr>
-      <p:sp>
-        <p:nvSpPr>
-          <p:cNvPr id="2" name="Title 1">
-            <a:extLst>
-              <a:ext uri="{FF2B5EF4-FFF2-40B4-BE49-F238E27FC236}">
-                <a16:creationId xmlns:a16="http://schemas.microsoft.com/office/drawing/2014/main" id="{B9EEBDAF-5FE1-96FC-3EF8-B5565FA7B982}"/>
-              </a:ext>
-            </a:extLst>
-          </p:cNvPr>
-          <p:cNvSpPr>
-            <a:spLocks noGrp="1"/>
-          </p:cNvSpPr>
-          <p:nvPr>
-            <p:ph type="title"/>
-          </p:nvPr>
-        </p:nvSpPr>
-        <p:spPr>
-          <a:xfrm>
-            <a:off x="521208" y="978408"/>
-            <a:ext cx="11155680" cy="746533"/>
-          </a:xfrm>
-        </p:spPr>
-        <p:txBody>
-          <a:bodyPr>
-            <a:noAutofit/>
-          </a:bodyPr>
-          <a:lstStyle/>
-          <a:p>
-            <a:r>
-              <a:rPr lang="en-US" sz="4900" dirty="0"/>
-              <a:t>TRANSFORMACIONES AVANZADAS</a:t>
-            </a:r>
-          </a:p>
-        </p:txBody>
-      </p:sp>
-      <p:sp>
-        <p:nvSpPr>
-          <p:cNvPr id="4" name="Title 1">
-            <a:extLst>
-              <a:ext uri="{FF2B5EF4-FFF2-40B4-BE49-F238E27FC236}">
-                <a16:creationId xmlns:a16="http://schemas.microsoft.com/office/drawing/2014/main" id="{9DC0B495-4411-9187-6022-9E09BE5389EC}"/>
-              </a:ext>
-            </a:extLst>
-          </p:cNvPr>
-          <p:cNvSpPr txBox="1">
-            <a:spLocks/>
-          </p:cNvSpPr>
-          <p:nvPr/>
-        </p:nvSpPr>
-        <p:spPr>
-          <a:xfrm>
-            <a:off x="517869" y="1720517"/>
-            <a:ext cx="11157866" cy="4264056"/>
-          </a:xfrm>
-          <a:prstGeom prst="rect">
-            <a:avLst/>
-          </a:prstGeom>
-        </p:spPr>
-        <p:txBody>
-          <a:bodyPr vert="horz" lIns="91440" tIns="45720" rIns="91440" bIns="45720" rtlCol="0" anchor="t">
-            <a:normAutofit fontScale="97500"/>
-          </a:bodyPr>
-          <a:lstStyle>
-            <a:lvl1pPr algn="l" defTabSz="914400" rtl="0" eaLnBrk="1" latinLnBrk="0" hangingPunct="1">
-              <a:lnSpc>
-                <a:spcPct val="100000"/>
-              </a:lnSpc>
-              <a:spcBef>
-                <a:spcPct val="0"/>
-              </a:spcBef>
-              <a:buNone/>
-              <a:defRPr sz="4400" b="1" kern="1200">
-                <a:solidFill>
-                  <a:schemeClr val="tx1"/>
-                </a:solidFill>
-                <a:latin typeface="+mj-lt"/>
-                <a:ea typeface="+mj-ea"/>
-                <a:cs typeface="+mj-cs"/>
-              </a:defRPr>
-            </a:lvl1pPr>
-          </a:lstStyle>
-          <a:p>
-            <a:pPr>
-              <a:lnSpc>
-                <a:spcPct val="90000"/>
-              </a:lnSpc>
-            </a:pPr>
-            <a:endParaRPr lang="en-US" sz="3600" u="sng" dirty="0"/>
-          </a:p>
-          <a:p>
-            <a:pPr>
-              <a:lnSpc>
-                <a:spcPct val="90000"/>
-              </a:lnSpc>
-            </a:pPr>
-            <a:br>
-              <a:rPr lang="en-US" sz="2900" b="0" dirty="0"/>
-            </a:br>
-            <a:endParaRPr lang="en-US" sz="3300" b="0"/>
-          </a:p>
-        </p:txBody>
-      </p:sp>
-      <p:sp>
-        <p:nvSpPr>
-          <p:cNvPr id="5" name="TextBox 4">
-            <a:extLst>
-              <a:ext uri="{FF2B5EF4-FFF2-40B4-BE49-F238E27FC236}">
-                <a16:creationId xmlns:a16="http://schemas.microsoft.com/office/drawing/2014/main" id="{2FE1B98A-7188-19E0-4007-FD9B002B4B26}"/>
-              </a:ext>
-            </a:extLst>
-          </p:cNvPr>
-          <p:cNvSpPr txBox="1"/>
-          <p:nvPr/>
-        </p:nvSpPr>
-        <p:spPr>
-          <a:xfrm>
-            <a:off x="524329" y="1721757"/>
-            <a:ext cx="11152414" cy="3447098"/>
-          </a:xfrm>
-          <a:prstGeom prst="rect">
-            <a:avLst/>
-          </a:prstGeom>
-          <a:noFill/>
-        </p:spPr>
-        <p:txBody>
-          <a:bodyPr rot="0" spcFirstLastPara="0" vertOverflow="overflow" horzOverflow="overflow" vert="horz" wrap="square" lIns="91440" tIns="45720" rIns="91440" bIns="45720" numCol="1" spcCol="0" rtlCol="0" fromWordArt="0" anchor="t" anchorCtr="0" forceAA="0" compatLnSpc="1">
-            <a:prstTxWarp prst="textNoShape">
-              <a:avLst/>
-            </a:prstTxWarp>
-            <a:spAutoFit/>
-          </a:bodyPr>
-          <a:lstStyle/>
-          <a:p>
-            <a:endParaRPr lang="en-US" sz="2000" b="1" dirty="0"/>
-          </a:p>
-          <a:p>
-            <a:r>
-              <a:rPr lang="en-US" sz="2400" b="1" dirty="0"/>
-              <a:t>¿QUE SON LAS TRANSFORMACIONES AVANZADAS?</a:t>
-            </a:r>
-            <a:endParaRPr lang="en-US" sz="2400"/>
-          </a:p>
-          <a:p>
-            <a:pPr marL="342900" indent="-342900">
-              <a:buFont typeface="Calibri"/>
-              <a:buChar char="-"/>
-            </a:pPr>
-            <a:endParaRPr lang="en-US" sz="1600" b="1" dirty="0"/>
-          </a:p>
-          <a:p>
-            <a:pPr marL="342900" indent="-342900">
-              <a:buFont typeface="Calibri"/>
-              <a:buChar char="-"/>
-            </a:pPr>
-            <a:r>
-              <a:rPr lang="en-US" sz="1600" dirty="0" err="1"/>
-              <a:t>Permiten</a:t>
-            </a:r>
-            <a:r>
-              <a:rPr lang="en-US" sz="1600" dirty="0"/>
-              <a:t> </a:t>
-            </a:r>
-            <a:r>
-              <a:rPr lang="en-US" sz="1600" dirty="0" err="1"/>
-              <a:t>automatizar</a:t>
-            </a:r>
-            <a:r>
-              <a:rPr lang="en-US" sz="1600" dirty="0"/>
-              <a:t> </a:t>
-            </a:r>
-            <a:r>
-              <a:rPr lang="en-US" sz="1600" dirty="0" err="1"/>
-              <a:t>procesos</a:t>
-            </a:r>
-            <a:r>
-              <a:rPr lang="en-US" sz="1600" dirty="0"/>
-              <a:t>, </a:t>
-            </a:r>
-            <a:r>
-              <a:rPr lang="en-US" sz="1600" dirty="0" err="1"/>
-              <a:t>combinar</a:t>
-            </a:r>
-            <a:r>
-              <a:rPr lang="en-US" sz="1600" dirty="0"/>
-              <a:t> </a:t>
-            </a:r>
-            <a:r>
-              <a:rPr lang="en-US" sz="1600" dirty="0" err="1"/>
-              <a:t>múltiples</a:t>
-            </a:r>
-            <a:r>
-              <a:rPr lang="en-US" sz="1600" dirty="0"/>
-              <a:t> </a:t>
-            </a:r>
-            <a:r>
-              <a:rPr lang="en-US" sz="1600" dirty="0" err="1"/>
-              <a:t>fuentes</a:t>
-            </a:r>
-            <a:r>
-              <a:rPr lang="en-US" sz="1600" dirty="0"/>
-              <a:t> de </a:t>
-            </a:r>
-            <a:r>
-              <a:rPr lang="en-US" sz="1600" dirty="0" err="1"/>
-              <a:t>datos</a:t>
-            </a:r>
-            <a:r>
-              <a:rPr lang="en-US" sz="1600" dirty="0"/>
-              <a:t>, y </a:t>
-            </a:r>
-            <a:r>
-              <a:rPr lang="en-US" sz="1600" dirty="0" err="1"/>
-              <a:t>personalizar</a:t>
-            </a:r>
-            <a:r>
-              <a:rPr lang="en-US" sz="1600" dirty="0"/>
-              <a:t> la </a:t>
-            </a:r>
-            <a:r>
-              <a:rPr lang="en-US" sz="1600" dirty="0" err="1"/>
-              <a:t>lógica</a:t>
-            </a:r>
-            <a:r>
-              <a:rPr lang="en-US" sz="1600" dirty="0"/>
-              <a:t> de </a:t>
-            </a:r>
-            <a:r>
-              <a:rPr lang="en-US" sz="1600" dirty="0" err="1"/>
-              <a:t>transformación</a:t>
-            </a:r>
-            <a:r>
-              <a:rPr lang="en-US" sz="1600" dirty="0"/>
-              <a:t> para </a:t>
-            </a:r>
-            <a:r>
-              <a:rPr lang="en-US" sz="1600" dirty="0" err="1"/>
-              <a:t>adaptarse</a:t>
-            </a:r>
-            <a:r>
-              <a:rPr lang="en-US" sz="1600" dirty="0"/>
-              <a:t> a </a:t>
-            </a:r>
-            <a:r>
-              <a:rPr lang="en-US" sz="1600" dirty="0" err="1"/>
-              <a:t>escenarios</a:t>
-            </a:r>
-            <a:r>
-              <a:rPr lang="en-US" sz="1600" dirty="0"/>
-              <a:t> </a:t>
-            </a:r>
-            <a:r>
-              <a:rPr lang="en-US" sz="1600" dirty="0" err="1"/>
-              <a:t>reales</a:t>
-            </a:r>
-            <a:r>
-              <a:rPr lang="en-US" sz="1600" dirty="0"/>
-              <a:t> de </a:t>
-            </a:r>
-            <a:r>
-              <a:rPr lang="en-US" sz="1600" dirty="0" err="1"/>
-              <a:t>negocio</a:t>
-            </a:r>
-            <a:r>
-              <a:rPr lang="en-US" sz="1600" dirty="0"/>
-              <a:t>.</a:t>
-            </a:r>
-          </a:p>
-          <a:p>
-            <a:endParaRPr lang="en-US" sz="2000" b="1" dirty="0"/>
-          </a:p>
-          <a:p>
-            <a:r>
-              <a:rPr lang="en-US" sz="2400" b="1" dirty="0"/>
-              <a:t>¿QUE BENEFICIOS APORTAN?</a:t>
-            </a:r>
-          </a:p>
-          <a:p>
-            <a:pPr marL="342900" indent="-342900">
-              <a:buFont typeface="Calibri"/>
-              <a:buChar char="-"/>
-            </a:pPr>
-            <a:r>
-              <a:rPr lang="en-US" sz="1600" dirty="0" err="1"/>
-              <a:t>Permiten</a:t>
-            </a:r>
-            <a:r>
-              <a:rPr lang="en-US" sz="1600" dirty="0"/>
-              <a:t> </a:t>
-            </a:r>
-            <a:r>
-              <a:rPr lang="en-US" sz="1600" dirty="0" err="1"/>
-              <a:t>automatizar</a:t>
-            </a:r>
-            <a:r>
-              <a:rPr lang="en-US" sz="1600" dirty="0"/>
-              <a:t> </a:t>
-            </a:r>
-            <a:r>
-              <a:rPr lang="en-US" sz="1600" dirty="0" err="1"/>
-              <a:t>procesos</a:t>
-            </a:r>
-            <a:r>
-              <a:rPr lang="en-US" sz="1600" dirty="0"/>
-              <a:t> </a:t>
-            </a:r>
-            <a:r>
-              <a:rPr lang="en-US" sz="1600" dirty="0" err="1"/>
-              <a:t>complejos</a:t>
-            </a:r>
-            <a:endParaRPr lang="en-US" sz="1600" dirty="0"/>
-          </a:p>
-          <a:p>
-            <a:pPr marL="342900" indent="-342900">
-              <a:buFont typeface="Calibri"/>
-              <a:buChar char="-"/>
-            </a:pPr>
-            <a:r>
-              <a:rPr lang="en-US" sz="1600" err="1"/>
-              <a:t>Mejoran</a:t>
-            </a:r>
-            <a:r>
-              <a:rPr lang="en-US" sz="1600" dirty="0"/>
-              <a:t> la </a:t>
-            </a:r>
-            <a:r>
-              <a:rPr lang="en-US" sz="1600" err="1"/>
-              <a:t>eficiencia</a:t>
-            </a:r>
-            <a:r>
-              <a:rPr lang="en-US" sz="1600" dirty="0"/>
-              <a:t> y </a:t>
-            </a:r>
-            <a:r>
-              <a:rPr lang="en-US" sz="1600" err="1"/>
-              <a:t>escalabilidad</a:t>
-            </a:r>
-            <a:r>
-              <a:rPr lang="en-US" sz="1600" dirty="0"/>
-              <a:t> del </a:t>
-            </a:r>
-            <a:r>
-              <a:rPr lang="en-US" sz="1600" err="1"/>
-              <a:t>modelo</a:t>
-            </a:r>
-            <a:endParaRPr lang="en-US" sz="1600" dirty="0"/>
-          </a:p>
-          <a:p>
-            <a:pPr marL="342900" indent="-342900">
-              <a:buFont typeface="Calibri"/>
-              <a:buChar char="-"/>
-            </a:pPr>
-            <a:r>
-              <a:rPr lang="en-US" sz="1600" err="1"/>
-              <a:t>Facilitan</a:t>
-            </a:r>
-            <a:r>
-              <a:rPr lang="en-US" sz="1600" dirty="0"/>
-              <a:t> </a:t>
-            </a:r>
-            <a:r>
-              <a:rPr lang="en-US" sz="1600" err="1"/>
-              <a:t>el</a:t>
-            </a:r>
-            <a:r>
-              <a:rPr lang="en-US" sz="1600" dirty="0"/>
-              <a:t> </a:t>
-            </a:r>
-            <a:r>
-              <a:rPr lang="en-US" sz="1600" err="1"/>
-              <a:t>mantenimiento</a:t>
-            </a:r>
-            <a:r>
-              <a:rPr lang="en-US" sz="1600" dirty="0"/>
-              <a:t> de </a:t>
-            </a:r>
-            <a:r>
-              <a:rPr lang="en-US" sz="1600" err="1"/>
-              <a:t>soluciones</a:t>
-            </a:r>
-            <a:r>
-              <a:rPr lang="en-US" sz="1600" dirty="0"/>
-              <a:t> a largo </a:t>
-            </a:r>
-            <a:r>
-              <a:rPr lang="en-US" sz="1600" err="1"/>
-              <a:t>plazo</a:t>
-            </a:r>
-            <a:endParaRPr lang="en-US" sz="1600" dirty="0"/>
-          </a:p>
-          <a:p>
-            <a:pPr marL="342900" indent="-342900">
-              <a:buFont typeface="Calibri"/>
-              <a:buChar char="-"/>
-            </a:pPr>
-            <a:r>
-              <a:rPr lang="en-US" sz="1600" dirty="0"/>
-              <a:t>Abren la </a:t>
-            </a:r>
-            <a:r>
-              <a:rPr lang="en-US" sz="1600" err="1"/>
-              <a:t>puerta</a:t>
-            </a:r>
-            <a:r>
-              <a:rPr lang="en-US" sz="1600" dirty="0"/>
-              <a:t> a la </a:t>
-            </a:r>
-            <a:r>
-              <a:rPr lang="en-US" sz="1600" err="1"/>
-              <a:t>programación</a:t>
-            </a:r>
-            <a:r>
-              <a:rPr lang="en-US" sz="1600" dirty="0"/>
-              <a:t> </a:t>
-            </a:r>
-            <a:r>
-              <a:rPr lang="en-US" sz="1600" err="1"/>
-              <a:t>funcional</a:t>
-            </a:r>
-            <a:r>
-              <a:rPr lang="en-US" sz="1600" dirty="0"/>
-              <a:t> </a:t>
-            </a:r>
-            <a:r>
-              <a:rPr lang="en-US" sz="1600" err="1"/>
-              <a:t>dentro</a:t>
-            </a:r>
-            <a:r>
-              <a:rPr lang="en-US" sz="1600" dirty="0"/>
-              <a:t> de Power BI</a:t>
-            </a:r>
-          </a:p>
-          <a:p>
-            <a:pPr marL="342900" indent="-342900">
-              <a:buFont typeface="Calibri"/>
-              <a:buChar char="-"/>
-            </a:pPr>
-            <a:endParaRPr lang="en-US" dirty="0"/>
-          </a:p>
-        </p:txBody>
-      </p:sp>
-    </p:spTree>
-    <p:extLst>
-      <p:ext uri="{BB962C8B-B14F-4D97-AF65-F5344CB8AC3E}">
-        <p14:creationId xmlns:p14="http://schemas.microsoft.com/office/powerpoint/2010/main" val="1554860235"/>
-      </p:ext>
-    </p:extLst>
-  </p:cSld>
-  <p:clrMapOvr>
-    <a:masterClrMapping/>
-  </p:clrMapOvr>
-</p:sld>
-</file>
-
-<file path=ppt/slides/slide37.xml><?xml version="1.0" encoding="utf-8"?>
-<p:sld xmlns:a="http://schemas.openxmlformats.org/drawingml/2006/main" xmlns:r="http://schemas.openxmlformats.org/officeDocument/2006/relationships" xmlns:p="http://schemas.openxmlformats.org/presentationml/2006/main">
-  <p:cSld>
-    <p:bg>
-      <p:bgPr>
-        <a:solidFill>
-          <a:schemeClr val="bg1"/>
-        </a:solidFill>
-        <a:effectLst/>
-      </p:bgPr>
-    </p:bg>
-    <p:spTree>
-      <p:nvGrpSpPr>
-        <p:cNvPr id="1" name="">
-          <a:extLst>
-            <a:ext uri="{FF2B5EF4-FFF2-40B4-BE49-F238E27FC236}">
-              <a16:creationId xmlns:a16="http://schemas.microsoft.com/office/drawing/2014/main" id="{380B0203-52F9-303F-42D5-57A67203F0F0}"/>
-            </a:ext>
-          </a:extLst>
-        </p:cNvPr>
-        <p:cNvGrpSpPr/>
-        <p:nvPr/>
-      </p:nvGrpSpPr>
-      <p:grpSpPr>
-        <a:xfrm>
-          <a:off x="0" y="0"/>
-          <a:ext cx="0" cy="0"/>
-          <a:chOff x="0" y="0"/>
-          <a:chExt cx="0" cy="0"/>
-        </a:xfrm>
-      </p:grpSpPr>
-      <p:sp useBgFill="1">
-        <p:nvSpPr>
-          <p:cNvPr id="23" name="Rectangle 22">
-            <a:extLst>
-              <a:ext uri="{FF2B5EF4-FFF2-40B4-BE49-F238E27FC236}">
-                <a16:creationId xmlns:a16="http://schemas.microsoft.com/office/drawing/2014/main" id="{16CE652F-78A1-1ECC-6C04-56067BCC8CFA}"/>
-              </a:ext>
-              <a:ext uri="{C183D7F6-B498-43B3-948B-1728B52AA6E4}">
-                <adec:decorative xmlns:adec="http://schemas.microsoft.com/office/drawing/2017/decorative" val="1"/>
-              </a:ext>
-            </a:extLst>
-          </p:cNvPr>
-          <p:cNvSpPr>
-            <a:spLocks noGrp="1" noRot="1" noChangeAspect="1" noMove="1" noResize="1" noEditPoints="1" noAdjustHandles="1" noChangeArrowheads="1" noChangeShapeType="1" noTextEdit="1"/>
-          </p:cNvSpPr>
-          <p:nvPr>
-            <p:extLst>
-              <p:ext uri="{386F3935-93C4-4BCD-93E2-E3B085C9AB24}">
-                <p16:designElem xmlns:p16="http://schemas.microsoft.com/office/powerpoint/2015/main" val="1"/>
-              </p:ext>
-            </p:extLst>
-          </p:nvPr>
-        </p:nvSpPr>
-        <p:spPr>
-          <a:xfrm>
-            <a:off x="0" y="0"/>
-            <a:ext cx="12192000" cy="6858001"/>
-          </a:xfrm>
-          <a:prstGeom prst="rect">
-            <a:avLst/>
-          </a:prstGeom>
-          <a:ln>
-            <a:noFill/>
-          </a:ln>
-        </p:spPr>
-        <p:style>
-          <a:lnRef idx="2">
-            <a:schemeClr val="accent1">
-              <a:shade val="50000"/>
-            </a:schemeClr>
-          </a:lnRef>
-          <a:fillRef idx="1">
-            <a:schemeClr val="accent1"/>
-          </a:fillRef>
-          <a:effectRef idx="0">
-            <a:schemeClr val="accent1"/>
-          </a:effectRef>
-          <a:fontRef idx="minor">
-            <a:schemeClr val="lt1"/>
-          </a:fontRef>
-        </p:style>
-        <p:txBody>
-          <a:bodyPr rtlCol="0" anchor="ctr"/>
-          <a:lstStyle/>
-          <a:p>
-            <a:pPr algn="ctr"/>
-            <a:endParaRPr lang="en-US" dirty="0"/>
-          </a:p>
-        </p:txBody>
-      </p:sp>
-      <p:pic>
-        <p:nvPicPr>
-          <p:cNvPr id="16" name="Picture 15" descr="Gráfico económico digital">
-            <a:extLst>
-              <a:ext uri="{FF2B5EF4-FFF2-40B4-BE49-F238E27FC236}">
-                <a16:creationId xmlns:a16="http://schemas.microsoft.com/office/drawing/2014/main" id="{9B90F332-A6B2-8D74-5A87-46543F5576F4}"/>
-              </a:ext>
-            </a:extLst>
-          </p:cNvPr>
-          <p:cNvPicPr>
-            <a:picLocks noChangeAspect="1"/>
-          </p:cNvPicPr>
-          <p:nvPr/>
-        </p:nvPicPr>
-        <p:blipFill>
-          <a:blip r:embed="rId2"/>
-          <a:srcRect l="25"/>
-          <a:stretch/>
-        </p:blipFill>
-        <p:spPr>
-          <a:xfrm>
-            <a:off x="20" y="10"/>
-            <a:ext cx="12191979" cy="6857990"/>
-          </a:xfrm>
-          <a:prstGeom prst="rect">
-            <a:avLst/>
-          </a:prstGeom>
-        </p:spPr>
-      </p:pic>
-      <p:sp>
-        <p:nvSpPr>
-          <p:cNvPr id="25" name="Rectangle 24">
-            <a:extLst>
-              <a:ext uri="{FF2B5EF4-FFF2-40B4-BE49-F238E27FC236}">
-                <a16:creationId xmlns:a16="http://schemas.microsoft.com/office/drawing/2014/main" id="{9338DD4D-704C-0643-AD1B-7EE043E0815B}"/>
-              </a:ext>
-              <a:ext uri="{C183D7F6-B498-43B3-948B-1728B52AA6E4}">
-                <adec:decorative xmlns:adec="http://schemas.microsoft.com/office/drawing/2017/decorative" val="1"/>
-              </a:ext>
-            </a:extLst>
-          </p:cNvPr>
-          <p:cNvSpPr>
-            <a:spLocks noGrp="1" noRot="1" noChangeAspect="1" noMove="1" noResize="1" noEditPoints="1" noAdjustHandles="1" noChangeArrowheads="1" noChangeShapeType="1" noTextEdit="1"/>
-          </p:cNvSpPr>
-          <p:nvPr>
-            <p:extLst>
-              <p:ext uri="{386F3935-93C4-4BCD-93E2-E3B085C9AB24}">
-                <p16:designElem xmlns:p16="http://schemas.microsoft.com/office/powerpoint/2015/main" val="1"/>
-              </p:ext>
-            </p:extLst>
-          </p:nvPr>
-        </p:nvSpPr>
-        <p:spPr>
-          <a:xfrm rot="16200000">
-            <a:off x="389239" y="-389238"/>
-            <a:ext cx="6858000" cy="7636476"/>
-          </a:xfrm>
-          <a:prstGeom prst="rect">
-            <a:avLst/>
-          </a:prstGeom>
-          <a:gradFill>
-            <a:gsLst>
-              <a:gs pos="100000">
-                <a:srgbClr val="000000">
-                  <a:alpha val="0"/>
-                </a:srgbClr>
-              </a:gs>
-              <a:gs pos="0">
-                <a:schemeClr val="tx1"/>
-              </a:gs>
-              <a:gs pos="0">
-                <a:srgbClr val="000000">
-                  <a:alpha val="70000"/>
-                </a:srgbClr>
-              </a:gs>
-            </a:gsLst>
-            <a:lin ang="5400000" scaled="1"/>
-          </a:gradFill>
-          <a:ln>
-            <a:noFill/>
-          </a:ln>
-        </p:spPr>
-        <p:style>
-          <a:lnRef idx="2">
-            <a:schemeClr val="accent1">
-              <a:shade val="50000"/>
-            </a:schemeClr>
-          </a:lnRef>
-          <a:fillRef idx="1">
-            <a:schemeClr val="accent1"/>
-          </a:fillRef>
-          <a:effectRef idx="0">
-            <a:schemeClr val="accent1"/>
-          </a:effectRef>
-          <a:fontRef idx="minor">
-            <a:schemeClr val="lt1"/>
-          </a:fontRef>
-        </p:style>
-        <p:txBody>
-          <a:bodyPr rtlCol="0" anchor="ctr"/>
-          <a:lstStyle/>
-          <a:p>
-            <a:pPr algn="ctr"/>
-            <a:endParaRPr lang="en-US"/>
-          </a:p>
-        </p:txBody>
-      </p:sp>
-      <p:sp>
-        <p:nvSpPr>
-          <p:cNvPr id="2" name="Título 1">
-            <a:extLst>
-              <a:ext uri="{FF2B5EF4-FFF2-40B4-BE49-F238E27FC236}">
-                <a16:creationId xmlns:a16="http://schemas.microsoft.com/office/drawing/2014/main" id="{279CB29E-5567-119E-E868-94C3FF8B290F}"/>
-              </a:ext>
-            </a:extLst>
-          </p:cNvPr>
-          <p:cNvSpPr>
-            <a:spLocks noGrp="1"/>
-          </p:cNvSpPr>
-          <p:nvPr>
-            <p:ph type="ctrTitle"/>
-          </p:nvPr>
-        </p:nvSpPr>
-        <p:spPr>
-          <a:xfrm>
-            <a:off x="517870" y="978407"/>
-            <a:ext cx="9411854" cy="4115304"/>
-          </a:xfrm>
-        </p:spPr>
-        <p:txBody>
-          <a:bodyPr vert="horz" lIns="91440" tIns="45720" rIns="91440" bIns="45720" rtlCol="0" anchor="t">
-            <a:normAutofit/>
-          </a:bodyPr>
-          <a:lstStyle/>
-          <a:p>
-            <a:r>
-              <a:rPr lang="es-ES" sz="8800" dirty="0">
-                <a:solidFill>
-                  <a:srgbClr val="FFFFFF"/>
-                </a:solidFill>
-              </a:rPr>
-              <a:t>Gracias</a:t>
-            </a:r>
-            <a:br>
-              <a:rPr lang="es-ES" sz="8000" dirty="0">
-                <a:solidFill>
-                  <a:srgbClr val="FFFFFF"/>
-                </a:solidFill>
-              </a:rPr>
-            </a:br>
-            <a:br>
-              <a:rPr lang="es-ES" sz="8000" dirty="0">
-                <a:solidFill>
-                  <a:srgbClr val="FFFFFF"/>
-                </a:solidFill>
-              </a:rPr>
-            </a:br>
-            <a:r>
-              <a:rPr lang="es-ES" sz="8000" dirty="0">
-                <a:solidFill>
-                  <a:srgbClr val="FFFFFF"/>
-                </a:solidFill>
-              </a:rPr>
-              <a:t>FINAL SESION 04</a:t>
-            </a:r>
-          </a:p>
-        </p:txBody>
-      </p:sp>
-      <p:sp>
-        <p:nvSpPr>
-          <p:cNvPr id="27" name="Rectangle 26">
-            <a:extLst>
-              <a:ext uri="{FF2B5EF4-FFF2-40B4-BE49-F238E27FC236}">
-                <a16:creationId xmlns:a16="http://schemas.microsoft.com/office/drawing/2014/main" id="{6DB692A6-D924-9C42-88FE-82E265BEDDDF}"/>
-              </a:ext>
-              <a:ext uri="{C183D7F6-B498-43B3-948B-1728B52AA6E4}">
-                <adec:decorative xmlns:adec="http://schemas.microsoft.com/office/drawing/2017/decorative" val="1"/>
-              </a:ext>
-            </a:extLst>
-          </p:cNvPr>
-          <p:cNvSpPr>
-            <a:spLocks noGrp="1" noRot="1" noChangeAspect="1" noMove="1" noResize="1" noEditPoints="1" noAdjustHandles="1" noChangeArrowheads="1" noChangeShapeType="1" noTextEdit="1"/>
-          </p:cNvSpPr>
-          <p:nvPr>
-            <p:extLst>
-              <p:ext uri="{386F3935-93C4-4BCD-93E2-E3B085C9AB24}">
-                <p16:designElem xmlns:p16="http://schemas.microsoft.com/office/powerpoint/2015/main" val="1"/>
-              </p:ext>
-            </p:extLst>
-          </p:nvPr>
-        </p:nvSpPr>
-        <p:spPr>
-          <a:xfrm>
-            <a:off x="517870" y="508090"/>
-            <a:ext cx="5021183" cy="149279"/>
-          </a:xfrm>
-          <a:prstGeom prst="rect">
-            <a:avLst/>
-          </a:prstGeom>
-          <a:solidFill>
-            <a:srgbClr val="FFFFFF"/>
-          </a:solidFill>
-          <a:ln>
-            <a:noFill/>
-          </a:ln>
-        </p:spPr>
-        <p:style>
-          <a:lnRef idx="2">
-            <a:schemeClr val="accent1">
-              <a:shade val="50000"/>
-            </a:schemeClr>
-          </a:lnRef>
-          <a:fillRef idx="1">
-            <a:schemeClr val="accent1"/>
-          </a:fillRef>
-          <a:effectRef idx="0">
-            <a:schemeClr val="accent1"/>
-          </a:effectRef>
-          <a:fontRef idx="minor">
-            <a:schemeClr val="lt1"/>
-          </a:fontRef>
-        </p:style>
-        <p:txBody>
-          <a:bodyPr rtlCol="0" anchor="ctr"/>
-          <a:lstStyle/>
-          <a:p>
-            <a:pPr algn="ctr"/>
-            <a:endParaRPr lang="en-US"/>
-          </a:p>
-        </p:txBody>
-      </p:sp>
-      <p:pic>
-        <p:nvPicPr>
-          <p:cNvPr id="3" name="Picture 2">
-            <a:extLst>
-              <a:ext uri="{FF2B5EF4-FFF2-40B4-BE49-F238E27FC236}">
-                <a16:creationId xmlns:a16="http://schemas.microsoft.com/office/drawing/2014/main" id="{8DF18186-CBB6-C874-399C-D74E134EA9B2}"/>
-              </a:ext>
-            </a:extLst>
-          </p:cNvPr>
-          <p:cNvPicPr>
-            <a:picLocks noChangeAspect="1"/>
-          </p:cNvPicPr>
-          <p:nvPr/>
-        </p:nvPicPr>
-        <p:blipFill>
-          <a:blip r:embed="rId3"/>
-          <a:stretch>
-            <a:fillRect/>
-          </a:stretch>
-        </p:blipFill>
-        <p:spPr>
-          <a:xfrm>
-            <a:off x="8159039" y="6171871"/>
-            <a:ext cx="1777233" cy="461360"/>
-          </a:xfrm>
-          <a:prstGeom prst="rect">
-            <a:avLst/>
-          </a:prstGeom>
-        </p:spPr>
-      </p:pic>
-      <p:pic>
-        <p:nvPicPr>
-          <p:cNvPr id="4" name="Picture 3">
-            <a:extLst>
-              <a:ext uri="{FF2B5EF4-FFF2-40B4-BE49-F238E27FC236}">
-                <a16:creationId xmlns:a16="http://schemas.microsoft.com/office/drawing/2014/main" id="{03D043A5-587F-A33A-5DAD-E9BC44CA0172}"/>
-              </a:ext>
-            </a:extLst>
-          </p:cNvPr>
-          <p:cNvPicPr>
-            <a:picLocks noChangeAspect="1"/>
-          </p:cNvPicPr>
-          <p:nvPr/>
-        </p:nvPicPr>
-        <p:blipFill>
-          <a:blip r:embed="rId4"/>
-          <a:stretch>
-            <a:fillRect/>
-          </a:stretch>
-        </p:blipFill>
-        <p:spPr>
-          <a:xfrm>
-            <a:off x="10018876" y="6171543"/>
-            <a:ext cx="1841281" cy="462017"/>
-          </a:xfrm>
-          <a:prstGeom prst="rect">
-            <a:avLst/>
-          </a:prstGeom>
-        </p:spPr>
-      </p:pic>
-    </p:spTree>
-    <p:extLst>
-      <p:ext uri="{BB962C8B-B14F-4D97-AF65-F5344CB8AC3E}">
-        <p14:creationId xmlns:p14="http://schemas.microsoft.com/office/powerpoint/2010/main" val="630143656"/>
-      </p:ext>
-    </p:extLst>
-  </p:cSld>
-  <p:clrMapOvr>
-    <a:overrideClrMapping bg1="dk1" tx1="lt1" bg2="dk2" tx2="lt2" accent1="accent1" accent2="accent2" accent3="accent3" accent4="accent4" accent5="accent5" accent6="accent6" hlink="hlink" folHlink="folHlink"/>
   </p:clrMapOvr>
 </p:sld>
 </file>
@@ -32025,6 +35741,877 @@
   </p:cSld>
   <p:clrMapOvr>
     <a:masterClrMapping/>
+  </p:clrMapOvr>
+</p:sld>
+</file>
+
+<file path=ppt/slides/slide40.xml><?xml version="1.0" encoding="utf-8"?>
+<p:sld xmlns:a="http://schemas.openxmlformats.org/drawingml/2006/main" xmlns:r="http://schemas.openxmlformats.org/officeDocument/2006/relationships" xmlns:p="http://schemas.openxmlformats.org/presentationml/2006/main">
+  <p:cSld>
+    <p:spTree>
+      <p:nvGrpSpPr>
+        <p:cNvPr id="1" name="">
+          <a:extLst>
+            <a:ext uri="{FF2B5EF4-FFF2-40B4-BE49-F238E27FC236}">
+              <a16:creationId xmlns:a16="http://schemas.microsoft.com/office/drawing/2014/main" id="{B3F2155A-747C-EE4A-73EB-E3BD180D413D}"/>
+            </a:ext>
+          </a:extLst>
+        </p:cNvPr>
+        <p:cNvGrpSpPr/>
+        <p:nvPr/>
+      </p:nvGrpSpPr>
+      <p:grpSpPr>
+        <a:xfrm>
+          <a:off x="0" y="0"/>
+          <a:ext cx="0" cy="0"/>
+          <a:chOff x="0" y="0"/>
+          <a:chExt cx="0" cy="0"/>
+        </a:xfrm>
+      </p:grpSpPr>
+      <p:sp>
+        <p:nvSpPr>
+          <p:cNvPr id="2" name="Title 1">
+            <a:extLst>
+              <a:ext uri="{FF2B5EF4-FFF2-40B4-BE49-F238E27FC236}">
+                <a16:creationId xmlns:a16="http://schemas.microsoft.com/office/drawing/2014/main" id="{B9EEBDAF-5FE1-96FC-3EF8-B5565FA7B982}"/>
+              </a:ext>
+            </a:extLst>
+          </p:cNvPr>
+          <p:cNvSpPr>
+            <a:spLocks noGrp="1"/>
+          </p:cNvSpPr>
+          <p:nvPr>
+            <p:ph type="title"/>
+          </p:nvPr>
+        </p:nvSpPr>
+        <p:spPr>
+          <a:xfrm>
+            <a:off x="521208" y="978408"/>
+            <a:ext cx="11155680" cy="746533"/>
+          </a:xfrm>
+        </p:spPr>
+        <p:txBody>
+          <a:bodyPr>
+            <a:noAutofit/>
+          </a:bodyPr>
+          <a:lstStyle/>
+          <a:p>
+            <a:r>
+              <a:rPr lang="en-US" sz="4900" dirty="0"/>
+              <a:t>TRANSFORMACIONES AVANZADAS</a:t>
+            </a:r>
+          </a:p>
+        </p:txBody>
+      </p:sp>
+      <p:sp>
+        <p:nvSpPr>
+          <p:cNvPr id="4" name="Title 1">
+            <a:extLst>
+              <a:ext uri="{FF2B5EF4-FFF2-40B4-BE49-F238E27FC236}">
+                <a16:creationId xmlns:a16="http://schemas.microsoft.com/office/drawing/2014/main" id="{9DC0B495-4411-9187-6022-9E09BE5389EC}"/>
+              </a:ext>
+            </a:extLst>
+          </p:cNvPr>
+          <p:cNvSpPr txBox="1">
+            <a:spLocks/>
+          </p:cNvSpPr>
+          <p:nvPr/>
+        </p:nvSpPr>
+        <p:spPr>
+          <a:xfrm>
+            <a:off x="517869" y="1720517"/>
+            <a:ext cx="11157866" cy="4264056"/>
+          </a:xfrm>
+          <a:prstGeom prst="rect">
+            <a:avLst/>
+          </a:prstGeom>
+        </p:spPr>
+        <p:txBody>
+          <a:bodyPr vert="horz" lIns="91440" tIns="45720" rIns="91440" bIns="45720" rtlCol="0" anchor="t">
+            <a:normAutofit fontScale="97500"/>
+          </a:bodyPr>
+          <a:lstStyle>
+            <a:lvl1pPr algn="l" defTabSz="914400" rtl="0" eaLnBrk="1" latinLnBrk="0" hangingPunct="1">
+              <a:lnSpc>
+                <a:spcPct val="100000"/>
+              </a:lnSpc>
+              <a:spcBef>
+                <a:spcPct val="0"/>
+              </a:spcBef>
+              <a:buNone/>
+              <a:defRPr sz="4400" b="1" kern="1200">
+                <a:solidFill>
+                  <a:schemeClr val="tx1"/>
+                </a:solidFill>
+                <a:latin typeface="+mj-lt"/>
+                <a:ea typeface="+mj-ea"/>
+                <a:cs typeface="+mj-cs"/>
+              </a:defRPr>
+            </a:lvl1pPr>
+          </a:lstStyle>
+          <a:p>
+            <a:pPr>
+              <a:lnSpc>
+                <a:spcPct val="90000"/>
+              </a:lnSpc>
+            </a:pPr>
+            <a:endParaRPr lang="en-US" sz="3600" u="sng" dirty="0"/>
+          </a:p>
+          <a:p>
+            <a:pPr>
+              <a:lnSpc>
+                <a:spcPct val="90000"/>
+              </a:lnSpc>
+            </a:pPr>
+            <a:br>
+              <a:rPr lang="en-US" sz="2900" b="0" dirty="0"/>
+            </a:br>
+            <a:endParaRPr lang="en-US" sz="3300" b="0"/>
+          </a:p>
+        </p:txBody>
+      </p:sp>
+      <p:sp>
+        <p:nvSpPr>
+          <p:cNvPr id="5" name="TextBox 4">
+            <a:extLst>
+              <a:ext uri="{FF2B5EF4-FFF2-40B4-BE49-F238E27FC236}">
+                <a16:creationId xmlns:a16="http://schemas.microsoft.com/office/drawing/2014/main" id="{2FE1B98A-7188-19E0-4007-FD9B002B4B26}"/>
+              </a:ext>
+            </a:extLst>
+          </p:cNvPr>
+          <p:cNvSpPr txBox="1"/>
+          <p:nvPr/>
+        </p:nvSpPr>
+        <p:spPr>
+          <a:xfrm>
+            <a:off x="524329" y="1721757"/>
+            <a:ext cx="11152414" cy="3447098"/>
+          </a:xfrm>
+          <a:prstGeom prst="rect">
+            <a:avLst/>
+          </a:prstGeom>
+          <a:noFill/>
+        </p:spPr>
+        <p:txBody>
+          <a:bodyPr rot="0" spcFirstLastPara="0" vertOverflow="overflow" horzOverflow="overflow" vert="horz" wrap="square" lIns="91440" tIns="45720" rIns="91440" bIns="45720" numCol="1" spcCol="0" rtlCol="0" fromWordArt="0" anchor="t" anchorCtr="0" forceAA="0" compatLnSpc="1">
+            <a:prstTxWarp prst="textNoShape">
+              <a:avLst/>
+            </a:prstTxWarp>
+            <a:spAutoFit/>
+          </a:bodyPr>
+          <a:lstStyle/>
+          <a:p>
+            <a:endParaRPr lang="en-US" sz="2000" b="1" dirty="0"/>
+          </a:p>
+          <a:p>
+            <a:r>
+              <a:rPr lang="en-US" sz="2400" b="1" dirty="0"/>
+              <a:t>¿QUE SON LAS TRANSFORMACIONES AVANZADAS?</a:t>
+            </a:r>
+            <a:endParaRPr lang="en-US" sz="2400"/>
+          </a:p>
+          <a:p>
+            <a:pPr marL="342900" indent="-342900">
+              <a:buFont typeface="Calibri"/>
+              <a:buChar char="-"/>
+            </a:pPr>
+            <a:endParaRPr lang="en-US" sz="1600" b="1" dirty="0"/>
+          </a:p>
+          <a:p>
+            <a:pPr marL="342900" indent="-342900">
+              <a:buFont typeface="Calibri"/>
+              <a:buChar char="-"/>
+            </a:pPr>
+            <a:r>
+              <a:rPr lang="en-US" sz="1600" dirty="0" err="1"/>
+              <a:t>Permiten</a:t>
+            </a:r>
+            <a:r>
+              <a:rPr lang="en-US" sz="1600" dirty="0"/>
+              <a:t> </a:t>
+            </a:r>
+            <a:r>
+              <a:rPr lang="en-US" sz="1600" dirty="0" err="1"/>
+              <a:t>automatizar</a:t>
+            </a:r>
+            <a:r>
+              <a:rPr lang="en-US" sz="1600" dirty="0"/>
+              <a:t> </a:t>
+            </a:r>
+            <a:r>
+              <a:rPr lang="en-US" sz="1600" dirty="0" err="1"/>
+              <a:t>procesos</a:t>
+            </a:r>
+            <a:r>
+              <a:rPr lang="en-US" sz="1600" dirty="0"/>
+              <a:t>, </a:t>
+            </a:r>
+            <a:r>
+              <a:rPr lang="en-US" sz="1600" dirty="0" err="1"/>
+              <a:t>combinar</a:t>
+            </a:r>
+            <a:r>
+              <a:rPr lang="en-US" sz="1600" dirty="0"/>
+              <a:t> </a:t>
+            </a:r>
+            <a:r>
+              <a:rPr lang="en-US" sz="1600" dirty="0" err="1"/>
+              <a:t>múltiples</a:t>
+            </a:r>
+            <a:r>
+              <a:rPr lang="en-US" sz="1600" dirty="0"/>
+              <a:t> </a:t>
+            </a:r>
+            <a:r>
+              <a:rPr lang="en-US" sz="1600" dirty="0" err="1"/>
+              <a:t>fuentes</a:t>
+            </a:r>
+            <a:r>
+              <a:rPr lang="en-US" sz="1600" dirty="0"/>
+              <a:t> de </a:t>
+            </a:r>
+            <a:r>
+              <a:rPr lang="en-US" sz="1600" dirty="0" err="1"/>
+              <a:t>datos</a:t>
+            </a:r>
+            <a:r>
+              <a:rPr lang="en-US" sz="1600" dirty="0"/>
+              <a:t>, y </a:t>
+            </a:r>
+            <a:r>
+              <a:rPr lang="en-US" sz="1600" dirty="0" err="1"/>
+              <a:t>personalizar</a:t>
+            </a:r>
+            <a:r>
+              <a:rPr lang="en-US" sz="1600" dirty="0"/>
+              <a:t> la </a:t>
+            </a:r>
+            <a:r>
+              <a:rPr lang="en-US" sz="1600" dirty="0" err="1"/>
+              <a:t>lógica</a:t>
+            </a:r>
+            <a:r>
+              <a:rPr lang="en-US" sz="1600" dirty="0"/>
+              <a:t> de </a:t>
+            </a:r>
+            <a:r>
+              <a:rPr lang="en-US" sz="1600" dirty="0" err="1"/>
+              <a:t>transformación</a:t>
+            </a:r>
+            <a:r>
+              <a:rPr lang="en-US" sz="1600" dirty="0"/>
+              <a:t> para </a:t>
+            </a:r>
+            <a:r>
+              <a:rPr lang="en-US" sz="1600" dirty="0" err="1"/>
+              <a:t>adaptarse</a:t>
+            </a:r>
+            <a:r>
+              <a:rPr lang="en-US" sz="1600" dirty="0"/>
+              <a:t> a </a:t>
+            </a:r>
+            <a:r>
+              <a:rPr lang="en-US" sz="1600" dirty="0" err="1"/>
+              <a:t>escenarios</a:t>
+            </a:r>
+            <a:r>
+              <a:rPr lang="en-US" sz="1600" dirty="0"/>
+              <a:t> </a:t>
+            </a:r>
+            <a:r>
+              <a:rPr lang="en-US" sz="1600" dirty="0" err="1"/>
+              <a:t>reales</a:t>
+            </a:r>
+            <a:r>
+              <a:rPr lang="en-US" sz="1600" dirty="0"/>
+              <a:t> de </a:t>
+            </a:r>
+            <a:r>
+              <a:rPr lang="en-US" sz="1600" dirty="0" err="1"/>
+              <a:t>negocio</a:t>
+            </a:r>
+            <a:r>
+              <a:rPr lang="en-US" sz="1600" dirty="0"/>
+              <a:t>.</a:t>
+            </a:r>
+          </a:p>
+          <a:p>
+            <a:endParaRPr lang="en-US" sz="2000" b="1" dirty="0"/>
+          </a:p>
+          <a:p>
+            <a:r>
+              <a:rPr lang="en-US" sz="2400" b="1" dirty="0"/>
+              <a:t>¿QUE BENEFICIOS APORTAN?</a:t>
+            </a:r>
+          </a:p>
+          <a:p>
+            <a:pPr marL="342900" indent="-342900">
+              <a:buFont typeface="Calibri"/>
+              <a:buChar char="-"/>
+            </a:pPr>
+            <a:r>
+              <a:rPr lang="en-US" sz="1600" dirty="0" err="1"/>
+              <a:t>Permiten</a:t>
+            </a:r>
+            <a:r>
+              <a:rPr lang="en-US" sz="1600" dirty="0"/>
+              <a:t> </a:t>
+            </a:r>
+            <a:r>
+              <a:rPr lang="en-US" sz="1600" dirty="0" err="1"/>
+              <a:t>automatizar</a:t>
+            </a:r>
+            <a:r>
+              <a:rPr lang="en-US" sz="1600" dirty="0"/>
+              <a:t> </a:t>
+            </a:r>
+            <a:r>
+              <a:rPr lang="en-US" sz="1600" dirty="0" err="1"/>
+              <a:t>procesos</a:t>
+            </a:r>
+            <a:r>
+              <a:rPr lang="en-US" sz="1600" dirty="0"/>
+              <a:t> </a:t>
+            </a:r>
+            <a:r>
+              <a:rPr lang="en-US" sz="1600" dirty="0" err="1"/>
+              <a:t>complejos</a:t>
+            </a:r>
+            <a:endParaRPr lang="en-US" sz="1600" dirty="0"/>
+          </a:p>
+          <a:p>
+            <a:pPr marL="342900" indent="-342900">
+              <a:buFont typeface="Calibri"/>
+              <a:buChar char="-"/>
+            </a:pPr>
+            <a:r>
+              <a:rPr lang="en-US" sz="1600" err="1"/>
+              <a:t>Mejoran</a:t>
+            </a:r>
+            <a:r>
+              <a:rPr lang="en-US" sz="1600" dirty="0"/>
+              <a:t> la </a:t>
+            </a:r>
+            <a:r>
+              <a:rPr lang="en-US" sz="1600" err="1"/>
+              <a:t>eficiencia</a:t>
+            </a:r>
+            <a:r>
+              <a:rPr lang="en-US" sz="1600" dirty="0"/>
+              <a:t> y </a:t>
+            </a:r>
+            <a:r>
+              <a:rPr lang="en-US" sz="1600" err="1"/>
+              <a:t>escalabilidad</a:t>
+            </a:r>
+            <a:r>
+              <a:rPr lang="en-US" sz="1600" dirty="0"/>
+              <a:t> del </a:t>
+            </a:r>
+            <a:r>
+              <a:rPr lang="en-US" sz="1600" err="1"/>
+              <a:t>modelo</a:t>
+            </a:r>
+            <a:endParaRPr lang="en-US" sz="1600" dirty="0"/>
+          </a:p>
+          <a:p>
+            <a:pPr marL="342900" indent="-342900">
+              <a:buFont typeface="Calibri"/>
+              <a:buChar char="-"/>
+            </a:pPr>
+            <a:r>
+              <a:rPr lang="en-US" sz="1600" err="1"/>
+              <a:t>Facilitan</a:t>
+            </a:r>
+            <a:r>
+              <a:rPr lang="en-US" sz="1600" dirty="0"/>
+              <a:t> </a:t>
+            </a:r>
+            <a:r>
+              <a:rPr lang="en-US" sz="1600" err="1"/>
+              <a:t>el</a:t>
+            </a:r>
+            <a:r>
+              <a:rPr lang="en-US" sz="1600" dirty="0"/>
+              <a:t> </a:t>
+            </a:r>
+            <a:r>
+              <a:rPr lang="en-US" sz="1600" err="1"/>
+              <a:t>mantenimiento</a:t>
+            </a:r>
+            <a:r>
+              <a:rPr lang="en-US" sz="1600" dirty="0"/>
+              <a:t> de </a:t>
+            </a:r>
+            <a:r>
+              <a:rPr lang="en-US" sz="1600" err="1"/>
+              <a:t>soluciones</a:t>
+            </a:r>
+            <a:r>
+              <a:rPr lang="en-US" sz="1600" dirty="0"/>
+              <a:t> a largo </a:t>
+            </a:r>
+            <a:r>
+              <a:rPr lang="en-US" sz="1600" err="1"/>
+              <a:t>plazo</a:t>
+            </a:r>
+            <a:endParaRPr lang="en-US" sz="1600" dirty="0"/>
+          </a:p>
+          <a:p>
+            <a:pPr marL="342900" indent="-342900">
+              <a:buFont typeface="Calibri"/>
+              <a:buChar char="-"/>
+            </a:pPr>
+            <a:r>
+              <a:rPr lang="en-US" sz="1600" dirty="0"/>
+              <a:t>Abren la </a:t>
+            </a:r>
+            <a:r>
+              <a:rPr lang="en-US" sz="1600" err="1"/>
+              <a:t>puerta</a:t>
+            </a:r>
+            <a:r>
+              <a:rPr lang="en-US" sz="1600" dirty="0"/>
+              <a:t> a la </a:t>
+            </a:r>
+            <a:r>
+              <a:rPr lang="en-US" sz="1600" err="1"/>
+              <a:t>programación</a:t>
+            </a:r>
+            <a:r>
+              <a:rPr lang="en-US" sz="1600" dirty="0"/>
+              <a:t> </a:t>
+            </a:r>
+            <a:r>
+              <a:rPr lang="en-US" sz="1600" err="1"/>
+              <a:t>funcional</a:t>
+            </a:r>
+            <a:r>
+              <a:rPr lang="en-US" sz="1600" dirty="0"/>
+              <a:t> </a:t>
+            </a:r>
+            <a:r>
+              <a:rPr lang="en-US" sz="1600" err="1"/>
+              <a:t>dentro</a:t>
+            </a:r>
+            <a:r>
+              <a:rPr lang="en-US" sz="1600" dirty="0"/>
+              <a:t> de Power BI</a:t>
+            </a:r>
+          </a:p>
+          <a:p>
+            <a:pPr marL="342900" indent="-342900">
+              <a:buFont typeface="Calibri"/>
+              <a:buChar char="-"/>
+            </a:pPr>
+            <a:endParaRPr lang="en-US" dirty="0"/>
+          </a:p>
+        </p:txBody>
+      </p:sp>
+    </p:spTree>
+    <p:extLst>
+      <p:ext uri="{BB962C8B-B14F-4D97-AF65-F5344CB8AC3E}">
+        <p14:creationId xmlns:p14="http://schemas.microsoft.com/office/powerpoint/2010/main" val="1554860235"/>
+      </p:ext>
+    </p:extLst>
+  </p:cSld>
+  <p:clrMapOvr>
+    <a:masterClrMapping/>
+  </p:clrMapOvr>
+</p:sld>
+</file>
+
+<file path=ppt/slides/slide41.xml><?xml version="1.0" encoding="utf-8"?>
+<p:sld xmlns:a="http://schemas.openxmlformats.org/drawingml/2006/main" xmlns:r="http://schemas.openxmlformats.org/officeDocument/2006/relationships" xmlns:p="http://schemas.openxmlformats.org/presentationml/2006/main">
+  <p:cSld>
+    <p:bg>
+      <p:bgPr>
+        <a:solidFill>
+          <a:schemeClr val="bg1"/>
+        </a:solidFill>
+        <a:effectLst/>
+      </p:bgPr>
+    </p:bg>
+    <p:spTree>
+      <p:nvGrpSpPr>
+        <p:cNvPr id="1" name="">
+          <a:extLst>
+            <a:ext uri="{FF2B5EF4-FFF2-40B4-BE49-F238E27FC236}">
+              <a16:creationId xmlns:a16="http://schemas.microsoft.com/office/drawing/2014/main" id="{380B0203-52F9-303F-42D5-57A67203F0F0}"/>
+            </a:ext>
+          </a:extLst>
+        </p:cNvPr>
+        <p:cNvGrpSpPr/>
+        <p:nvPr/>
+      </p:nvGrpSpPr>
+      <p:grpSpPr>
+        <a:xfrm>
+          <a:off x="0" y="0"/>
+          <a:ext cx="0" cy="0"/>
+          <a:chOff x="0" y="0"/>
+          <a:chExt cx="0" cy="0"/>
+        </a:xfrm>
+      </p:grpSpPr>
+      <p:sp useBgFill="1">
+        <p:nvSpPr>
+          <p:cNvPr id="23" name="Rectangle 22">
+            <a:extLst>
+              <a:ext uri="{FF2B5EF4-FFF2-40B4-BE49-F238E27FC236}">
+                <a16:creationId xmlns:a16="http://schemas.microsoft.com/office/drawing/2014/main" id="{16CE652F-78A1-1ECC-6C04-56067BCC8CFA}"/>
+              </a:ext>
+              <a:ext uri="{C183D7F6-B498-43B3-948B-1728B52AA6E4}">
+                <adec:decorative xmlns:adec="http://schemas.microsoft.com/office/drawing/2017/decorative" val="1"/>
+              </a:ext>
+            </a:extLst>
+          </p:cNvPr>
+          <p:cNvSpPr>
+            <a:spLocks noGrp="1" noRot="1" noChangeAspect="1" noMove="1" noResize="1" noEditPoints="1" noAdjustHandles="1" noChangeArrowheads="1" noChangeShapeType="1" noTextEdit="1"/>
+          </p:cNvSpPr>
+          <p:nvPr>
+            <p:extLst>
+              <p:ext uri="{386F3935-93C4-4BCD-93E2-E3B085C9AB24}">
+                <p16:designElem xmlns:p16="http://schemas.microsoft.com/office/powerpoint/2015/main" val="1"/>
+              </p:ext>
+            </p:extLst>
+          </p:nvPr>
+        </p:nvSpPr>
+        <p:spPr>
+          <a:xfrm>
+            <a:off x="0" y="0"/>
+            <a:ext cx="12192000" cy="6858001"/>
+          </a:xfrm>
+          <a:prstGeom prst="rect">
+            <a:avLst/>
+          </a:prstGeom>
+          <a:ln>
+            <a:noFill/>
+          </a:ln>
+        </p:spPr>
+        <p:style>
+          <a:lnRef idx="2">
+            <a:schemeClr val="accent1">
+              <a:shade val="50000"/>
+            </a:schemeClr>
+          </a:lnRef>
+          <a:fillRef idx="1">
+            <a:schemeClr val="accent1"/>
+          </a:fillRef>
+          <a:effectRef idx="0">
+            <a:schemeClr val="accent1"/>
+          </a:effectRef>
+          <a:fontRef idx="minor">
+            <a:schemeClr val="lt1"/>
+          </a:fontRef>
+        </p:style>
+        <p:txBody>
+          <a:bodyPr rtlCol="0" anchor="ctr"/>
+          <a:lstStyle/>
+          <a:p>
+            <a:pPr algn="ctr"/>
+            <a:endParaRPr lang="en-US" dirty="0"/>
+          </a:p>
+        </p:txBody>
+      </p:sp>
+      <p:pic>
+        <p:nvPicPr>
+          <p:cNvPr id="16" name="Picture 15" descr="Gráfico económico digital">
+            <a:extLst>
+              <a:ext uri="{FF2B5EF4-FFF2-40B4-BE49-F238E27FC236}">
+                <a16:creationId xmlns:a16="http://schemas.microsoft.com/office/drawing/2014/main" id="{9B90F332-A6B2-8D74-5A87-46543F5576F4}"/>
+              </a:ext>
+            </a:extLst>
+          </p:cNvPr>
+          <p:cNvPicPr>
+            <a:picLocks noChangeAspect="1"/>
+          </p:cNvPicPr>
+          <p:nvPr/>
+        </p:nvPicPr>
+        <p:blipFill>
+          <a:blip r:embed="rId2"/>
+          <a:srcRect l="25"/>
+          <a:stretch/>
+        </p:blipFill>
+        <p:spPr>
+          <a:xfrm>
+            <a:off x="20" y="10"/>
+            <a:ext cx="12191979" cy="6857990"/>
+          </a:xfrm>
+          <a:prstGeom prst="rect">
+            <a:avLst/>
+          </a:prstGeom>
+        </p:spPr>
+      </p:pic>
+      <p:sp>
+        <p:nvSpPr>
+          <p:cNvPr id="25" name="Rectangle 24">
+            <a:extLst>
+              <a:ext uri="{FF2B5EF4-FFF2-40B4-BE49-F238E27FC236}">
+                <a16:creationId xmlns:a16="http://schemas.microsoft.com/office/drawing/2014/main" id="{9338DD4D-704C-0643-AD1B-7EE043E0815B}"/>
+              </a:ext>
+              <a:ext uri="{C183D7F6-B498-43B3-948B-1728B52AA6E4}">
+                <adec:decorative xmlns:adec="http://schemas.microsoft.com/office/drawing/2017/decorative" val="1"/>
+              </a:ext>
+            </a:extLst>
+          </p:cNvPr>
+          <p:cNvSpPr>
+            <a:spLocks noGrp="1" noRot="1" noChangeAspect="1" noMove="1" noResize="1" noEditPoints="1" noAdjustHandles="1" noChangeArrowheads="1" noChangeShapeType="1" noTextEdit="1"/>
+          </p:cNvSpPr>
+          <p:nvPr>
+            <p:extLst>
+              <p:ext uri="{386F3935-93C4-4BCD-93E2-E3B085C9AB24}">
+                <p16:designElem xmlns:p16="http://schemas.microsoft.com/office/powerpoint/2015/main" val="1"/>
+              </p:ext>
+            </p:extLst>
+          </p:nvPr>
+        </p:nvSpPr>
+        <p:spPr>
+          <a:xfrm rot="16200000">
+            <a:off x="389239" y="-389238"/>
+            <a:ext cx="6858000" cy="7636476"/>
+          </a:xfrm>
+          <a:prstGeom prst="rect">
+            <a:avLst/>
+          </a:prstGeom>
+          <a:gradFill>
+            <a:gsLst>
+              <a:gs pos="100000">
+                <a:srgbClr val="000000">
+                  <a:alpha val="0"/>
+                </a:srgbClr>
+              </a:gs>
+              <a:gs pos="0">
+                <a:schemeClr val="tx1"/>
+              </a:gs>
+              <a:gs pos="0">
+                <a:srgbClr val="000000">
+                  <a:alpha val="70000"/>
+                </a:srgbClr>
+              </a:gs>
+            </a:gsLst>
+            <a:lin ang="5400000" scaled="1"/>
+          </a:gradFill>
+          <a:ln>
+            <a:noFill/>
+          </a:ln>
+        </p:spPr>
+        <p:style>
+          <a:lnRef idx="2">
+            <a:schemeClr val="accent1">
+              <a:shade val="50000"/>
+            </a:schemeClr>
+          </a:lnRef>
+          <a:fillRef idx="1">
+            <a:schemeClr val="accent1"/>
+          </a:fillRef>
+          <a:effectRef idx="0">
+            <a:schemeClr val="accent1"/>
+          </a:effectRef>
+          <a:fontRef idx="minor">
+            <a:schemeClr val="lt1"/>
+          </a:fontRef>
+        </p:style>
+        <p:txBody>
+          <a:bodyPr rtlCol="0" anchor="ctr"/>
+          <a:lstStyle/>
+          <a:p>
+            <a:pPr algn="ctr"/>
+            <a:endParaRPr lang="en-US"/>
+          </a:p>
+        </p:txBody>
+      </p:sp>
+      <p:sp>
+        <p:nvSpPr>
+          <p:cNvPr id="2" name="Título 1">
+            <a:extLst>
+              <a:ext uri="{FF2B5EF4-FFF2-40B4-BE49-F238E27FC236}">
+                <a16:creationId xmlns:a16="http://schemas.microsoft.com/office/drawing/2014/main" id="{279CB29E-5567-119E-E868-94C3FF8B290F}"/>
+              </a:ext>
+            </a:extLst>
+          </p:cNvPr>
+          <p:cNvSpPr>
+            <a:spLocks noGrp="1"/>
+          </p:cNvSpPr>
+          <p:nvPr>
+            <p:ph type="ctrTitle"/>
+          </p:nvPr>
+        </p:nvSpPr>
+        <p:spPr>
+          <a:xfrm>
+            <a:off x="517870" y="978407"/>
+            <a:ext cx="9411854" cy="4115304"/>
+          </a:xfrm>
+        </p:spPr>
+        <p:txBody>
+          <a:bodyPr vert="horz" lIns="91440" tIns="45720" rIns="91440" bIns="45720" rtlCol="0" anchor="t">
+            <a:normAutofit/>
+          </a:bodyPr>
+          <a:lstStyle/>
+          <a:p>
+            <a:r>
+              <a:rPr lang="es-ES" sz="8800" dirty="0">
+                <a:solidFill>
+                  <a:srgbClr val="FFFFFF"/>
+                </a:solidFill>
+              </a:rPr>
+              <a:t>Gracias</a:t>
+            </a:r>
+            <a:br>
+              <a:rPr lang="es-ES" sz="8000" dirty="0">
+                <a:solidFill>
+                  <a:srgbClr val="FFFFFF"/>
+                </a:solidFill>
+              </a:rPr>
+            </a:br>
+            <a:br>
+              <a:rPr lang="es-ES" sz="8000" dirty="0">
+                <a:solidFill>
+                  <a:srgbClr val="FFFFFF"/>
+                </a:solidFill>
+              </a:rPr>
+            </a:br>
+            <a:r>
+              <a:rPr lang="es-ES" sz="8000" dirty="0">
+                <a:solidFill>
+                  <a:srgbClr val="FFFFFF"/>
+                </a:solidFill>
+              </a:rPr>
+              <a:t>FINAL SESION 04</a:t>
+            </a:r>
+          </a:p>
+        </p:txBody>
+      </p:sp>
+      <p:sp>
+        <p:nvSpPr>
+          <p:cNvPr id="27" name="Rectangle 26">
+            <a:extLst>
+              <a:ext uri="{FF2B5EF4-FFF2-40B4-BE49-F238E27FC236}">
+                <a16:creationId xmlns:a16="http://schemas.microsoft.com/office/drawing/2014/main" id="{6DB692A6-D924-9C42-88FE-82E265BEDDDF}"/>
+              </a:ext>
+              <a:ext uri="{C183D7F6-B498-43B3-948B-1728B52AA6E4}">
+                <adec:decorative xmlns:adec="http://schemas.microsoft.com/office/drawing/2017/decorative" val="1"/>
+              </a:ext>
+            </a:extLst>
+          </p:cNvPr>
+          <p:cNvSpPr>
+            <a:spLocks noGrp="1" noRot="1" noChangeAspect="1" noMove="1" noResize="1" noEditPoints="1" noAdjustHandles="1" noChangeArrowheads="1" noChangeShapeType="1" noTextEdit="1"/>
+          </p:cNvSpPr>
+          <p:nvPr>
+            <p:extLst>
+              <p:ext uri="{386F3935-93C4-4BCD-93E2-E3B085C9AB24}">
+                <p16:designElem xmlns:p16="http://schemas.microsoft.com/office/powerpoint/2015/main" val="1"/>
+              </p:ext>
+            </p:extLst>
+          </p:nvPr>
+        </p:nvSpPr>
+        <p:spPr>
+          <a:xfrm>
+            <a:off x="517870" y="508090"/>
+            <a:ext cx="5021183" cy="149279"/>
+          </a:xfrm>
+          <a:prstGeom prst="rect">
+            <a:avLst/>
+          </a:prstGeom>
+          <a:solidFill>
+            <a:srgbClr val="FFFFFF"/>
+          </a:solidFill>
+          <a:ln>
+            <a:noFill/>
+          </a:ln>
+        </p:spPr>
+        <p:style>
+          <a:lnRef idx="2">
+            <a:schemeClr val="accent1">
+              <a:shade val="50000"/>
+            </a:schemeClr>
+          </a:lnRef>
+          <a:fillRef idx="1">
+            <a:schemeClr val="accent1"/>
+          </a:fillRef>
+          <a:effectRef idx="0">
+            <a:schemeClr val="accent1"/>
+          </a:effectRef>
+          <a:fontRef idx="minor">
+            <a:schemeClr val="lt1"/>
+          </a:fontRef>
+        </p:style>
+        <p:txBody>
+          <a:bodyPr rtlCol="0" anchor="ctr"/>
+          <a:lstStyle/>
+          <a:p>
+            <a:pPr algn="ctr"/>
+            <a:endParaRPr lang="en-US"/>
+          </a:p>
+        </p:txBody>
+      </p:sp>
+      <p:pic>
+        <p:nvPicPr>
+          <p:cNvPr id="3" name="Picture 2">
+            <a:extLst>
+              <a:ext uri="{FF2B5EF4-FFF2-40B4-BE49-F238E27FC236}">
+                <a16:creationId xmlns:a16="http://schemas.microsoft.com/office/drawing/2014/main" id="{8DF18186-CBB6-C874-399C-D74E134EA9B2}"/>
+              </a:ext>
+            </a:extLst>
+          </p:cNvPr>
+          <p:cNvPicPr>
+            <a:picLocks noChangeAspect="1"/>
+          </p:cNvPicPr>
+          <p:nvPr/>
+        </p:nvPicPr>
+        <p:blipFill>
+          <a:blip r:embed="rId3"/>
+          <a:stretch>
+            <a:fillRect/>
+          </a:stretch>
+        </p:blipFill>
+        <p:spPr>
+          <a:xfrm>
+            <a:off x="8159039" y="6171871"/>
+            <a:ext cx="1777233" cy="461360"/>
+          </a:xfrm>
+          <a:prstGeom prst="rect">
+            <a:avLst/>
+          </a:prstGeom>
+        </p:spPr>
+      </p:pic>
+      <p:pic>
+        <p:nvPicPr>
+          <p:cNvPr id="4" name="Picture 3">
+            <a:extLst>
+              <a:ext uri="{FF2B5EF4-FFF2-40B4-BE49-F238E27FC236}">
+                <a16:creationId xmlns:a16="http://schemas.microsoft.com/office/drawing/2014/main" id="{03D043A5-587F-A33A-5DAD-E9BC44CA0172}"/>
+              </a:ext>
+            </a:extLst>
+          </p:cNvPr>
+          <p:cNvPicPr>
+            <a:picLocks noChangeAspect="1"/>
+          </p:cNvPicPr>
+          <p:nvPr/>
+        </p:nvPicPr>
+        <p:blipFill>
+          <a:blip r:embed="rId4"/>
+          <a:stretch>
+            <a:fillRect/>
+          </a:stretch>
+        </p:blipFill>
+        <p:spPr>
+          <a:xfrm>
+            <a:off x="10018876" y="6171543"/>
+            <a:ext cx="1841281" cy="462017"/>
+          </a:xfrm>
+          <a:prstGeom prst="rect">
+            <a:avLst/>
+          </a:prstGeom>
+        </p:spPr>
+      </p:pic>
+    </p:spTree>
+    <p:extLst>
+      <p:ext uri="{BB962C8B-B14F-4D97-AF65-F5344CB8AC3E}">
+        <p14:creationId xmlns:p14="http://schemas.microsoft.com/office/powerpoint/2010/main" val="630143656"/>
+      </p:ext>
+    </p:extLst>
+  </p:cSld>
+  <p:clrMapOvr>
+    <a:overrideClrMapping bg1="dk1" tx1="lt1" bg2="dk2" tx2="lt2" accent1="accent1" accent2="accent2" accent3="accent3" accent4="accent4" accent5="accent5" accent6="accent6" hlink="hlink" folHlink="folHlink"/>
   </p:clrMapOvr>
 </p:sld>
 </file>
